--- a/trunk/presentation/presentation.pptx
+++ b/trunk/presentation/presentation.pptx
@@ -268,7 +268,7 @@
           <a:p>
             <a:fld id="{DF37FB2E-DBB5-4932-88B6-C9A5B7522C1A}" type="datetimeFigureOut">
               <a:rPr lang="es-ES" smtClean="0"/>
-              <a:t>25/01/2012</a:t>
+              <a:t>26/01/2012</a:t>
             </a:fld>
             <a:endParaRPr lang="es-ES"/>
           </a:p>
@@ -434,7 +434,7 @@
           <a:p>
             <a:fld id="{61310D32-53D9-4A7F-9CEC-A0364F2AFD84}" type="datetimeFigureOut">
               <a:rPr lang="es-ES" smtClean="0"/>
-              <a:t>25/01/2012</a:t>
+              <a:t>26/01/2012</a:t>
             </a:fld>
             <a:endParaRPr lang="es-ES"/>
           </a:p>
@@ -5599,9 +5599,22 @@
         </p:nvSpPr>
         <p:spPr/>
         <p:txBody>
-          <a:bodyPr/>
+          <a:bodyPr>
+            <a:normAutofit/>
+          </a:bodyPr>
           <a:lstStyle/>
           <a:p>
+            <a:r>
+              <a:rPr lang="es-ES" sz="2200" dirty="0" smtClean="0"/>
+              <a:t>Motivación y Objetivos</a:t>
+            </a:r>
+            <a:r>
+              <a:rPr lang="es-ES" dirty="0" smtClean="0"/>
+              <a:t/>
+            </a:r>
+            <a:br>
+              <a:rPr lang="es-ES" dirty="0" smtClean="0"/>
+            </a:br>
             <a:r>
               <a:rPr lang="es-ES" dirty="0" smtClean="0"/>
               <a:t>Motivación</a:t>
@@ -5996,11 +6009,28 @@
         </p:nvSpPr>
         <p:spPr/>
         <p:txBody>
-          <a:bodyPr/>
+          <a:bodyPr>
+            <a:normAutofit/>
+          </a:bodyPr>
           <a:lstStyle/>
           <a:p>
             <a:r>
-              <a:rPr lang="es-ES" dirty="0" smtClean="0"/>
+              <a:rPr lang="es-ES" sz="2200" dirty="0"/>
+              <a:t>Motivación y </a:t>
+            </a:r>
+            <a:r>
+              <a:rPr lang="es-ES" sz="2200" dirty="0" smtClean="0"/>
+              <a:t>Objetivos</a:t>
+            </a:r>
+            <a:r>
+              <a:rPr lang="es-ES" dirty="0"/>
+              <a:t/>
+            </a:r>
+            <a:br>
+              <a:rPr lang="es-ES" dirty="0"/>
+            </a:br>
+            <a:r>
+              <a:rPr lang="es-ES" dirty="0"/>
               <a:t>Motivación</a:t>
             </a:r>
             <a:endParaRPr lang="es-ES" dirty="0"/>
@@ -6117,12 +6147,29 @@
         </p:nvSpPr>
         <p:spPr/>
         <p:txBody>
-          <a:bodyPr/>
+          <a:bodyPr>
+            <a:normAutofit/>
+          </a:bodyPr>
           <a:lstStyle/>
           <a:p>
             <a:r>
+              <a:rPr lang="es-ES" sz="2200" dirty="0"/>
+              <a:t>Motivación y Objetivos</a:t>
+            </a:r>
+            <a:r>
               <a:rPr lang="es-ES" dirty="0" smtClean="0"/>
-              <a:t>Objetivo principal</a:t>
+              <a:t/>
+            </a:r>
+            <a:br>
+              <a:rPr lang="es-ES" dirty="0" smtClean="0"/>
+            </a:br>
+            <a:r>
+              <a:rPr lang="es-ES" dirty="0" smtClean="0"/>
+              <a:t>Objetivo </a:t>
+            </a:r>
+            <a:r>
+              <a:rPr lang="es-ES" dirty="0" smtClean="0"/>
+              <a:t>principal</a:t>
             </a:r>
             <a:endParaRPr lang="es-ES" dirty="0"/>
           </a:p>
@@ -6554,7 +6601,7 @@
         </p:blipFill>
         <p:spPr>
           <a:xfrm>
-            <a:off x="2229798" y="1481138"/>
+            <a:off x="2267744" y="1844824"/>
             <a:ext cx="4684404" cy="4525962"/>
           </a:xfrm>
         </p:spPr>
@@ -6571,12 +6618,29 @@
         </p:nvSpPr>
         <p:spPr/>
         <p:txBody>
-          <a:bodyPr/>
+          <a:bodyPr>
+            <a:normAutofit/>
+          </a:bodyPr>
           <a:lstStyle/>
           <a:p>
             <a:r>
+              <a:rPr lang="es-ES" sz="2200" dirty="0"/>
+              <a:t>Motivación y Objetivos</a:t>
+            </a:r>
+            <a:r>
               <a:rPr lang="es-ES" dirty="0" smtClean="0"/>
-              <a:t>Objetivo principal</a:t>
+              <a:t/>
+            </a:r>
+            <a:br>
+              <a:rPr lang="es-ES" dirty="0" smtClean="0"/>
+            </a:br>
+            <a:r>
+              <a:rPr lang="es-ES" dirty="0" smtClean="0"/>
+              <a:t>Objetivo </a:t>
+            </a:r>
+            <a:r>
+              <a:rPr lang="es-ES" dirty="0" smtClean="0"/>
+              <a:t>principal</a:t>
             </a:r>
             <a:endParaRPr lang="es-ES" dirty="0"/>
           </a:p>
@@ -6696,12 +6760,33 @@
         </p:nvSpPr>
         <p:spPr/>
         <p:txBody>
-          <a:bodyPr/>
+          <a:bodyPr>
+            <a:normAutofit/>
+          </a:bodyPr>
           <a:lstStyle/>
           <a:p>
             <a:r>
+              <a:rPr lang="es-ES" sz="2200" dirty="0"/>
+              <a:t>Motivación y Objetivos</a:t>
+            </a:r>
+            <a:r>
               <a:rPr lang="es-ES" dirty="0" smtClean="0"/>
-              <a:t>Objetivos parciales</a:t>
+              <a:t/>
+            </a:r>
+            <a:br>
+              <a:rPr lang="es-ES" dirty="0" smtClean="0"/>
+            </a:br>
+            <a:r>
+              <a:rPr lang="es-ES" dirty="0" err="1" smtClean="0"/>
+              <a:t>Objetivos</a:t>
+            </a:r>
+            <a:r>
+              <a:rPr lang="es-ES" dirty="0" smtClean="0"/>
+              <a:t> </a:t>
+            </a:r>
+            <a:r>
+              <a:rPr lang="es-ES" dirty="0" smtClean="0"/>
+              <a:t>parciales</a:t>
             </a:r>
             <a:endParaRPr lang="es-ES" dirty="0"/>
           </a:p>
@@ -7047,12 +7132,33 @@
         </p:nvSpPr>
         <p:spPr/>
         <p:txBody>
-          <a:bodyPr/>
+          <a:bodyPr>
+            <a:normAutofit/>
+          </a:bodyPr>
           <a:lstStyle/>
           <a:p>
             <a:r>
+              <a:rPr lang="es-ES" sz="2200" dirty="0"/>
+              <a:t>Motivación y Objetivos</a:t>
+            </a:r>
+            <a:r>
               <a:rPr lang="es-ES" dirty="0" smtClean="0"/>
-              <a:t>Objetivos parciales</a:t>
+              <a:t/>
+            </a:r>
+            <a:br>
+              <a:rPr lang="es-ES" dirty="0" smtClean="0"/>
+            </a:br>
+            <a:r>
+              <a:rPr lang="es-ES" dirty="0" err="1" smtClean="0"/>
+              <a:t>Objetivos</a:t>
+            </a:r>
+            <a:r>
+              <a:rPr lang="es-ES" dirty="0" smtClean="0"/>
+              <a:t> </a:t>
+            </a:r>
+            <a:r>
+              <a:rPr lang="es-ES" dirty="0" smtClean="0"/>
+              <a:t>parciales</a:t>
             </a:r>
             <a:endParaRPr lang="es-ES" dirty="0"/>
           </a:p>
@@ -7585,12 +7691,29 @@
         </p:nvSpPr>
         <p:spPr/>
         <p:txBody>
-          <a:bodyPr/>
+          <a:bodyPr>
+            <a:normAutofit/>
+          </a:bodyPr>
           <a:lstStyle/>
           <a:p>
             <a:r>
+              <a:rPr lang="es-ES" sz="2200" dirty="0" smtClean="0"/>
+              <a:t>Estado del Arte</a:t>
+            </a:r>
+            <a:r>
               <a:rPr lang="es-ES" dirty="0" smtClean="0"/>
-              <a:t>Calidad y medidas software</a:t>
+              <a:t/>
+            </a:r>
+            <a:br>
+              <a:rPr lang="es-ES" dirty="0" smtClean="0"/>
+            </a:br>
+            <a:r>
+              <a:rPr lang="es-ES" dirty="0" smtClean="0"/>
+              <a:t>Calidad </a:t>
+            </a:r>
+            <a:r>
+              <a:rPr lang="es-ES" dirty="0" smtClean="0"/>
+              <a:t>y medidas software</a:t>
             </a:r>
             <a:endParaRPr lang="es-ES" dirty="0"/>
           </a:p>
@@ -7717,8 +7840,23 @@
           <a:lstStyle/>
           <a:p>
             <a:r>
+              <a:rPr lang="es-ES" sz="2200" dirty="0"/>
+              <a:t>Estado del Arte</a:t>
+            </a:r>
+            <a:r>
+              <a:rPr lang="es-ES" dirty="0"/>
+              <a:t/>
+            </a:r>
+            <a:br>
+              <a:rPr lang="es-ES" dirty="0"/>
+            </a:br>
+            <a:r>
+              <a:rPr lang="es-ES" dirty="0"/>
+              <a:t>Visualización </a:t>
+            </a:r>
+            <a:r>
               <a:rPr lang="es-ES" dirty="0" smtClean="0"/>
-              <a:t>Visualización de medidas</a:t>
+              <a:t>de medidas</a:t>
             </a:r>
             <a:endParaRPr lang="es-ES" dirty="0"/>
           </a:p>
@@ -7854,12 +7992,29 @@
         </p:nvSpPr>
         <p:spPr/>
         <p:txBody>
-          <a:bodyPr/>
+          <a:bodyPr>
+            <a:normAutofit/>
+          </a:bodyPr>
           <a:lstStyle/>
           <a:p>
             <a:r>
+              <a:rPr lang="es-ES" sz="2200" dirty="0"/>
+              <a:t>Estado del Arte</a:t>
+            </a:r>
+            <a:r>
+              <a:rPr lang="es-ES" dirty="0"/>
+              <a:t/>
+            </a:r>
+            <a:br>
+              <a:rPr lang="es-ES" dirty="0"/>
+            </a:br>
+            <a:r>
+              <a:rPr lang="es-ES" dirty="0"/>
+              <a:t>Visualización </a:t>
+            </a:r>
+            <a:r>
               <a:rPr lang="es-ES" dirty="0" smtClean="0"/>
-              <a:t>Visualización de medidas</a:t>
+              <a:t>de medidas</a:t>
             </a:r>
             <a:endParaRPr lang="es-ES" dirty="0"/>
           </a:p>
@@ -9444,8 +9599,23 @@
           <a:lstStyle/>
           <a:p>
             <a:r>
+              <a:rPr lang="es-ES" sz="2400" dirty="0" smtClean="0"/>
+              <a:t>Método de Trabajo</a:t>
+            </a:r>
+            <a:r>
               <a:rPr lang="es-ES" dirty="0" smtClean="0"/>
-              <a:t>Proceso Unificado de Desarrollo</a:t>
+              <a:t/>
+            </a:r>
+            <a:br>
+              <a:rPr lang="es-ES" dirty="0" smtClean="0"/>
+            </a:br>
+            <a:r>
+              <a:rPr lang="es-ES" dirty="0" smtClean="0"/>
+              <a:t>Proceso </a:t>
+            </a:r>
+            <a:r>
+              <a:rPr lang="es-ES" dirty="0" smtClean="0"/>
+              <a:t>Unificado de Desarrollo</a:t>
             </a:r>
             <a:endParaRPr lang="es-ES" dirty="0"/>
           </a:p>
@@ -9523,7 +9693,7 @@
         </p:nvSpPr>
         <p:spPr>
           <a:xfrm>
-            <a:off x="467544" y="1268760"/>
+            <a:off x="467544" y="1412776"/>
             <a:ext cx="3826768" cy="4824536"/>
           </a:xfrm>
         </p:spPr>
@@ -9647,12 +9817,29 @@
         </p:nvSpPr>
         <p:spPr/>
         <p:txBody>
-          <a:bodyPr/>
+          <a:bodyPr>
+            <a:normAutofit/>
+          </a:bodyPr>
           <a:lstStyle/>
           <a:p>
             <a:r>
+              <a:rPr lang="es-ES" sz="2200" dirty="0"/>
+              <a:t>Método de Trabajo</a:t>
+            </a:r>
+            <a:r>
+              <a:rPr lang="es-ES" dirty="0"/>
+              <a:t/>
+            </a:r>
+            <a:br>
+              <a:rPr lang="es-ES" dirty="0"/>
+            </a:br>
+            <a:r>
+              <a:rPr lang="es-ES" dirty="0"/>
+              <a:t>Marco </a:t>
+            </a:r>
+            <a:r>
               <a:rPr lang="es-ES" dirty="0" smtClean="0"/>
-              <a:t>Marco tecnológico</a:t>
+              <a:t>tecnológico</a:t>
             </a:r>
             <a:endParaRPr lang="es-ES" dirty="0"/>
           </a:p>
@@ -9668,7 +9855,7 @@
         </p:nvSpPr>
         <p:spPr>
           <a:xfrm>
-            <a:off x="4553759" y="1196752"/>
+            <a:off x="4579788" y="1340768"/>
             <a:ext cx="4306447" cy="3600400"/>
           </a:xfrm>
           <a:prstGeom prst="rect">
@@ -10176,12 +10363,29 @@
         </p:nvSpPr>
         <p:spPr/>
         <p:txBody>
-          <a:bodyPr/>
+          <a:bodyPr>
+            <a:normAutofit/>
+          </a:bodyPr>
           <a:lstStyle/>
           <a:p>
             <a:r>
+              <a:rPr lang="es-ES" sz="2200" dirty="0" smtClean="0"/>
+              <a:t>Resultados</a:t>
+            </a:r>
+            <a:r>
               <a:rPr lang="es-ES" dirty="0" smtClean="0"/>
-              <a:t>Trabajo inicial</a:t>
+              <a:t/>
+            </a:r>
+            <a:br>
+              <a:rPr lang="es-ES" dirty="0" smtClean="0"/>
+            </a:br>
+            <a:r>
+              <a:rPr lang="es-ES" dirty="0" smtClean="0"/>
+              <a:t>Trabajo </a:t>
+            </a:r>
+            <a:r>
+              <a:rPr lang="es-ES" dirty="0" smtClean="0"/>
+              <a:t>inicial</a:t>
             </a:r>
             <a:endParaRPr lang="es-ES" dirty="0"/>
           </a:p>
@@ -10278,12 +10482,29 @@
         </p:nvSpPr>
         <p:spPr/>
         <p:txBody>
-          <a:bodyPr/>
+          <a:bodyPr>
+            <a:normAutofit/>
+          </a:bodyPr>
           <a:lstStyle/>
           <a:p>
             <a:r>
+              <a:rPr lang="es-ES" sz="2200" dirty="0"/>
+              <a:t>Resultados</a:t>
+            </a:r>
+            <a:r>
+              <a:rPr lang="es-ES" dirty="0"/>
+              <a:t/>
+            </a:r>
+            <a:br>
+              <a:rPr lang="es-ES" dirty="0"/>
+            </a:br>
+            <a:r>
+              <a:rPr lang="es-ES" dirty="0"/>
+              <a:t>Motor </a:t>
+            </a:r>
+            <a:r>
               <a:rPr lang="es-ES" dirty="0" smtClean="0"/>
-              <a:t>Motor gráfico</a:t>
+              <a:t>gráfico</a:t>
             </a:r>
             <a:endParaRPr lang="es-ES" dirty="0"/>
           </a:p>
@@ -10380,12 +10601,29 @@
         </p:nvSpPr>
         <p:spPr/>
         <p:txBody>
-          <a:bodyPr/>
+          <a:bodyPr>
+            <a:normAutofit/>
+          </a:bodyPr>
           <a:lstStyle/>
           <a:p>
             <a:r>
+              <a:rPr lang="es-ES" sz="2200" dirty="0"/>
+              <a:t>Resultados</a:t>
+            </a:r>
+            <a:r>
+              <a:rPr lang="es-ES" dirty="0"/>
+              <a:t/>
+            </a:r>
+            <a:br>
+              <a:rPr lang="es-ES" dirty="0"/>
+            </a:br>
+            <a:r>
+              <a:rPr lang="es-ES" dirty="0"/>
+              <a:t>Aplicación </a:t>
+            </a:r>
+            <a:r>
               <a:rPr lang="es-ES" dirty="0" smtClean="0"/>
-              <a:t>Aplicación web</a:t>
+              <a:t>web</a:t>
             </a:r>
             <a:endParaRPr lang="es-ES" dirty="0"/>
           </a:p>
@@ -10736,8 +10974,23 @@
           <a:lstStyle/>
           <a:p>
             <a:r>
+              <a:rPr lang="es-ES" sz="2400" dirty="0" smtClean="0"/>
+              <a:t>Conclusiones</a:t>
+            </a:r>
+            <a:r>
               <a:rPr lang="es-ES" dirty="0" smtClean="0"/>
-              <a:t>Aspectos destacables del resultado</a:t>
+              <a:t/>
+            </a:r>
+            <a:br>
+              <a:rPr lang="es-ES" dirty="0" smtClean="0"/>
+            </a:br>
+            <a:r>
+              <a:rPr lang="es-ES" dirty="0" smtClean="0"/>
+              <a:t>Aspectos </a:t>
+            </a:r>
+            <a:r>
+              <a:rPr lang="es-ES" dirty="0" smtClean="0"/>
+              <a:t>destacables del resultado</a:t>
             </a:r>
             <a:endParaRPr lang="es-ES" dirty="0"/>
           </a:p>
@@ -10957,12 +11210,29 @@
         </p:nvSpPr>
         <p:spPr/>
         <p:txBody>
-          <a:bodyPr/>
+          <a:bodyPr>
+            <a:normAutofit/>
+          </a:bodyPr>
           <a:lstStyle/>
           <a:p>
             <a:r>
+              <a:rPr lang="es-ES" sz="2200" dirty="0"/>
+              <a:t>Conclusiones</a:t>
+            </a:r>
+            <a:r>
+              <a:rPr lang="es-ES" dirty="0"/>
+              <a:t/>
+            </a:r>
+            <a:br>
+              <a:rPr lang="es-ES" dirty="0"/>
+            </a:br>
+            <a:r>
+              <a:rPr lang="es-ES" dirty="0"/>
+              <a:t>Trabajo </a:t>
+            </a:r>
+            <a:r>
               <a:rPr lang="es-ES" dirty="0" smtClean="0"/>
-              <a:t>Trabajo actual y futuro</a:t>
+              <a:t>actual y futuro</a:t>
             </a:r>
             <a:endParaRPr lang="es-ES" dirty="0"/>
           </a:p>
@@ -11059,12 +11329,29 @@
         </p:nvSpPr>
         <p:spPr/>
         <p:txBody>
-          <a:bodyPr/>
+          <a:bodyPr>
+            <a:normAutofit/>
+          </a:bodyPr>
           <a:lstStyle/>
           <a:p>
             <a:r>
+              <a:rPr lang="es-ES" sz="2200" dirty="0"/>
+              <a:t>Conclusiones</a:t>
+            </a:r>
+            <a:r>
+              <a:rPr lang="es-ES" dirty="0"/>
+              <a:t/>
+            </a:r>
+            <a:br>
+              <a:rPr lang="es-ES" dirty="0"/>
+            </a:br>
+            <a:r>
+              <a:rPr lang="es-ES" dirty="0"/>
+              <a:t>Conocimientos </a:t>
+            </a:r>
+            <a:r>
               <a:rPr lang="es-ES" dirty="0" smtClean="0"/>
-              <a:t>Conocimientos adquiridos</a:t>
+              <a:t>adquiridos</a:t>
             </a:r>
             <a:endParaRPr lang="es-ES" dirty="0"/>
           </a:p>
@@ -11276,12 +11563,33 @@
         </p:nvSpPr>
         <p:spPr/>
         <p:txBody>
-          <a:bodyPr/>
+          <a:bodyPr>
+            <a:normAutofit/>
+          </a:bodyPr>
           <a:lstStyle/>
           <a:p>
             <a:r>
+              <a:rPr lang="es-ES" sz="2200" dirty="0" smtClean="0"/>
+              <a:t>Introducción</a:t>
+            </a:r>
+            <a:r>
               <a:rPr lang="es-ES" dirty="0" smtClean="0"/>
-              <a:t>Introducción al tema</a:t>
+              <a:t/>
+            </a:r>
+            <a:br>
+              <a:rPr lang="es-ES" dirty="0" smtClean="0"/>
+            </a:br>
+            <a:r>
+              <a:rPr lang="es-ES" dirty="0" err="1" smtClean="0"/>
+              <a:t>Introducción</a:t>
+            </a:r>
+            <a:r>
+              <a:rPr lang="es-ES" dirty="0" smtClean="0"/>
+              <a:t> </a:t>
+            </a:r>
+            <a:r>
+              <a:rPr lang="es-ES" dirty="0" smtClean="0"/>
+              <a:t>al tema</a:t>
             </a:r>
             <a:endParaRPr lang="es-ES" dirty="0"/>
           </a:p>
@@ -11320,11 +11628,11 @@
   <p:clrMapOvr>
     <a:masterClrMapping/>
   </p:clrMapOvr>
-  <mc:AlternateContent xmlns:mc="http://schemas.openxmlformats.org/markup-compatibility/2006">
-    <mc:Choice xmlns:p14="http://schemas.microsoft.com/office/powerpoint/2010/main" Requires="p14">
+  <mc:AlternateContent xmlns:mc="http://schemas.openxmlformats.org/markup-compatibility/2006" xmlns:p14="http://schemas.microsoft.com/office/powerpoint/2010/main">
+    <mc:Choice Requires="p14">
       <p:transition p14:dur="0"/>
     </mc:Choice>
-    <mc:Fallback>
+    <mc:Fallback xmlns="">
       <p:transition/>
     </mc:Fallback>
   </mc:AlternateContent>
@@ -11508,12 +11816,33 @@
         </p:nvSpPr>
         <p:spPr/>
         <p:txBody>
-          <a:bodyPr/>
+          <a:bodyPr>
+            <a:normAutofit/>
+          </a:bodyPr>
           <a:lstStyle/>
           <a:p>
             <a:r>
+              <a:rPr lang="es-ES" sz="2200" dirty="0"/>
+              <a:t>Introducción</a:t>
+            </a:r>
+            <a:r>
               <a:rPr lang="es-ES" dirty="0" smtClean="0"/>
-              <a:t>Introducción al tema</a:t>
+              <a:t/>
+            </a:r>
+            <a:br>
+              <a:rPr lang="es-ES" dirty="0" smtClean="0"/>
+            </a:br>
+            <a:r>
+              <a:rPr lang="es-ES" dirty="0" err="1" smtClean="0"/>
+              <a:t>Introducción</a:t>
+            </a:r>
+            <a:r>
+              <a:rPr lang="es-ES" dirty="0" smtClean="0"/>
+              <a:t> </a:t>
+            </a:r>
+            <a:r>
+              <a:rPr lang="es-ES" dirty="0" smtClean="0"/>
+              <a:t>al tema</a:t>
             </a:r>
             <a:endParaRPr lang="es-ES" dirty="0"/>
           </a:p>
@@ -11987,12 +12316,33 @@
         </p:nvSpPr>
         <p:spPr/>
         <p:txBody>
-          <a:bodyPr/>
+          <a:bodyPr>
+            <a:normAutofit/>
+          </a:bodyPr>
           <a:lstStyle/>
           <a:p>
             <a:r>
+              <a:rPr lang="es-ES" sz="2200" dirty="0"/>
+              <a:t>Introducción</a:t>
+            </a:r>
+            <a:r>
               <a:rPr lang="es-ES" dirty="0" smtClean="0"/>
-              <a:t>Introducción al tema</a:t>
+              <a:t/>
+            </a:r>
+            <a:br>
+              <a:rPr lang="es-ES" dirty="0" smtClean="0"/>
+            </a:br>
+            <a:r>
+              <a:rPr lang="es-ES" dirty="0" err="1" smtClean="0"/>
+              <a:t>Introducción</a:t>
+            </a:r>
+            <a:r>
+              <a:rPr lang="es-ES" dirty="0" smtClean="0"/>
+              <a:t> </a:t>
+            </a:r>
+            <a:r>
+              <a:rPr lang="es-ES" dirty="0" smtClean="0"/>
+              <a:t>al tema</a:t>
             </a:r>
             <a:endParaRPr lang="es-ES" dirty="0"/>
           </a:p>
@@ -12679,9 +13029,22 @@
         </p:nvSpPr>
         <p:spPr/>
         <p:txBody>
-          <a:bodyPr/>
+          <a:bodyPr>
+            <a:normAutofit/>
+          </a:bodyPr>
           <a:lstStyle/>
           <a:p>
+            <a:r>
+              <a:rPr lang="es-ES" sz="2200" dirty="0"/>
+              <a:t>Introducción</a:t>
+            </a:r>
+            <a:r>
+              <a:rPr lang="es-ES" dirty="0" smtClean="0"/>
+              <a:t/>
+            </a:r>
+            <a:br>
+              <a:rPr lang="es-ES" dirty="0" smtClean="0"/>
+            </a:br>
             <a:r>
               <a:rPr lang="es-ES" dirty="0" smtClean="0"/>
               <a:t>Problemática</a:t>
@@ -13355,12 +13718,29 @@
         </p:nvSpPr>
         <p:spPr/>
         <p:txBody>
-          <a:bodyPr/>
+          <a:bodyPr>
+            <a:normAutofit/>
+          </a:bodyPr>
           <a:lstStyle/>
           <a:p>
             <a:r>
+              <a:rPr lang="es-ES" sz="2200" dirty="0"/>
+              <a:t>Introducción</a:t>
+            </a:r>
+            <a:r>
               <a:rPr lang="es-ES" dirty="0" smtClean="0"/>
-              <a:t>Qué se propone</a:t>
+              <a:t/>
+            </a:r>
+            <a:br>
+              <a:rPr lang="es-ES" dirty="0" smtClean="0"/>
+            </a:br>
+            <a:r>
+              <a:rPr lang="es-ES" dirty="0" smtClean="0"/>
+              <a:t>Qué </a:t>
+            </a:r>
+            <a:r>
+              <a:rPr lang="es-ES" dirty="0" smtClean="0"/>
+              <a:t>se propone</a:t>
             </a:r>
             <a:endParaRPr lang="es-ES" dirty="0"/>
           </a:p>

--- a/trunk/presentation/presentation.pptx
+++ b/trunk/presentation/presentation.pptx
@@ -5,10 +5,10 @@
     <p:sldMasterId id="2147483660" r:id="rId1"/>
   </p:sldMasterIdLst>
   <p:notesMasterIdLst>
-    <p:notesMasterId r:id="rId34"/>
+    <p:notesMasterId r:id="rId47"/>
   </p:notesMasterIdLst>
   <p:handoutMasterIdLst>
-    <p:handoutMasterId r:id="rId35"/>
+    <p:handoutMasterId r:id="rId48"/>
   </p:handoutMasterIdLst>
   <p:sldIdLst>
     <p:sldId id="256" r:id="rId2"/>
@@ -34,15 +34,28 @@
     <p:sldId id="271" r:id="rId22"/>
     <p:sldId id="272" r:id="rId23"/>
     <p:sldId id="273" r:id="rId24"/>
-    <p:sldId id="274" r:id="rId25"/>
-    <p:sldId id="275" r:id="rId26"/>
-    <p:sldId id="276" r:id="rId27"/>
-    <p:sldId id="277" r:id="rId28"/>
-    <p:sldId id="278" r:id="rId29"/>
-    <p:sldId id="279" r:id="rId30"/>
-    <p:sldId id="280" r:id="rId31"/>
-    <p:sldId id="281" r:id="rId32"/>
-    <p:sldId id="282" r:id="rId33"/>
+    <p:sldId id="293" r:id="rId25"/>
+    <p:sldId id="290" r:id="rId26"/>
+    <p:sldId id="291" r:id="rId27"/>
+    <p:sldId id="292" r:id="rId28"/>
+    <p:sldId id="294" r:id="rId29"/>
+    <p:sldId id="295" r:id="rId30"/>
+    <p:sldId id="297" r:id="rId31"/>
+    <p:sldId id="296" r:id="rId32"/>
+    <p:sldId id="298" r:id="rId33"/>
+    <p:sldId id="299" r:id="rId34"/>
+    <p:sldId id="275" r:id="rId35"/>
+    <p:sldId id="300" r:id="rId36"/>
+    <p:sldId id="301" r:id="rId37"/>
+    <p:sldId id="302" r:id="rId38"/>
+    <p:sldId id="303" r:id="rId39"/>
+    <p:sldId id="276" r:id="rId40"/>
+    <p:sldId id="277" r:id="rId41"/>
+    <p:sldId id="278" r:id="rId42"/>
+    <p:sldId id="279" r:id="rId43"/>
+    <p:sldId id="280" r:id="rId44"/>
+    <p:sldId id="281" r:id="rId45"/>
+    <p:sldId id="282" r:id="rId46"/>
   </p:sldIdLst>
   <p:sldSz cx="9144000" cy="6858000" type="screen4x3"/>
   <p:notesSz cx="6858000" cy="9144000"/>
@@ -169,8 +182,21 @@
             <p14:sldId id="271"/>
             <p14:sldId id="272"/>
             <p14:sldId id="273"/>
-            <p14:sldId id="274"/>
+            <p14:sldId id="293"/>
+            <p14:sldId id="290"/>
+            <p14:sldId id="291"/>
+            <p14:sldId id="292"/>
+            <p14:sldId id="294"/>
+            <p14:sldId id="295"/>
+            <p14:sldId id="297"/>
+            <p14:sldId id="296"/>
+            <p14:sldId id="298"/>
+            <p14:sldId id="299"/>
             <p14:sldId id="275"/>
+            <p14:sldId id="300"/>
+            <p14:sldId id="301"/>
+            <p14:sldId id="302"/>
+            <p14:sldId id="303"/>
             <p14:sldId id="276"/>
             <p14:sldId id="277"/>
             <p14:sldId id="278"/>
@@ -778,90 +804,6 @@
     <p:extLst>
       <p:ext uri="{BB962C8B-B14F-4D97-AF65-F5344CB8AC3E}">
         <p14:creationId xmlns:p14="http://schemas.microsoft.com/office/powerpoint/2010/main" val="844547391"/>
-      </p:ext>
-    </p:extLst>
-  </p:cSld>
-  <p:clrMapOvr>
-    <a:masterClrMapping/>
-  </p:clrMapOvr>
-</p:notes>
-</file>
-
-<file path=ppt/notesSlides/notesSlide2.xml><?xml version="1.0" encoding="utf-8"?>
-<p:notes xmlns:a="http://schemas.openxmlformats.org/drawingml/2006/main" xmlns:r="http://schemas.openxmlformats.org/officeDocument/2006/relationships" xmlns:p="http://schemas.openxmlformats.org/presentationml/2006/main">
-  <p:cSld>
-    <p:spTree>
-      <p:nvGrpSpPr>
-        <p:cNvPr id="1" name=""/>
-        <p:cNvGrpSpPr/>
-        <p:nvPr/>
-      </p:nvGrpSpPr>
-      <p:grpSpPr>
-        <a:xfrm>
-          <a:off x="0" y="0"/>
-          <a:ext cx="0" cy="0"/>
-          <a:chOff x="0" y="0"/>
-          <a:chExt cx="0" cy="0"/>
-        </a:xfrm>
-      </p:grpSpPr>
-      <p:sp>
-        <p:nvSpPr>
-          <p:cNvPr id="2" name="1 Marcador de imagen de diapositiva"/>
-          <p:cNvSpPr>
-            <a:spLocks noGrp="1" noRot="1" noChangeAspect="1"/>
-          </p:cNvSpPr>
-          <p:nvPr>
-            <p:ph type="sldImg"/>
-          </p:nvPr>
-        </p:nvSpPr>
-        <p:spPr/>
-      </p:sp>
-      <p:sp>
-        <p:nvSpPr>
-          <p:cNvPr id="3" name="2 Marcador de notas"/>
-          <p:cNvSpPr>
-            <a:spLocks noGrp="1"/>
-          </p:cNvSpPr>
-          <p:nvPr>
-            <p:ph type="body" idx="1"/>
-          </p:nvPr>
-        </p:nvSpPr>
-        <p:spPr/>
-        <p:txBody>
-          <a:bodyPr/>
-          <a:lstStyle/>
-          <a:p>
-            <a:endParaRPr lang="es-ES"/>
-          </a:p>
-        </p:txBody>
-      </p:sp>
-      <p:sp>
-        <p:nvSpPr>
-          <p:cNvPr id="4" name="3 Marcador de número de diapositiva"/>
-          <p:cNvSpPr>
-            <a:spLocks noGrp="1"/>
-          </p:cNvSpPr>
-          <p:nvPr>
-            <p:ph type="sldNum" sz="quarter" idx="10"/>
-          </p:nvPr>
-        </p:nvSpPr>
-        <p:spPr/>
-        <p:txBody>
-          <a:bodyPr/>
-          <a:lstStyle/>
-          <a:p>
-            <a:fld id="{61F5B944-6051-431F-881C-47ABDB78DC36}" type="slidenum">
-              <a:rPr lang="es-ES" smtClean="0"/>
-              <a:t>24</a:t>
-            </a:fld>
-            <a:endParaRPr lang="es-ES"/>
-          </a:p>
-        </p:txBody>
-      </p:sp>
-    </p:spTree>
-    <p:extLst>
-      <p:ext uri="{BB962C8B-B14F-4D97-AF65-F5344CB8AC3E}">
-        <p14:creationId xmlns:p14="http://schemas.microsoft.com/office/powerpoint/2010/main" val="1034501151"/>
       </p:ext>
     </p:extLst>
   </p:cSld>
@@ -6033,7 +5975,6 @@
               <a:rPr lang="es-ES" dirty="0"/>
               <a:t>Motivación</a:t>
             </a:r>
-            <a:endParaRPr lang="es-ES" dirty="0"/>
           </a:p>
         </p:txBody>
       </p:sp>
@@ -6165,11 +6106,7 @@
             </a:br>
             <a:r>
               <a:rPr lang="es-ES" dirty="0" smtClean="0"/>
-              <a:t>Objetivo </a:t>
-            </a:r>
-            <a:r>
-              <a:rPr lang="es-ES" dirty="0" smtClean="0"/>
-              <a:t>principal</a:t>
+              <a:t>Objetivo principal</a:t>
             </a:r>
             <a:endParaRPr lang="es-ES" dirty="0"/>
           </a:p>
@@ -6636,11 +6573,7 @@
             </a:br>
             <a:r>
               <a:rPr lang="es-ES" dirty="0" smtClean="0"/>
-              <a:t>Objetivo </a:t>
-            </a:r>
-            <a:r>
-              <a:rPr lang="es-ES" dirty="0" smtClean="0"/>
-              <a:t>principal</a:t>
+              <a:t>Objetivo principal</a:t>
             </a:r>
             <a:endParaRPr lang="es-ES" dirty="0"/>
           </a:p>
@@ -6782,11 +6715,7 @@
             </a:r>
             <a:r>
               <a:rPr lang="es-ES" dirty="0" smtClean="0"/>
-              <a:t> </a:t>
-            </a:r>
-            <a:r>
-              <a:rPr lang="es-ES" dirty="0" smtClean="0"/>
-              <a:t>parciales</a:t>
+              <a:t> parciales</a:t>
             </a:r>
             <a:endParaRPr lang="es-ES" dirty="0"/>
           </a:p>
@@ -7154,11 +7083,7 @@
             </a:r>
             <a:r>
               <a:rPr lang="es-ES" dirty="0" smtClean="0"/>
-              <a:t> </a:t>
-            </a:r>
-            <a:r>
-              <a:rPr lang="es-ES" dirty="0" smtClean="0"/>
-              <a:t>parciales</a:t>
+              <a:t> parciales</a:t>
             </a:r>
             <a:endParaRPr lang="es-ES" dirty="0"/>
           </a:p>
@@ -7709,11 +7634,7 @@
             </a:br>
             <a:r>
               <a:rPr lang="es-ES" dirty="0" smtClean="0"/>
-              <a:t>Calidad </a:t>
-            </a:r>
-            <a:r>
-              <a:rPr lang="es-ES" dirty="0" smtClean="0"/>
-              <a:t>y medidas software</a:t>
+              <a:t>Calidad y medidas software</a:t>
             </a:r>
             <a:endParaRPr lang="es-ES" dirty="0"/>
           </a:p>
@@ -9611,11 +9532,7 @@
             </a:br>
             <a:r>
               <a:rPr lang="es-ES" dirty="0" smtClean="0"/>
-              <a:t>Proceso </a:t>
-            </a:r>
-            <a:r>
-              <a:rPr lang="es-ES" dirty="0" smtClean="0"/>
-              <a:t>Unificado de Desarrollo</a:t>
+              <a:t>Proceso Unificado de Desarrollo</a:t>
             </a:r>
             <a:endParaRPr lang="es-ES" dirty="0"/>
           </a:p>
@@ -10328,14 +10245,43 @@
           <a:chExt cx="0" cy="0"/>
         </a:xfrm>
       </p:grpSpPr>
-      <p:sp>
-        <p:nvSpPr>
-          <p:cNvPr id="2" name="1 Marcador de contenido"/>
+      <p:pic>
+        <p:nvPicPr>
+          <p:cNvPr id="5" name="4 Marcador de contenido"/>
+          <p:cNvPicPr>
+            <a:picLocks noGrp="1" noChangeAspect="1"/>
+          </p:cNvPicPr>
+          <p:nvPr>
+            <p:ph idx="1"/>
+          </p:nvPr>
+        </p:nvPicPr>
+        <p:blipFill>
+          <a:blip r:embed="rId2">
+            <a:extLst>
+              <a:ext uri="{28A0092B-C50C-407E-A947-70E740481C1C}">
+                <a14:useLocalDpi xmlns:a14="http://schemas.microsoft.com/office/drawing/2010/main" val="0"/>
+              </a:ext>
+            </a:extLst>
+          </a:blip>
+          <a:stretch>
+            <a:fillRect/>
+          </a:stretch>
+        </p:blipFill>
+        <p:spPr>
+          <a:xfrm>
+            <a:off x="1282363" y="1481138"/>
+            <a:ext cx="6579273" cy="4525962"/>
+          </a:xfrm>
+        </p:spPr>
+      </p:pic>
+      <p:sp>
+        <p:nvSpPr>
+          <p:cNvPr id="3" name="2 Marcador de número de diapositiva"/>
           <p:cNvSpPr>
             <a:spLocks noGrp="1"/>
           </p:cNvSpPr>
           <p:nvPr>
-            <p:ph idx="1"/>
+            <p:ph type="sldNum" sz="quarter" idx="12"/>
           </p:nvPr>
         </p:nvSpPr>
         <p:spPr/>
@@ -10343,17 +10289,17 @@
           <a:bodyPr/>
           <a:lstStyle/>
           <a:p>
-            <a:r>
-              <a:rPr lang="es-ES" dirty="0" smtClean="0"/>
-              <a:t>Captura de requisitos</a:t>
-            </a:r>
-            <a:endParaRPr lang="es-ES" dirty="0"/>
-          </a:p>
-        </p:txBody>
-      </p:sp>
-      <p:sp>
-        <p:nvSpPr>
-          <p:cNvPr id="3" name="2 Título"/>
+            <a:fld id="{B48C6472-4FB6-4C69-A920-C8307D2FB374}" type="slidenum">
+              <a:rPr lang="es-ES" smtClean="0"/>
+              <a:t>24</a:t>
+            </a:fld>
+            <a:endParaRPr lang="es-ES"/>
+          </a:p>
+        </p:txBody>
+      </p:sp>
+      <p:sp>
+        <p:nvSpPr>
+          <p:cNvPr id="4" name="3 Título"/>
           <p:cNvSpPr>
             <a:spLocks noGrp="1"/>
           </p:cNvSpPr>
@@ -10361,7 +10307,12 @@
             <p:ph type="title"/>
           </p:nvPr>
         </p:nvSpPr>
-        <p:spPr/>
+        <p:spPr>
+          <a:xfrm>
+            <a:off x="179512" y="274638"/>
+            <a:ext cx="8712968" cy="1143000"/>
+          </a:xfrm>
+        </p:spPr>
         <p:txBody>
           <a:bodyPr>
             <a:normAutofit/>
@@ -10370,54 +10321,30 @@
           <a:p>
             <a:r>
               <a:rPr lang="es-ES" sz="2200" dirty="0" smtClean="0"/>
-              <a:t>Resultados</a:t>
-            </a:r>
+              <a:t>Resultados: Trabajo inicial</a:t>
+            </a:r>
+            <a:r>
+              <a:rPr lang="es-ES" dirty="0"/>
+              <a:t/>
+            </a:r>
+            <a:br>
+              <a:rPr lang="es-ES" dirty="0"/>
+            </a:br>
             <a:r>
               <a:rPr lang="es-ES" dirty="0" smtClean="0"/>
-              <a:t/>
-            </a:r>
-            <a:br>
-              <a:rPr lang="es-ES" dirty="0" smtClean="0"/>
-            </a:br>
-            <a:r>
-              <a:rPr lang="es-ES" dirty="0" smtClean="0"/>
-              <a:t>Trabajo </a:t>
-            </a:r>
-            <a:r>
-              <a:rPr lang="es-ES" dirty="0" smtClean="0"/>
-              <a:t>inicial</a:t>
-            </a:r>
-            <a:endParaRPr lang="es-ES" dirty="0"/>
-          </a:p>
-        </p:txBody>
-      </p:sp>
-      <p:sp>
-        <p:nvSpPr>
-          <p:cNvPr id="4" name="3 Marcador de número de diapositiva"/>
-          <p:cNvSpPr>
-            <a:spLocks noGrp="1"/>
-          </p:cNvSpPr>
-          <p:nvPr>
-            <p:ph type="sldNum" sz="quarter" idx="12"/>
-          </p:nvPr>
-        </p:nvSpPr>
-        <p:spPr/>
-        <p:txBody>
-          <a:bodyPr/>
-          <a:lstStyle/>
-          <a:p>
-            <a:fld id="{B48C6472-4FB6-4C69-A920-C8307D2FB374}" type="slidenum">
-              <a:rPr lang="es-ES" smtClean="0"/>
-              <a:t>24</a:t>
-            </a:fld>
-            <a:endParaRPr lang="es-ES"/>
+              <a:t>Captura </a:t>
+            </a:r>
+            <a:r>
+              <a:rPr lang="es-ES" dirty="0"/>
+              <a:t>de requisitos</a:t>
+            </a:r>
           </a:p>
         </p:txBody>
       </p:sp>
     </p:spTree>
     <p:extLst>
       <p:ext uri="{BB962C8B-B14F-4D97-AF65-F5344CB8AC3E}">
-        <p14:creationId xmlns:p14="http://schemas.microsoft.com/office/powerpoint/2010/main" val="534304394"/>
+        <p14:creationId xmlns:p14="http://schemas.microsoft.com/office/powerpoint/2010/main" val="1600139730"/>
       </p:ext>
     </p:extLst>
   </p:cSld>
@@ -10466,13 +10393,45 @@
           <a:bodyPr/>
           <a:lstStyle/>
           <a:p>
+            <a:r>
+              <a:rPr lang="es-ES" dirty="0" smtClean="0"/>
+              <a:t>Modelo gráfico para factorías de software:</a:t>
+            </a:r>
+          </a:p>
+          <a:p>
+            <a:pPr marL="109728" indent="0">
+              <a:buNone/>
+            </a:pPr>
+            <a:endParaRPr lang="es-ES" dirty="0"/>
+          </a:p>
+        </p:txBody>
+      </p:sp>
+      <p:sp>
+        <p:nvSpPr>
+          <p:cNvPr id="3" name="2 Marcador de número de diapositiva"/>
+          <p:cNvSpPr>
+            <a:spLocks noGrp="1"/>
+          </p:cNvSpPr>
+          <p:nvPr>
+            <p:ph type="sldNum" sz="quarter" idx="12"/>
+          </p:nvPr>
+        </p:nvSpPr>
+        <p:spPr/>
+        <p:txBody>
+          <a:bodyPr/>
+          <a:lstStyle/>
+          <a:p>
+            <a:fld id="{B48C6472-4FB6-4C69-A920-C8307D2FB374}" type="slidenum">
+              <a:rPr lang="es-ES" smtClean="0"/>
+              <a:t>25</a:t>
+            </a:fld>
             <a:endParaRPr lang="es-ES"/>
           </a:p>
         </p:txBody>
       </p:sp>
       <p:sp>
         <p:nvSpPr>
-          <p:cNvPr id="3" name="2 Título"/>
+          <p:cNvPr id="4" name="3 Título"/>
           <p:cNvSpPr>
             <a:spLocks noGrp="1"/>
           </p:cNvSpPr>
@@ -10480,7 +10439,12 @@
             <p:ph type="title"/>
           </p:nvPr>
         </p:nvSpPr>
-        <p:spPr/>
+        <p:spPr>
+          <a:xfrm>
+            <a:off x="323528" y="260648"/>
+            <a:ext cx="8651304" cy="1143000"/>
+          </a:xfrm>
+        </p:spPr>
         <p:txBody>
           <a:bodyPr>
             <a:normAutofit/>
@@ -10488,55 +10452,88 @@
           <a:lstStyle/>
           <a:p>
             <a:r>
-              <a:rPr lang="es-ES" sz="2200" dirty="0"/>
-              <a:t>Resultados</a:t>
-            </a:r>
-            <a:r>
-              <a:rPr lang="es-ES" dirty="0"/>
+              <a:rPr lang="es-ES" sz="2200" dirty="0" smtClean="0"/>
+              <a:t>Resultados: Trabajo inicial</a:t>
+            </a:r>
+            <a:r>
+              <a:rPr lang="es-ES" dirty="0" smtClean="0"/>
               <a:t/>
             </a:r>
             <a:br>
-              <a:rPr lang="es-ES" dirty="0"/>
+              <a:rPr lang="es-ES" dirty="0" smtClean="0"/>
             </a:br>
             <a:r>
-              <a:rPr lang="es-ES" dirty="0"/>
-              <a:t>Motor </a:t>
-            </a:r>
-            <a:r>
               <a:rPr lang="es-ES" dirty="0" smtClean="0"/>
-              <a:t>gráfico</a:t>
+              <a:t>Captura de requisitos</a:t>
             </a:r>
             <a:endParaRPr lang="es-ES" dirty="0"/>
           </a:p>
         </p:txBody>
       </p:sp>
-      <p:sp>
-        <p:nvSpPr>
-          <p:cNvPr id="4" name="3 Marcador de número de diapositiva"/>
-          <p:cNvSpPr>
-            <a:spLocks noGrp="1"/>
-          </p:cNvSpPr>
-          <p:nvPr>
-            <p:ph type="sldNum" sz="quarter" idx="12"/>
-          </p:nvPr>
-        </p:nvSpPr>
-        <p:spPr/>
-        <p:txBody>
-          <a:bodyPr/>
-          <a:lstStyle/>
-          <a:p>
-            <a:fld id="{B48C6472-4FB6-4C69-A920-C8307D2FB374}" type="slidenum">
-              <a:rPr lang="es-ES" smtClean="0"/>
-              <a:t>25</a:t>
-            </a:fld>
-            <a:endParaRPr lang="es-ES"/>
-          </a:p>
-        </p:txBody>
-      </p:sp>
+      <p:pic>
+        <p:nvPicPr>
+          <p:cNvPr id="5" name="4 Imagen"/>
+          <p:cNvPicPr>
+            <a:picLocks noChangeAspect="1"/>
+          </p:cNvPicPr>
+          <p:nvPr/>
+        </p:nvPicPr>
+        <p:blipFill>
+          <a:blip r:embed="rId2" cstate="print">
+            <a:extLst>
+              <a:ext uri="{28A0092B-C50C-407E-A947-70E740481C1C}">
+                <a14:useLocalDpi xmlns:a14="http://schemas.microsoft.com/office/drawing/2010/main" val="0"/>
+              </a:ext>
+            </a:extLst>
+          </a:blip>
+          <a:stretch>
+            <a:fillRect/>
+          </a:stretch>
+        </p:blipFill>
+        <p:spPr>
+          <a:xfrm>
+            <a:off x="755576" y="2417305"/>
+            <a:ext cx="2928258" cy="2418123"/>
+          </a:xfrm>
+          <a:prstGeom prst="rect">
+            <a:avLst/>
+          </a:prstGeom>
+        </p:spPr>
+      </p:pic>
+      <p:pic>
+        <p:nvPicPr>
+          <p:cNvPr id="6" name="5 Imagen"/>
+          <p:cNvPicPr>
+            <a:picLocks noChangeAspect="1"/>
+          </p:cNvPicPr>
+          <p:nvPr/>
+        </p:nvPicPr>
+        <p:blipFill>
+          <a:blip r:embed="rId3" cstate="print">
+            <a:extLst>
+              <a:ext uri="{28A0092B-C50C-407E-A947-70E740481C1C}">
+                <a14:useLocalDpi xmlns:a14="http://schemas.microsoft.com/office/drawing/2010/main" val="0"/>
+              </a:ext>
+            </a:extLst>
+          </a:blip>
+          <a:stretch>
+            <a:fillRect/>
+          </a:stretch>
+        </p:blipFill>
+        <p:spPr>
+          <a:xfrm>
+            <a:off x="4139952" y="2708920"/>
+            <a:ext cx="4309596" cy="1205896"/>
+          </a:xfrm>
+          <a:prstGeom prst="rect">
+            <a:avLst/>
+          </a:prstGeom>
+        </p:spPr>
+      </p:pic>
     </p:spTree>
     <p:extLst>
       <p:ext uri="{BB962C8B-B14F-4D97-AF65-F5344CB8AC3E}">
-        <p14:creationId xmlns:p14="http://schemas.microsoft.com/office/powerpoint/2010/main" val="2417755251"/>
+        <p14:creationId xmlns:p14="http://schemas.microsoft.com/office/powerpoint/2010/main" val="3775044456"/>
       </p:ext>
     </p:extLst>
   </p:cSld>
@@ -10546,7 +10543,118 @@
   <p:timing>
     <p:tnLst>
       <p:par>
-        <p:cTn id="1" dur="indefinite" restart="never" nodeType="tmRoot"/>
+        <p:cTn id="1" dur="indefinite" restart="never" nodeType="tmRoot">
+          <p:childTnLst>
+            <p:seq concurrent="1" nextAc="seek">
+              <p:cTn id="2" dur="indefinite" nodeType="mainSeq">
+                <p:childTnLst>
+                  <p:par>
+                    <p:cTn id="3" fill="hold">
+                      <p:stCondLst>
+                        <p:cond delay="indefinite"/>
+                      </p:stCondLst>
+                      <p:childTnLst>
+                        <p:par>
+                          <p:cTn id="4" fill="hold">
+                            <p:stCondLst>
+                              <p:cond delay="0"/>
+                            </p:stCondLst>
+                            <p:childTnLst>
+                              <p:par>
+                                <p:cTn id="5" presetID="10" presetClass="entr" presetSubtype="0" fill="hold" nodeType="clickEffect">
+                                  <p:stCondLst>
+                                    <p:cond delay="0"/>
+                                  </p:stCondLst>
+                                  <p:childTnLst>
+                                    <p:set>
+                                      <p:cBhvr>
+                                        <p:cTn id="6" dur="1" fill="hold">
+                                          <p:stCondLst>
+                                            <p:cond delay="0"/>
+                                          </p:stCondLst>
+                                        </p:cTn>
+                                        <p:tgtEl>
+                                          <p:spTgt spid="5"/>
+                                        </p:tgtEl>
+                                        <p:attrNameLst>
+                                          <p:attrName>style.visibility</p:attrName>
+                                        </p:attrNameLst>
+                                      </p:cBhvr>
+                                      <p:to>
+                                        <p:strVal val="visible"/>
+                                      </p:to>
+                                    </p:set>
+                                    <p:animEffect transition="in" filter="fade">
+                                      <p:cBhvr>
+                                        <p:cTn id="7" dur="500"/>
+                                        <p:tgtEl>
+                                          <p:spTgt spid="5"/>
+                                        </p:tgtEl>
+                                      </p:cBhvr>
+                                    </p:animEffect>
+                                  </p:childTnLst>
+                                </p:cTn>
+                              </p:par>
+                              <p:par>
+                                <p:cTn id="8" presetID="10" presetClass="entr" presetSubtype="0" fill="hold" nodeType="withEffect">
+                                  <p:stCondLst>
+                                    <p:cond delay="0"/>
+                                  </p:stCondLst>
+                                  <p:childTnLst>
+                                    <p:set>
+                                      <p:cBhvr>
+                                        <p:cTn id="9" dur="1" fill="hold">
+                                          <p:stCondLst>
+                                            <p:cond delay="0"/>
+                                          </p:stCondLst>
+                                        </p:cTn>
+                                        <p:tgtEl>
+                                          <p:spTgt spid="6"/>
+                                        </p:tgtEl>
+                                        <p:attrNameLst>
+                                          <p:attrName>style.visibility</p:attrName>
+                                        </p:attrNameLst>
+                                      </p:cBhvr>
+                                      <p:to>
+                                        <p:strVal val="visible"/>
+                                      </p:to>
+                                    </p:set>
+                                    <p:animEffect transition="in" filter="fade">
+                                      <p:cBhvr>
+                                        <p:cTn id="10" dur="500"/>
+                                        <p:tgtEl>
+                                          <p:spTgt spid="6"/>
+                                        </p:tgtEl>
+                                      </p:cBhvr>
+                                    </p:animEffect>
+                                  </p:childTnLst>
+                                </p:cTn>
+                              </p:par>
+                            </p:childTnLst>
+                          </p:cTn>
+                        </p:par>
+                      </p:childTnLst>
+                    </p:cTn>
+                  </p:par>
+                </p:childTnLst>
+              </p:cTn>
+              <p:prevCondLst>
+                <p:cond evt="onPrev" delay="0">
+                  <p:tgtEl>
+                    <p:sldTgt/>
+                  </p:tgtEl>
+                </p:cond>
+              </p:prevCondLst>
+              <p:nextCondLst>
+                <p:cond evt="onNext" delay="0">
+                  <p:tgtEl>
+                    <p:sldTgt/>
+                  </p:tgtEl>
+                </p:cond>
+              </p:nextCondLst>
+            </p:seq>
+          </p:childTnLst>
+        </p:cTn>
       </p:par>
     </p:tnLst>
   </p:timing>
@@ -10585,13 +10693,40 @@
           <a:bodyPr/>
           <a:lstStyle/>
           <a:p>
+            <a:r>
+              <a:rPr lang="es-ES" dirty="0" smtClean="0"/>
+              <a:t>Modelo gráfico para proyectos software:</a:t>
+            </a:r>
+            <a:endParaRPr lang="es-ES" dirty="0"/>
+          </a:p>
+        </p:txBody>
+      </p:sp>
+      <p:sp>
+        <p:nvSpPr>
+          <p:cNvPr id="3" name="2 Marcador de número de diapositiva"/>
+          <p:cNvSpPr>
+            <a:spLocks noGrp="1"/>
+          </p:cNvSpPr>
+          <p:nvPr>
+            <p:ph type="sldNum" sz="quarter" idx="12"/>
+          </p:nvPr>
+        </p:nvSpPr>
+        <p:spPr/>
+        <p:txBody>
+          <a:bodyPr/>
+          <a:lstStyle/>
+          <a:p>
+            <a:fld id="{B48C6472-4FB6-4C69-A920-C8307D2FB374}" type="slidenum">
+              <a:rPr lang="es-ES" smtClean="0"/>
+              <a:t>26</a:t>
+            </a:fld>
             <a:endParaRPr lang="es-ES"/>
           </a:p>
         </p:txBody>
       </p:sp>
       <p:sp>
         <p:nvSpPr>
-          <p:cNvPr id="3" name="2 Título"/>
+          <p:cNvPr id="4" name="3 Título"/>
           <p:cNvSpPr>
             <a:spLocks noGrp="1"/>
           </p:cNvSpPr>
@@ -10599,7 +10734,12 @@
             <p:ph type="title"/>
           </p:nvPr>
         </p:nvSpPr>
-        <p:spPr/>
+        <p:spPr>
+          <a:xfrm>
+            <a:off x="323528" y="274638"/>
+            <a:ext cx="8640960" cy="1143000"/>
+          </a:xfrm>
+        </p:spPr>
         <p:txBody>
           <a:bodyPr>
             <a:normAutofit/>
@@ -10607,8 +10747,8 @@
           <a:lstStyle/>
           <a:p>
             <a:r>
-              <a:rPr lang="es-ES" sz="2200" dirty="0"/>
-              <a:t>Resultados</a:t>
+              <a:rPr lang="es-ES" sz="2200" dirty="0" smtClean="0"/>
+              <a:t>Resultados: Trabajo inicial</a:t>
             </a:r>
             <a:r>
               <a:rPr lang="es-ES" dirty="0"/>
@@ -10618,44 +10758,80 @@
               <a:rPr lang="es-ES" dirty="0"/>
             </a:br>
             <a:r>
+              <a:rPr lang="es-ES" dirty="0" smtClean="0"/>
+              <a:t>Captura </a:t>
+            </a:r>
+            <a:r>
               <a:rPr lang="es-ES" dirty="0"/>
-              <a:t>Aplicación </a:t>
-            </a:r>
-            <a:r>
-              <a:rPr lang="es-ES" dirty="0" smtClean="0"/>
-              <a:t>web</a:t>
-            </a:r>
-            <a:endParaRPr lang="es-ES" dirty="0"/>
-          </a:p>
-        </p:txBody>
-      </p:sp>
-      <p:sp>
-        <p:nvSpPr>
-          <p:cNvPr id="4" name="3 Marcador de número de diapositiva"/>
-          <p:cNvSpPr>
-            <a:spLocks noGrp="1"/>
-          </p:cNvSpPr>
-          <p:nvPr>
-            <p:ph type="sldNum" sz="quarter" idx="12"/>
-          </p:nvPr>
-        </p:nvSpPr>
-        <p:spPr/>
-        <p:txBody>
-          <a:bodyPr/>
-          <a:lstStyle/>
-          <a:p>
-            <a:fld id="{B48C6472-4FB6-4C69-A920-C8307D2FB374}" type="slidenum">
-              <a:rPr lang="es-ES" smtClean="0"/>
-              <a:t>26</a:t>
-            </a:fld>
-            <a:endParaRPr lang="es-ES"/>
-          </a:p>
-        </p:txBody>
-      </p:sp>
+              <a:t>de requisitos</a:t>
+            </a:r>
+          </a:p>
+        </p:txBody>
+      </p:sp>
+      <p:pic>
+        <p:nvPicPr>
+          <p:cNvPr id="6" name="5 Imagen"/>
+          <p:cNvPicPr>
+            <a:picLocks noChangeAspect="1"/>
+          </p:cNvPicPr>
+          <p:nvPr/>
+        </p:nvPicPr>
+        <p:blipFill>
+          <a:blip r:embed="rId2">
+            <a:extLst>
+              <a:ext uri="{28A0092B-C50C-407E-A947-70E740481C1C}">
+                <a14:useLocalDpi xmlns:a14="http://schemas.microsoft.com/office/drawing/2010/main" val="0"/>
+              </a:ext>
+            </a:extLst>
+          </a:blip>
+          <a:stretch>
+            <a:fillRect/>
+          </a:stretch>
+        </p:blipFill>
+        <p:spPr>
+          <a:xfrm>
+            <a:off x="611560" y="2276872"/>
+            <a:ext cx="3382744" cy="2736304"/>
+          </a:xfrm>
+          <a:prstGeom prst="rect">
+            <a:avLst/>
+          </a:prstGeom>
+        </p:spPr>
+      </p:pic>
+      <p:pic>
+        <p:nvPicPr>
+          <p:cNvPr id="7" name="6 Imagen"/>
+          <p:cNvPicPr>
+            <a:picLocks noChangeAspect="1"/>
+          </p:cNvPicPr>
+          <p:nvPr/>
+        </p:nvPicPr>
+        <p:blipFill>
+          <a:blip r:embed="rId3" cstate="print">
+            <a:extLst>
+              <a:ext uri="{28A0092B-C50C-407E-A947-70E740481C1C}">
+                <a14:useLocalDpi xmlns:a14="http://schemas.microsoft.com/office/drawing/2010/main" val="0"/>
+              </a:ext>
+            </a:extLst>
+          </a:blip>
+          <a:stretch>
+            <a:fillRect/>
+          </a:stretch>
+        </p:blipFill>
+        <p:spPr>
+          <a:xfrm>
+            <a:off x="4182471" y="2564904"/>
+            <a:ext cx="4336464" cy="1707094"/>
+          </a:xfrm>
+          <a:prstGeom prst="rect">
+            <a:avLst/>
+          </a:prstGeom>
+        </p:spPr>
+      </p:pic>
     </p:spTree>
     <p:extLst>
       <p:ext uri="{BB962C8B-B14F-4D97-AF65-F5344CB8AC3E}">
-        <p14:creationId xmlns:p14="http://schemas.microsoft.com/office/powerpoint/2010/main" val="3244564199"/>
+        <p14:creationId xmlns:p14="http://schemas.microsoft.com/office/powerpoint/2010/main" val="2454213779"/>
       </p:ext>
     </p:extLst>
   </p:cSld>
@@ -10665,7 +10841,118 @@
   <p:timing>
     <p:tnLst>
       <p:par>
-        <p:cTn id="1" dur="indefinite" restart="never" nodeType="tmRoot"/>
+        <p:cTn id="1" dur="indefinite" restart="never" nodeType="tmRoot">
+          <p:childTnLst>
+            <p:seq concurrent="1" nextAc="seek">
+              <p:cTn id="2" dur="indefinite" nodeType="mainSeq">
+                <p:childTnLst>
+                  <p:par>
+                    <p:cTn id="3" fill="hold">
+                      <p:stCondLst>
+                        <p:cond delay="indefinite"/>
+                      </p:stCondLst>
+                      <p:childTnLst>
+                        <p:par>
+                          <p:cTn id="4" fill="hold">
+                            <p:stCondLst>
+                              <p:cond delay="0"/>
+                            </p:stCondLst>
+                            <p:childTnLst>
+                              <p:par>
+                                <p:cTn id="5" presetID="10" presetClass="entr" presetSubtype="0" fill="hold" nodeType="clickEffect">
+                                  <p:stCondLst>
+                                    <p:cond delay="0"/>
+                                  </p:stCondLst>
+                                  <p:childTnLst>
+                                    <p:set>
+                                      <p:cBhvr>
+                                        <p:cTn id="6" dur="1" fill="hold">
+                                          <p:stCondLst>
+                                            <p:cond delay="0"/>
+                                          </p:stCondLst>
+                                        </p:cTn>
+                                        <p:tgtEl>
+                                          <p:spTgt spid="6"/>
+                                        </p:tgtEl>
+                                        <p:attrNameLst>
+                                          <p:attrName>style.visibility</p:attrName>
+                                        </p:attrNameLst>
+                                      </p:cBhvr>
+                                      <p:to>
+                                        <p:strVal val="visible"/>
+                                      </p:to>
+                                    </p:set>
+                                    <p:animEffect transition="in" filter="fade">
+                                      <p:cBhvr>
+                                        <p:cTn id="7" dur="500"/>
+                                        <p:tgtEl>
+                                          <p:spTgt spid="6"/>
+                                        </p:tgtEl>
+                                      </p:cBhvr>
+                                    </p:animEffect>
+                                  </p:childTnLst>
+                                </p:cTn>
+                              </p:par>
+                              <p:par>
+                                <p:cTn id="8" presetID="10" presetClass="entr" presetSubtype="0" fill="hold" nodeType="withEffect">
+                                  <p:stCondLst>
+                                    <p:cond delay="0"/>
+                                  </p:stCondLst>
+                                  <p:childTnLst>
+                                    <p:set>
+                                      <p:cBhvr>
+                                        <p:cTn id="9" dur="1" fill="hold">
+                                          <p:stCondLst>
+                                            <p:cond delay="0"/>
+                                          </p:stCondLst>
+                                        </p:cTn>
+                                        <p:tgtEl>
+                                          <p:spTgt spid="7"/>
+                                        </p:tgtEl>
+                                        <p:attrNameLst>
+                                          <p:attrName>style.visibility</p:attrName>
+                                        </p:attrNameLst>
+                                      </p:cBhvr>
+                                      <p:to>
+                                        <p:strVal val="visible"/>
+                                      </p:to>
+                                    </p:set>
+                                    <p:animEffect transition="in" filter="fade">
+                                      <p:cBhvr>
+                                        <p:cTn id="10" dur="500"/>
+                                        <p:tgtEl>
+                                          <p:spTgt spid="7"/>
+                                        </p:tgtEl>
+                                      </p:cBhvr>
+                                    </p:animEffect>
+                                  </p:childTnLst>
+                                </p:cTn>
+                              </p:par>
+                            </p:childTnLst>
+                          </p:cTn>
+                        </p:par>
+                      </p:childTnLst>
+                    </p:cTn>
+                  </p:par>
+                </p:childTnLst>
+              </p:cTn>
+              <p:prevCondLst>
+                <p:cond evt="onPrev" delay="0">
+                  <p:tgtEl>
+                    <p:sldTgt/>
+                  </p:tgtEl>
+                </p:cond>
+              </p:prevCondLst>
+              <p:nextCondLst>
+                <p:cond evt="onNext" delay="0">
+                  <p:tgtEl>
+                    <p:sldTgt/>
+                  </p:tgtEl>
+                </p:cond>
+              </p:nextCondLst>
+            </p:seq>
+          </p:childTnLst>
+        </p:cTn>
       </p:par>
     </p:tnLst>
   </p:timing>
@@ -10691,7 +10978,53 @@
       </p:grpSpPr>
       <p:sp>
         <p:nvSpPr>
-          <p:cNvPr id="2" name="1 Título"/>
+          <p:cNvPr id="2" name="1 Marcador de contenido"/>
+          <p:cNvSpPr>
+            <a:spLocks noGrp="1"/>
+          </p:cNvSpPr>
+          <p:nvPr>
+            <p:ph idx="1"/>
+          </p:nvPr>
+        </p:nvSpPr>
+        <p:spPr/>
+        <p:txBody>
+          <a:bodyPr/>
+          <a:lstStyle/>
+          <a:p>
+            <a:r>
+              <a:rPr lang="es-ES" dirty="0" smtClean="0"/>
+              <a:t>Modelo gráfico genérico:</a:t>
+            </a:r>
+            <a:endParaRPr lang="es-ES" dirty="0"/>
+          </a:p>
+        </p:txBody>
+      </p:sp>
+      <p:sp>
+        <p:nvSpPr>
+          <p:cNvPr id="3" name="2 Marcador de número de diapositiva"/>
+          <p:cNvSpPr>
+            <a:spLocks noGrp="1"/>
+          </p:cNvSpPr>
+          <p:nvPr>
+            <p:ph type="sldNum" sz="quarter" idx="12"/>
+          </p:nvPr>
+        </p:nvSpPr>
+        <p:spPr/>
+        <p:txBody>
+          <a:bodyPr/>
+          <a:lstStyle/>
+          <a:p>
+            <a:fld id="{B48C6472-4FB6-4C69-A920-C8307D2FB374}" type="slidenum">
+              <a:rPr lang="es-ES" smtClean="0"/>
+              <a:t>27</a:t>
+            </a:fld>
+            <a:endParaRPr lang="es-ES"/>
+          </a:p>
+        </p:txBody>
+      </p:sp>
+      <p:sp>
+        <p:nvSpPr>
+          <p:cNvPr id="4" name="3 Título"/>
           <p:cNvSpPr>
             <a:spLocks noGrp="1"/>
           </p:cNvSpPr>
@@ -10701,36 +11034,8 @@
         </p:nvSpPr>
         <p:spPr>
           <a:xfrm>
-            <a:off x="-180528" y="1052736"/>
-            <a:ext cx="7772400" cy="1828800"/>
-          </a:xfrm>
-        </p:spPr>
-        <p:txBody>
-          <a:bodyPr/>
-          <a:lstStyle/>
-          <a:p>
-            <a:r>
-              <a:rPr lang="es-ES" dirty="0" smtClean="0"/>
-              <a:t>6. Demostración</a:t>
-            </a:r>
-            <a:endParaRPr lang="es-ES" dirty="0"/>
-          </a:p>
-        </p:txBody>
-      </p:sp>
-      <p:sp>
-        <p:nvSpPr>
-          <p:cNvPr id="3" name="2 Marcador de texto"/>
-          <p:cNvSpPr>
-            <a:spLocks noGrp="1"/>
-          </p:cNvSpPr>
-          <p:nvPr>
-            <p:ph type="body" idx="1"/>
-          </p:nvPr>
-        </p:nvSpPr>
-        <p:spPr>
-          <a:xfrm>
-            <a:off x="3922712" y="2931712"/>
-            <a:ext cx="5221288" cy="1454888"/>
+            <a:off x="323528" y="260648"/>
+            <a:ext cx="8640960" cy="1143000"/>
           </a:xfrm>
         </p:spPr>
         <p:txBody>
@@ -10740,40 +11045,91 @@
           <a:lstStyle/>
           <a:p>
             <a:r>
-              <a:rPr lang="es-ES" sz="1900" dirty="0" smtClean="0"/>
-              <a:t>http://alarcosj.esi.uclm.es/desglosa-web</a:t>
-            </a:r>
-            <a:endParaRPr lang="es-ES" sz="1900" dirty="0"/>
-          </a:p>
-        </p:txBody>
-      </p:sp>
-      <p:sp>
-        <p:nvSpPr>
-          <p:cNvPr id="4" name="3 Marcador de número de diapositiva"/>
-          <p:cNvSpPr>
-            <a:spLocks noGrp="1"/>
-          </p:cNvSpPr>
-          <p:nvPr>
-            <p:ph type="sldNum" sz="quarter" idx="12"/>
-          </p:nvPr>
-        </p:nvSpPr>
-        <p:spPr/>
-        <p:txBody>
-          <a:bodyPr/>
-          <a:lstStyle/>
-          <a:p>
-            <a:fld id="{B48C6472-4FB6-4C69-A920-C8307D2FB374}" type="slidenum">
-              <a:rPr lang="es-ES" smtClean="0"/>
-              <a:t>27</a:t>
-            </a:fld>
-            <a:endParaRPr lang="es-ES"/>
-          </a:p>
-        </p:txBody>
-      </p:sp>
+              <a:rPr lang="es-ES" sz="2200" dirty="0" smtClean="0"/>
+              <a:t>Resultados: Trabajo inicial</a:t>
+            </a:r>
+            <a:r>
+              <a:rPr lang="es-ES" dirty="0"/>
+              <a:t/>
+            </a:r>
+            <a:br>
+              <a:rPr lang="es-ES" dirty="0"/>
+            </a:br>
+            <a:r>
+              <a:rPr lang="es-ES" dirty="0" smtClean="0"/>
+              <a:t>Captura </a:t>
+            </a:r>
+            <a:r>
+              <a:rPr lang="es-ES" dirty="0"/>
+              <a:t>de requisitos</a:t>
+            </a:r>
+          </a:p>
+        </p:txBody>
+      </p:sp>
+      <p:pic>
+        <p:nvPicPr>
+          <p:cNvPr id="5" name="4 Imagen"/>
+          <p:cNvPicPr>
+            <a:picLocks noChangeAspect="1"/>
+          </p:cNvPicPr>
+          <p:nvPr/>
+        </p:nvPicPr>
+        <p:blipFill>
+          <a:blip r:embed="rId2">
+            <a:extLst>
+              <a:ext uri="{28A0092B-C50C-407E-A947-70E740481C1C}">
+                <a14:useLocalDpi xmlns:a14="http://schemas.microsoft.com/office/drawing/2010/main" val="0"/>
+              </a:ext>
+            </a:extLst>
+          </a:blip>
+          <a:stretch>
+            <a:fillRect/>
+          </a:stretch>
+        </p:blipFill>
+        <p:spPr>
+          <a:xfrm>
+            <a:off x="539552" y="2276872"/>
+            <a:ext cx="3052194" cy="2880322"/>
+          </a:xfrm>
+          <a:prstGeom prst="rect">
+            <a:avLst/>
+          </a:prstGeom>
+        </p:spPr>
+      </p:pic>
+      <p:pic>
+        <p:nvPicPr>
+          <p:cNvPr id="6" name="5 Imagen"/>
+          <p:cNvPicPr>
+            <a:picLocks noChangeAspect="1"/>
+          </p:cNvPicPr>
+          <p:nvPr/>
+        </p:nvPicPr>
+        <p:blipFill>
+          <a:blip r:embed="rId3" cstate="print">
+            <a:extLst>
+              <a:ext uri="{28A0092B-C50C-407E-A947-70E740481C1C}">
+                <a14:useLocalDpi xmlns:a14="http://schemas.microsoft.com/office/drawing/2010/main" val="0"/>
+              </a:ext>
+            </a:extLst>
+          </a:blip>
+          <a:stretch>
+            <a:fillRect/>
+          </a:stretch>
+        </p:blipFill>
+        <p:spPr>
+          <a:xfrm>
+            <a:off x="3965328" y="2564904"/>
+            <a:ext cx="4687774" cy="1596144"/>
+          </a:xfrm>
+          <a:prstGeom prst="rect">
+            <a:avLst/>
+          </a:prstGeom>
+        </p:spPr>
+      </p:pic>
     </p:spTree>
     <p:extLst>
       <p:ext uri="{BB962C8B-B14F-4D97-AF65-F5344CB8AC3E}">
-        <p14:creationId xmlns:p14="http://schemas.microsoft.com/office/powerpoint/2010/main" val="1180143558"/>
+        <p14:creationId xmlns:p14="http://schemas.microsoft.com/office/powerpoint/2010/main" val="2043354918"/>
       </p:ext>
     </p:extLst>
   </p:cSld>
@@ -10783,7 +11139,118 @@
   <p:timing>
     <p:tnLst>
       <p:par>
-        <p:cTn id="1" dur="indefinite" restart="never" nodeType="tmRoot"/>
+        <p:cTn id="1" dur="indefinite" restart="never" nodeType="tmRoot">
+          <p:childTnLst>
+            <p:seq concurrent="1" nextAc="seek">
+              <p:cTn id="2" dur="indefinite" nodeType="mainSeq">
+                <p:childTnLst>
+                  <p:par>
+                    <p:cTn id="3" fill="hold">
+                      <p:stCondLst>
+                        <p:cond delay="indefinite"/>
+                      </p:stCondLst>
+                      <p:childTnLst>
+                        <p:par>
+                          <p:cTn id="4" fill="hold">
+                            <p:stCondLst>
+                              <p:cond delay="0"/>
+                            </p:stCondLst>
+                            <p:childTnLst>
+                              <p:par>
+                                <p:cTn id="5" presetID="10" presetClass="entr" presetSubtype="0" fill="hold" nodeType="clickEffect">
+                                  <p:stCondLst>
+                                    <p:cond delay="0"/>
+                                  </p:stCondLst>
+                                  <p:childTnLst>
+                                    <p:set>
+                                      <p:cBhvr>
+                                        <p:cTn id="6" dur="1" fill="hold">
+                                          <p:stCondLst>
+                                            <p:cond delay="0"/>
+                                          </p:stCondLst>
+                                        </p:cTn>
+                                        <p:tgtEl>
+                                          <p:spTgt spid="5"/>
+                                        </p:tgtEl>
+                                        <p:attrNameLst>
+                                          <p:attrName>style.visibility</p:attrName>
+                                        </p:attrNameLst>
+                                      </p:cBhvr>
+                                      <p:to>
+                                        <p:strVal val="visible"/>
+                                      </p:to>
+                                    </p:set>
+                                    <p:animEffect transition="in" filter="fade">
+                                      <p:cBhvr>
+                                        <p:cTn id="7" dur="500"/>
+                                        <p:tgtEl>
+                                          <p:spTgt spid="5"/>
+                                        </p:tgtEl>
+                                      </p:cBhvr>
+                                    </p:animEffect>
+                                  </p:childTnLst>
+                                </p:cTn>
+                              </p:par>
+                              <p:par>
+                                <p:cTn id="8" presetID="10" presetClass="entr" presetSubtype="0" fill="hold" nodeType="withEffect">
+                                  <p:stCondLst>
+                                    <p:cond delay="0"/>
+                                  </p:stCondLst>
+                                  <p:childTnLst>
+                                    <p:set>
+                                      <p:cBhvr>
+                                        <p:cTn id="9" dur="1" fill="hold">
+                                          <p:stCondLst>
+                                            <p:cond delay="0"/>
+                                          </p:stCondLst>
+                                        </p:cTn>
+                                        <p:tgtEl>
+                                          <p:spTgt spid="6"/>
+                                        </p:tgtEl>
+                                        <p:attrNameLst>
+                                          <p:attrName>style.visibility</p:attrName>
+                                        </p:attrNameLst>
+                                      </p:cBhvr>
+                                      <p:to>
+                                        <p:strVal val="visible"/>
+                                      </p:to>
+                                    </p:set>
+                                    <p:animEffect transition="in" filter="fade">
+                                      <p:cBhvr>
+                                        <p:cTn id="10" dur="500"/>
+                                        <p:tgtEl>
+                                          <p:spTgt spid="6"/>
+                                        </p:tgtEl>
+                                      </p:cBhvr>
+                                    </p:animEffect>
+                                  </p:childTnLst>
+                                </p:cTn>
+                              </p:par>
+                            </p:childTnLst>
+                          </p:cTn>
+                        </p:par>
+                      </p:childTnLst>
+                    </p:cTn>
+                  </p:par>
+                </p:childTnLst>
+              </p:cTn>
+              <p:prevCondLst>
+                <p:cond evt="onPrev" delay="0">
+                  <p:tgtEl>
+                    <p:sldTgt/>
+                  </p:tgtEl>
+                </p:cond>
+              </p:prevCondLst>
+              <p:nextCondLst>
+                <p:cond evt="onNext" delay="0">
+                  <p:tgtEl>
+                    <p:sldTgt/>
+                  </p:tgtEl>
+                </p:cond>
+              </p:nextCondLst>
+            </p:seq>
+          </p:childTnLst>
+        </p:cTn>
       </p:par>
     </p:tnLst>
   </p:timing>
@@ -10807,9 +11274,85 @@
           <a:chExt cx="0" cy="0"/>
         </a:xfrm>
       </p:grpSpPr>
-      <p:sp>
-        <p:nvSpPr>
-          <p:cNvPr id="2" name="1 Título"/>
+      <p:pic>
+        <p:nvPicPr>
+          <p:cNvPr id="11" name="10 Imagen"/>
+          <p:cNvPicPr>
+            <a:picLocks noChangeAspect="1"/>
+          </p:cNvPicPr>
+          <p:nvPr/>
+        </p:nvPicPr>
+        <p:blipFill>
+          <a:blip r:embed="rId2">
+            <a:extLst>
+              <a:ext uri="{28A0092B-C50C-407E-A947-70E740481C1C}">
+                <a14:useLocalDpi xmlns:a14="http://schemas.microsoft.com/office/drawing/2010/main" val="0"/>
+              </a:ext>
+            </a:extLst>
+          </a:blip>
+          <a:stretch>
+            <a:fillRect/>
+          </a:stretch>
+        </p:blipFill>
+        <p:spPr>
+          <a:xfrm>
+            <a:off x="1403648" y="2136422"/>
+            <a:ext cx="5991068" cy="3744418"/>
+          </a:xfrm>
+          <a:prstGeom prst="rect">
+            <a:avLst/>
+          </a:prstGeom>
+        </p:spPr>
+      </p:pic>
+      <p:sp>
+        <p:nvSpPr>
+          <p:cNvPr id="2" name="1 Marcador de contenido"/>
+          <p:cNvSpPr>
+            <a:spLocks noGrp="1"/>
+          </p:cNvSpPr>
+          <p:nvPr>
+            <p:ph idx="1"/>
+          </p:nvPr>
+        </p:nvSpPr>
+        <p:spPr/>
+        <p:txBody>
+          <a:bodyPr/>
+          <a:lstStyle/>
+          <a:p>
+            <a:r>
+              <a:rPr lang="es-ES" dirty="0" smtClean="0"/>
+              <a:t>Concepto de perfiles de visualización</a:t>
+            </a:r>
+            <a:endParaRPr lang="es-ES" dirty="0"/>
+          </a:p>
+        </p:txBody>
+      </p:sp>
+      <p:sp>
+        <p:nvSpPr>
+          <p:cNvPr id="3" name="2 Marcador de número de diapositiva"/>
+          <p:cNvSpPr>
+            <a:spLocks noGrp="1"/>
+          </p:cNvSpPr>
+          <p:nvPr>
+            <p:ph type="sldNum" sz="quarter" idx="12"/>
+          </p:nvPr>
+        </p:nvSpPr>
+        <p:spPr/>
+        <p:txBody>
+          <a:bodyPr/>
+          <a:lstStyle/>
+          <a:p>
+            <a:fld id="{B48C6472-4FB6-4C69-A920-C8307D2FB374}" type="slidenum">
+              <a:rPr lang="es-ES" smtClean="0"/>
+              <a:t>28</a:t>
+            </a:fld>
+            <a:endParaRPr lang="es-ES"/>
+          </a:p>
+        </p:txBody>
+      </p:sp>
+      <p:sp>
+        <p:nvSpPr>
+          <p:cNvPr id="4" name="3 Título"/>
           <p:cNvSpPr>
             <a:spLocks noGrp="1"/>
           </p:cNvSpPr>
@@ -10819,91 +11362,252 @@
         </p:nvSpPr>
         <p:spPr>
           <a:xfrm>
-            <a:off x="-324544" y="1052736"/>
-            <a:ext cx="7772400" cy="1828800"/>
+            <a:off x="251520" y="274638"/>
+            <a:ext cx="8712968" cy="1143000"/>
           </a:xfrm>
         </p:spPr>
         <p:txBody>
-          <a:bodyPr/>
+          <a:bodyPr>
+            <a:normAutofit/>
+          </a:bodyPr>
           <a:lstStyle/>
           <a:p>
             <a:r>
+              <a:rPr lang="es-ES" sz="2200" dirty="0" smtClean="0"/>
+              <a:t>Resultados: Trabajo inicial</a:t>
+            </a:r>
+            <a:r>
+              <a:rPr lang="es-ES" sz="2200" dirty="0"/>
+              <a:t/>
+            </a:r>
+            <a:br>
+              <a:rPr lang="es-ES" sz="2200" dirty="0"/>
+            </a:br>
+            <a:r>
               <a:rPr lang="es-ES" dirty="0" smtClean="0"/>
-              <a:t>7. Conclusiones</a:t>
-            </a:r>
-            <a:endParaRPr lang="es-ES" dirty="0"/>
-          </a:p>
-        </p:txBody>
-      </p:sp>
-      <p:sp>
-        <p:nvSpPr>
-          <p:cNvPr id="3" name="2 Marcador de texto"/>
-          <p:cNvSpPr>
-            <a:spLocks noGrp="1"/>
-          </p:cNvSpPr>
-          <p:nvPr>
-            <p:ph type="body" idx="1"/>
-          </p:nvPr>
-        </p:nvSpPr>
+              <a:t>Captura </a:t>
+            </a:r>
+            <a:r>
+              <a:rPr lang="es-ES" dirty="0"/>
+              <a:t>de requisitos</a:t>
+            </a:r>
+          </a:p>
+        </p:txBody>
+      </p:sp>
+      <p:pic>
+        <p:nvPicPr>
+          <p:cNvPr id="7" name="6 Imagen"/>
+          <p:cNvPicPr>
+            <a:picLocks noChangeAspect="1"/>
+          </p:cNvPicPr>
+          <p:nvPr/>
+        </p:nvPicPr>
+        <p:blipFill>
+          <a:blip r:embed="rId3" cstate="print">
+            <a:extLst>
+              <a:ext uri="{28A0092B-C50C-407E-A947-70E740481C1C}">
+                <a14:useLocalDpi xmlns:a14="http://schemas.microsoft.com/office/drawing/2010/main" val="0"/>
+              </a:ext>
+            </a:extLst>
+          </a:blip>
+          <a:stretch>
+            <a:fillRect/>
+          </a:stretch>
+        </p:blipFill>
         <p:spPr>
           <a:xfrm>
-            <a:off x="3922712" y="2931712"/>
-            <a:ext cx="4969767" cy="1454888"/>
+            <a:off x="1403648" y="2133419"/>
+            <a:ext cx="5991068" cy="3744416"/>
           </a:xfrm>
+          <a:prstGeom prst="rect">
+            <a:avLst/>
+          </a:prstGeom>
         </p:spPr>
-        <p:txBody>
-          <a:bodyPr>
-            <a:normAutofit fontScale="92500"/>
-          </a:bodyPr>
-          <a:lstStyle/>
-          <a:p>
-            <a:r>
-              <a:rPr lang="es-ES" dirty="0" smtClean="0"/>
-              <a:t>Aspectos destacables del resultado</a:t>
-            </a:r>
-          </a:p>
-          <a:p>
-            <a:r>
-              <a:rPr lang="es-ES" dirty="0" smtClean="0"/>
-              <a:t>Trabajo actual y futuro</a:t>
-            </a:r>
-          </a:p>
-          <a:p>
-            <a:r>
-              <a:rPr lang="es-ES" dirty="0" smtClean="0"/>
-              <a:t>Conocimientos adquiridos</a:t>
-            </a:r>
-            <a:endParaRPr lang="es-ES" dirty="0"/>
-          </a:p>
-        </p:txBody>
-      </p:sp>
-      <p:sp>
-        <p:nvSpPr>
-          <p:cNvPr id="4" name="3 Marcador de número de diapositiva"/>
-          <p:cNvSpPr>
-            <a:spLocks noGrp="1"/>
-          </p:cNvSpPr>
-          <p:nvPr>
-            <p:ph type="sldNum" sz="quarter" idx="12"/>
-          </p:nvPr>
-        </p:nvSpPr>
-        <p:spPr/>
-        <p:txBody>
-          <a:bodyPr/>
-          <a:lstStyle/>
-          <a:p>
-            <a:fld id="{B48C6472-4FB6-4C69-A920-C8307D2FB374}" type="slidenum">
-              <a:rPr lang="es-ES" smtClean="0"/>
-              <a:t>28</a:t>
-            </a:fld>
-            <a:endParaRPr lang="es-ES"/>
-          </a:p>
-        </p:txBody>
-      </p:sp>
+      </p:pic>
+      <p:cxnSp>
+        <p:nvCxnSpPr>
+          <p:cNvPr id="13" name="12 Conector recto de flecha"/>
+          <p:cNvCxnSpPr/>
+          <p:nvPr/>
+        </p:nvCxnSpPr>
+        <p:spPr>
+          <a:xfrm>
+            <a:off x="3563888" y="2780928"/>
+            <a:ext cx="1296144" cy="0"/>
+          </a:xfrm>
+          <a:prstGeom prst="straightConnector1">
+            <a:avLst/>
+          </a:prstGeom>
+          <a:ln w="19050">
+            <a:solidFill>
+              <a:schemeClr val="tx1"/>
+            </a:solidFill>
+            <a:tailEnd type="arrow"/>
+          </a:ln>
+        </p:spPr>
+        <p:style>
+          <a:lnRef idx="1">
+            <a:schemeClr val="accent1"/>
+          </a:lnRef>
+          <a:fillRef idx="0">
+            <a:schemeClr val="accent1"/>
+          </a:fillRef>
+          <a:effectRef idx="0">
+            <a:schemeClr val="accent1"/>
+          </a:effectRef>
+          <a:fontRef idx="minor">
+            <a:schemeClr val="tx1"/>
+          </a:fontRef>
+        </p:style>
+      </p:cxnSp>
+      <p:cxnSp>
+        <p:nvCxnSpPr>
+          <p:cNvPr id="15" name="14 Conector recto de flecha"/>
+          <p:cNvCxnSpPr/>
+          <p:nvPr/>
+        </p:nvCxnSpPr>
+        <p:spPr>
+          <a:xfrm>
+            <a:off x="3563888" y="3140968"/>
+            <a:ext cx="1152128" cy="0"/>
+          </a:xfrm>
+          <a:prstGeom prst="straightConnector1">
+            <a:avLst/>
+          </a:prstGeom>
+          <a:ln w="19050">
+            <a:solidFill>
+              <a:schemeClr val="tx1"/>
+            </a:solidFill>
+            <a:tailEnd type="arrow"/>
+          </a:ln>
+        </p:spPr>
+        <p:style>
+          <a:lnRef idx="1">
+            <a:schemeClr val="accent1"/>
+          </a:lnRef>
+          <a:fillRef idx="0">
+            <a:schemeClr val="accent1"/>
+          </a:fillRef>
+          <a:effectRef idx="0">
+            <a:schemeClr val="accent1"/>
+          </a:effectRef>
+          <a:fontRef idx="minor">
+            <a:schemeClr val="tx1"/>
+          </a:fontRef>
+        </p:style>
+      </p:cxnSp>
+      <p:cxnSp>
+        <p:nvCxnSpPr>
+          <p:cNvPr id="17" name="16 Conector recto de flecha"/>
+          <p:cNvCxnSpPr/>
+          <p:nvPr/>
+        </p:nvCxnSpPr>
+        <p:spPr>
+          <a:xfrm>
+            <a:off x="3563888" y="3645024"/>
+            <a:ext cx="1152128" cy="1152128"/>
+          </a:xfrm>
+          <a:prstGeom prst="straightConnector1">
+            <a:avLst/>
+          </a:prstGeom>
+          <a:ln w="19050">
+            <a:solidFill>
+              <a:schemeClr val="tx1"/>
+            </a:solidFill>
+            <a:tailEnd type="arrow"/>
+          </a:ln>
+        </p:spPr>
+        <p:style>
+          <a:lnRef idx="1">
+            <a:schemeClr val="accent1"/>
+          </a:lnRef>
+          <a:fillRef idx="0">
+            <a:schemeClr val="accent1"/>
+          </a:fillRef>
+          <a:effectRef idx="0">
+            <a:schemeClr val="accent1"/>
+          </a:effectRef>
+          <a:fontRef idx="minor">
+            <a:schemeClr val="tx1"/>
+          </a:fontRef>
+        </p:style>
+      </p:cxnSp>
+      <p:cxnSp>
+        <p:nvCxnSpPr>
+          <p:cNvPr id="19" name="18 Conector recto de flecha"/>
+          <p:cNvCxnSpPr/>
+          <p:nvPr/>
+        </p:nvCxnSpPr>
+        <p:spPr>
+          <a:xfrm flipV="1">
+            <a:off x="3563888" y="3717032"/>
+            <a:ext cx="1152128" cy="504056"/>
+          </a:xfrm>
+          <a:prstGeom prst="straightConnector1">
+            <a:avLst/>
+          </a:prstGeom>
+          <a:ln w="19050">
+            <a:solidFill>
+              <a:schemeClr val="tx1"/>
+            </a:solidFill>
+            <a:tailEnd type="arrow"/>
+          </a:ln>
+        </p:spPr>
+        <p:style>
+          <a:lnRef idx="1">
+            <a:schemeClr val="accent1"/>
+          </a:lnRef>
+          <a:fillRef idx="0">
+            <a:schemeClr val="accent1"/>
+          </a:fillRef>
+          <a:effectRef idx="0">
+            <a:schemeClr val="accent1"/>
+          </a:effectRef>
+          <a:fontRef idx="minor">
+            <a:schemeClr val="tx1"/>
+          </a:fontRef>
+        </p:style>
+      </p:cxnSp>
+      <p:cxnSp>
+        <p:nvCxnSpPr>
+          <p:cNvPr id="21" name="20 Conector recto de flecha"/>
+          <p:cNvCxnSpPr/>
+          <p:nvPr/>
+        </p:nvCxnSpPr>
+        <p:spPr>
+          <a:xfrm flipV="1">
+            <a:off x="3563888" y="4293096"/>
+            <a:ext cx="1152128" cy="504056"/>
+          </a:xfrm>
+          <a:prstGeom prst="straightConnector1">
+            <a:avLst/>
+          </a:prstGeom>
+          <a:ln w="19050">
+            <a:solidFill>
+              <a:schemeClr val="tx1"/>
+            </a:solidFill>
+            <a:tailEnd type="arrow"/>
+          </a:ln>
+        </p:spPr>
+        <p:style>
+          <a:lnRef idx="1">
+            <a:schemeClr val="accent1"/>
+          </a:lnRef>
+          <a:fillRef idx="0">
+            <a:schemeClr val="accent1"/>
+          </a:fillRef>
+          <a:effectRef idx="0">
+            <a:schemeClr val="accent1"/>
+          </a:effectRef>
+          <a:fontRef idx="minor">
+            <a:schemeClr val="tx1"/>
+          </a:fontRef>
+        </p:style>
+      </p:cxnSp>
     </p:spTree>
     <p:extLst>
       <p:ext uri="{BB962C8B-B14F-4D97-AF65-F5344CB8AC3E}">
-        <p14:creationId xmlns:p14="http://schemas.microsoft.com/office/powerpoint/2010/main" val="2294950241"/>
+        <p14:creationId xmlns:p14="http://schemas.microsoft.com/office/powerpoint/2010/main" val="2815273043"/>
       </p:ext>
     </p:extLst>
   </p:cSld>
@@ -10913,7 +11617,348 @@
   <p:timing>
     <p:tnLst>
       <p:par>
-        <p:cTn id="1" dur="indefinite" restart="never" nodeType="tmRoot"/>
+        <p:cTn id="1" dur="indefinite" restart="never" nodeType="tmRoot">
+          <p:childTnLst>
+            <p:seq concurrent="1" nextAc="seek">
+              <p:cTn id="2" dur="indefinite" nodeType="mainSeq">
+                <p:childTnLst>
+                  <p:par>
+                    <p:cTn id="3" fill="hold">
+                      <p:stCondLst>
+                        <p:cond delay="indefinite"/>
+                      </p:stCondLst>
+                      <p:childTnLst>
+                        <p:par>
+                          <p:cTn id="4" fill="hold">
+                            <p:stCondLst>
+                              <p:cond delay="0"/>
+                            </p:stCondLst>
+                            <p:childTnLst>
+                              <p:par>
+                                <p:cTn id="5" presetID="22" presetClass="entr" presetSubtype="8" fill="hold" nodeType="clickEffect">
+                                  <p:stCondLst>
+                                    <p:cond delay="0"/>
+                                  </p:stCondLst>
+                                  <p:childTnLst>
+                                    <p:set>
+                                      <p:cBhvr>
+                                        <p:cTn id="6" dur="1" fill="hold">
+                                          <p:stCondLst>
+                                            <p:cond delay="0"/>
+                                          </p:stCondLst>
+                                        </p:cTn>
+                                        <p:tgtEl>
+                                          <p:spTgt spid="13"/>
+                                        </p:tgtEl>
+                                        <p:attrNameLst>
+                                          <p:attrName>style.visibility</p:attrName>
+                                        </p:attrNameLst>
+                                      </p:cBhvr>
+                                      <p:to>
+                                        <p:strVal val="visible"/>
+                                      </p:to>
+                                    </p:set>
+                                    <p:animEffect transition="in" filter="wipe(left)">
+                                      <p:cBhvr>
+                                        <p:cTn id="7" dur="500"/>
+                                        <p:tgtEl>
+                                          <p:spTgt spid="13"/>
+                                        </p:tgtEl>
+                                      </p:cBhvr>
+                                    </p:animEffect>
+                                  </p:childTnLst>
+                                </p:cTn>
+                              </p:par>
+                            </p:childTnLst>
+                          </p:cTn>
+                        </p:par>
+                      </p:childTnLst>
+                    </p:cTn>
+                  </p:par>
+                  <p:par>
+                    <p:cTn id="8" fill="hold">
+                      <p:stCondLst>
+                        <p:cond delay="indefinite"/>
+                      </p:stCondLst>
+                      <p:childTnLst>
+                        <p:par>
+                          <p:cTn id="9" fill="hold">
+                            <p:stCondLst>
+                              <p:cond delay="0"/>
+                            </p:stCondLst>
+                            <p:childTnLst>
+                              <p:par>
+                                <p:cTn id="10" presetID="22" presetClass="entr" presetSubtype="1" fill="hold" nodeType="clickEffect">
+                                  <p:stCondLst>
+                                    <p:cond delay="0"/>
+                                  </p:stCondLst>
+                                  <p:childTnLst>
+                                    <p:set>
+                                      <p:cBhvr>
+                                        <p:cTn id="11" dur="1" fill="hold">
+                                          <p:stCondLst>
+                                            <p:cond delay="0"/>
+                                          </p:stCondLst>
+                                        </p:cTn>
+                                        <p:tgtEl>
+                                          <p:spTgt spid="7"/>
+                                        </p:tgtEl>
+                                        <p:attrNameLst>
+                                          <p:attrName>style.visibility</p:attrName>
+                                        </p:attrNameLst>
+                                      </p:cBhvr>
+                                      <p:to>
+                                        <p:strVal val="visible"/>
+                                      </p:to>
+                                    </p:set>
+                                    <p:animEffect transition="in" filter="wipe(up)">
+                                      <p:cBhvr>
+                                        <p:cTn id="12" dur="500"/>
+                                        <p:tgtEl>
+                                          <p:spTgt spid="7"/>
+                                        </p:tgtEl>
+                                      </p:cBhvr>
+                                    </p:animEffect>
+                                  </p:childTnLst>
+                                </p:cTn>
+                              </p:par>
+                            </p:childTnLst>
+                          </p:cTn>
+                        </p:par>
+                      </p:childTnLst>
+                    </p:cTn>
+                  </p:par>
+                  <p:par>
+                    <p:cTn id="13" fill="hold">
+                      <p:stCondLst>
+                        <p:cond delay="indefinite"/>
+                      </p:stCondLst>
+                      <p:childTnLst>
+                        <p:par>
+                          <p:cTn id="14" fill="hold">
+                            <p:stCondLst>
+                              <p:cond delay="0"/>
+                            </p:stCondLst>
+                            <p:childTnLst>
+                              <p:par>
+                                <p:cTn id="15" presetID="22" presetClass="entr" presetSubtype="8" fill="hold" nodeType="clickEffect">
+                                  <p:stCondLst>
+                                    <p:cond delay="0"/>
+                                  </p:stCondLst>
+                                  <p:childTnLst>
+                                    <p:set>
+                                      <p:cBhvr>
+                                        <p:cTn id="16" dur="1" fill="hold">
+                                          <p:stCondLst>
+                                            <p:cond delay="0"/>
+                                          </p:stCondLst>
+                                        </p:cTn>
+                                        <p:tgtEl>
+                                          <p:spTgt spid="15"/>
+                                        </p:tgtEl>
+                                        <p:attrNameLst>
+                                          <p:attrName>style.visibility</p:attrName>
+                                        </p:attrNameLst>
+                                      </p:cBhvr>
+                                      <p:to>
+                                        <p:strVal val="visible"/>
+                                      </p:to>
+                                    </p:set>
+                                    <p:animEffect transition="in" filter="wipe(left)">
+                                      <p:cBhvr>
+                                        <p:cTn id="17" dur="500"/>
+                                        <p:tgtEl>
+                                          <p:spTgt spid="15"/>
+                                        </p:tgtEl>
+                                      </p:cBhvr>
+                                    </p:animEffect>
+                                  </p:childTnLst>
+                                </p:cTn>
+                              </p:par>
+                            </p:childTnLst>
+                          </p:cTn>
+                        </p:par>
+                      </p:childTnLst>
+                    </p:cTn>
+                  </p:par>
+                  <p:par>
+                    <p:cTn id="18" fill="hold">
+                      <p:stCondLst>
+                        <p:cond delay="indefinite"/>
+                      </p:stCondLst>
+                      <p:childTnLst>
+                        <p:par>
+                          <p:cTn id="19" fill="hold">
+                            <p:stCondLst>
+                              <p:cond delay="0"/>
+                            </p:stCondLst>
+                            <p:childTnLst>
+                              <p:par>
+                                <p:cTn id="20" presetID="22" presetClass="entr" presetSubtype="8" fill="hold" nodeType="clickEffect">
+                                  <p:stCondLst>
+                                    <p:cond delay="0"/>
+                                  </p:stCondLst>
+                                  <p:childTnLst>
+                                    <p:set>
+                                      <p:cBhvr>
+                                        <p:cTn id="21" dur="1" fill="hold">
+                                          <p:stCondLst>
+                                            <p:cond delay="0"/>
+                                          </p:stCondLst>
+                                        </p:cTn>
+                                        <p:tgtEl>
+                                          <p:spTgt spid="17"/>
+                                        </p:tgtEl>
+                                        <p:attrNameLst>
+                                          <p:attrName>style.visibility</p:attrName>
+                                        </p:attrNameLst>
+                                      </p:cBhvr>
+                                      <p:to>
+                                        <p:strVal val="visible"/>
+                                      </p:to>
+                                    </p:set>
+                                    <p:animEffect transition="in" filter="wipe(left)">
+                                      <p:cBhvr>
+                                        <p:cTn id="22" dur="500"/>
+                                        <p:tgtEl>
+                                          <p:spTgt spid="17"/>
+                                        </p:tgtEl>
+                                      </p:cBhvr>
+                                    </p:animEffect>
+                                  </p:childTnLst>
+                                </p:cTn>
+                              </p:par>
+                            </p:childTnLst>
+                          </p:cTn>
+                        </p:par>
+                      </p:childTnLst>
+                    </p:cTn>
+                  </p:par>
+                  <p:par>
+                    <p:cTn id="23" fill="hold">
+                      <p:stCondLst>
+                        <p:cond delay="indefinite"/>
+                      </p:stCondLst>
+                      <p:childTnLst>
+                        <p:par>
+                          <p:cTn id="24" fill="hold">
+                            <p:stCondLst>
+                              <p:cond delay="0"/>
+                            </p:stCondLst>
+                            <p:childTnLst>
+                              <p:par>
+                                <p:cTn id="25" presetID="22" presetClass="entr" presetSubtype="8" fill="hold" nodeType="clickEffect">
+                                  <p:stCondLst>
+                                    <p:cond delay="0"/>
+                                  </p:stCondLst>
+                                  <p:childTnLst>
+                                    <p:set>
+                                      <p:cBhvr>
+                                        <p:cTn id="26" dur="1" fill="hold">
+                                          <p:stCondLst>
+                                            <p:cond delay="0"/>
+                                          </p:stCondLst>
+                                        </p:cTn>
+                                        <p:tgtEl>
+                                          <p:spTgt spid="19"/>
+                                        </p:tgtEl>
+                                        <p:attrNameLst>
+                                          <p:attrName>style.visibility</p:attrName>
+                                        </p:attrNameLst>
+                                      </p:cBhvr>
+                                      <p:to>
+                                        <p:strVal val="visible"/>
+                                      </p:to>
+                                    </p:set>
+                                    <p:animEffect transition="in" filter="wipe(left)">
+                                      <p:cBhvr>
+                                        <p:cTn id="27" dur="500"/>
+                                        <p:tgtEl>
+                                          <p:spTgt spid="19"/>
+                                        </p:tgtEl>
+                                      </p:cBhvr>
+                                    </p:animEffect>
+                                  </p:childTnLst>
+                                </p:cTn>
+                              </p:par>
+                            </p:childTnLst>
+                          </p:cTn>
+                        </p:par>
+                      </p:childTnLst>
+                    </p:cTn>
+                  </p:par>
+                  <p:par>
+                    <p:cTn id="28" fill="hold">
+                      <p:stCondLst>
+                        <p:cond delay="indefinite"/>
+                      </p:stCondLst>
+                      <p:childTnLst>
+                        <p:par>
+                          <p:cTn id="29" fill="hold">
+                            <p:stCondLst>
+                              <p:cond delay="0"/>
+                            </p:stCondLst>
+                            <p:childTnLst>
+                              <p:par>
+                                <p:cTn id="30" presetID="22" presetClass="entr" presetSubtype="8" fill="hold" nodeType="clickEffect">
+                                  <p:stCondLst>
+                                    <p:cond delay="0"/>
+                                  </p:stCondLst>
+                                  <p:childTnLst>
+                                    <p:set>
+                                      <p:cBhvr>
+                                        <p:cTn id="31" dur="1" fill="hold">
+                                          <p:stCondLst>
+                                            <p:cond delay="0"/>
+                                          </p:stCondLst>
+                                        </p:cTn>
+                                        <p:tgtEl>
+                                          <p:spTgt spid="21"/>
+                                        </p:tgtEl>
+                                        <p:attrNameLst>
+                                          <p:attrName>style.visibility</p:attrName>
+                                        </p:attrNameLst>
+                                      </p:cBhvr>
+                                      <p:to>
+                                        <p:strVal val="visible"/>
+                                      </p:to>
+                                    </p:set>
+                                    <p:animEffect transition="in" filter="wipe(left)">
+                                      <p:cBhvr>
+                                        <p:cTn id="32" dur="500"/>
+                                        <p:tgtEl>
+                                          <p:spTgt spid="21"/>
+                                        </p:tgtEl>
+                                      </p:cBhvr>
+                                    </p:animEffect>
+                                  </p:childTnLst>
+                                </p:cTn>
+                              </p:par>
+                            </p:childTnLst>
+                          </p:cTn>
+                        </p:par>
+                      </p:childTnLst>
+                    </p:cTn>
+                  </p:par>
+                </p:childTnLst>
+              </p:cTn>
+              <p:prevCondLst>
+                <p:cond evt="onPrev" delay="0">
+                  <p:tgtEl>
+                    <p:sldTgt/>
+                  </p:tgtEl>
+                </p:cond>
+              </p:prevCondLst>
+              <p:nextCondLst>
+                <p:cond evt="onNext" delay="0">
+                  <p:tgtEl>
+                    <p:sldTgt/>
+                  </p:tgtEl>
+                </p:cond>
+              </p:nextCondLst>
+            </p:seq>
+          </p:childTnLst>
+        </p:cTn>
       </p:par>
     </p:tnLst>
   </p:timing>
@@ -10949,16 +11994,108 @@
         </p:nvSpPr>
         <p:spPr/>
         <p:txBody>
+          <a:bodyPr>
+            <a:normAutofit fontScale="92500" lnSpcReduction="10000"/>
+          </a:bodyPr>
+          <a:lstStyle/>
+          <a:p>
+            <a:pPr marL="109728" indent="0">
+              <a:buNone/>
+            </a:pPr>
+            <a:r>
+              <a:rPr lang="es-ES" dirty="0" smtClean="0"/>
+              <a:t>Funcionalidades que debe satisfacer el sistema:</a:t>
+            </a:r>
+          </a:p>
+          <a:p>
+            <a:r>
+              <a:rPr lang="es-ES" dirty="0" smtClean="0"/>
+              <a:t>Autenticación y control de acceso.</a:t>
+            </a:r>
+          </a:p>
+          <a:p>
+            <a:r>
+              <a:rPr lang="es-ES" dirty="0" smtClean="0"/>
+              <a:t>Gestión organizacional: compañías, factorías, proyectos y </a:t>
+            </a:r>
+            <a:r>
+              <a:rPr lang="es-ES" dirty="0" err="1" smtClean="0"/>
+              <a:t>subproyectos</a:t>
+            </a:r>
+            <a:r>
+              <a:rPr lang="es-ES" dirty="0" smtClean="0"/>
+              <a:t>.</a:t>
+            </a:r>
+          </a:p>
+          <a:p>
+            <a:r>
+              <a:rPr lang="es-ES" dirty="0" smtClean="0"/>
+              <a:t>Gestión de perfiles de visualización.</a:t>
+            </a:r>
+          </a:p>
+          <a:p>
+            <a:r>
+              <a:rPr lang="es-ES" dirty="0" smtClean="0"/>
+              <a:t>Selección de perfiles de visualización.</a:t>
+            </a:r>
+          </a:p>
+          <a:p>
+            <a:r>
+              <a:rPr lang="es-ES" dirty="0" err="1" smtClean="0"/>
+              <a:t>Geolocalización</a:t>
+            </a:r>
+            <a:r>
+              <a:rPr lang="es-ES" dirty="0" smtClean="0"/>
+              <a:t> de factorías de software.</a:t>
+            </a:r>
+          </a:p>
+          <a:p>
+            <a:r>
+              <a:rPr lang="es-ES" dirty="0" smtClean="0"/>
+              <a:t>Visualización de medidas e indicadores.</a:t>
+            </a:r>
+          </a:p>
+          <a:p>
+            <a:r>
+              <a:rPr lang="es-ES" dirty="0" smtClean="0"/>
+              <a:t>Selección de objetos 3D.</a:t>
+            </a:r>
+          </a:p>
+          <a:p>
+            <a:r>
+              <a:rPr lang="es-ES" dirty="0" smtClean="0"/>
+              <a:t>Navegabilidad a través de distintos niveles de abstracción.</a:t>
+            </a:r>
+            <a:endParaRPr lang="es-ES" dirty="0"/>
+          </a:p>
+        </p:txBody>
+      </p:sp>
+      <p:sp>
+        <p:nvSpPr>
+          <p:cNvPr id="3" name="2 Marcador de número de diapositiva"/>
+          <p:cNvSpPr>
+            <a:spLocks noGrp="1"/>
+          </p:cNvSpPr>
+          <p:nvPr>
+            <p:ph type="sldNum" sz="quarter" idx="12"/>
+          </p:nvPr>
+        </p:nvSpPr>
+        <p:spPr/>
+        <p:txBody>
           <a:bodyPr/>
           <a:lstStyle/>
           <a:p>
+            <a:fld id="{B48C6472-4FB6-4C69-A920-C8307D2FB374}" type="slidenum">
+              <a:rPr lang="es-ES" smtClean="0"/>
+              <a:t>29</a:t>
+            </a:fld>
             <a:endParaRPr lang="es-ES"/>
           </a:p>
         </p:txBody>
       </p:sp>
       <p:sp>
         <p:nvSpPr>
-          <p:cNvPr id="3" name="2 Título"/>
+          <p:cNvPr id="4" name="3 Título"/>
           <p:cNvSpPr>
             <a:spLocks noGrp="1"/>
           </p:cNvSpPr>
@@ -10969,13 +12106,13 @@
         <p:spPr/>
         <p:txBody>
           <a:bodyPr>
-            <a:normAutofit fontScale="90000"/>
+            <a:normAutofit/>
           </a:bodyPr>
           <a:lstStyle/>
           <a:p>
             <a:r>
               <a:rPr lang="es-ES" sz="2400" dirty="0" smtClean="0"/>
-              <a:t>Conclusiones</a:t>
+              <a:t>Resultados: Trabajo inicial</a:t>
             </a:r>
             <a:r>
               <a:rPr lang="es-ES" dirty="0" smtClean="0"/>
@@ -10986,43 +12123,16 @@
             </a:br>
             <a:r>
               <a:rPr lang="es-ES" dirty="0" smtClean="0"/>
-              <a:t>Aspectos </a:t>
-            </a:r>
-            <a:r>
-              <a:rPr lang="es-ES" dirty="0" smtClean="0"/>
-              <a:t>destacables del resultado</a:t>
+              <a:t>Identificación de requisitos</a:t>
             </a:r>
             <a:endParaRPr lang="es-ES" dirty="0"/>
-          </a:p>
-        </p:txBody>
-      </p:sp>
-      <p:sp>
-        <p:nvSpPr>
-          <p:cNvPr id="4" name="3 Marcador de número de diapositiva"/>
-          <p:cNvSpPr>
-            <a:spLocks noGrp="1"/>
-          </p:cNvSpPr>
-          <p:nvPr>
-            <p:ph type="sldNum" sz="quarter" idx="12"/>
-          </p:nvPr>
-        </p:nvSpPr>
-        <p:spPr/>
-        <p:txBody>
-          <a:bodyPr/>
-          <a:lstStyle/>
-          <a:p>
-            <a:fld id="{B48C6472-4FB6-4C69-A920-C8307D2FB374}" type="slidenum">
-              <a:rPr lang="es-ES" smtClean="0"/>
-              <a:t>29</a:t>
-            </a:fld>
-            <a:endParaRPr lang="es-ES"/>
           </a:p>
         </p:txBody>
       </p:sp>
     </p:spTree>
     <p:extLst>
       <p:ext uri="{BB962C8B-B14F-4D97-AF65-F5344CB8AC3E}">
-        <p14:creationId xmlns:p14="http://schemas.microsoft.com/office/powerpoint/2010/main" val="3739066847"/>
+        <p14:creationId xmlns:p14="http://schemas.microsoft.com/office/powerpoint/2010/main" val="611293072"/>
       </p:ext>
     </p:extLst>
   </p:cSld>
@@ -11032,7 +12142,518 @@
   <p:timing>
     <p:tnLst>
       <p:par>
-        <p:cTn id="1" dur="indefinite" restart="never" nodeType="tmRoot"/>
+        <p:cTn id="1" dur="indefinite" restart="never" nodeType="tmRoot">
+          <p:childTnLst>
+            <p:seq concurrent="1" nextAc="seek">
+              <p:cTn id="2" dur="indefinite" nodeType="mainSeq">
+                <p:childTnLst>
+                  <p:par>
+                    <p:cTn id="3" fill="hold">
+                      <p:stCondLst>
+                        <p:cond delay="indefinite"/>
+                      </p:stCondLst>
+                      <p:childTnLst>
+                        <p:par>
+                          <p:cTn id="4" fill="hold">
+                            <p:stCondLst>
+                              <p:cond delay="0"/>
+                            </p:stCondLst>
+                            <p:childTnLst>
+                              <p:par>
+                                <p:cTn id="5" presetID="10" presetClass="entr" presetSubtype="0" fill="hold" nodeType="clickEffect">
+                                  <p:stCondLst>
+                                    <p:cond delay="0"/>
+                                  </p:stCondLst>
+                                  <p:childTnLst>
+                                    <p:set>
+                                      <p:cBhvr>
+                                        <p:cTn id="6" dur="1" fill="hold">
+                                          <p:stCondLst>
+                                            <p:cond delay="0"/>
+                                          </p:stCondLst>
+                                        </p:cTn>
+                                        <p:tgtEl>
+                                          <p:spTgt spid="2">
+                                            <p:txEl>
+                                              <p:pRg st="1" end="1"/>
+                                            </p:txEl>
+                                          </p:spTgt>
+                                        </p:tgtEl>
+                                        <p:attrNameLst>
+                                          <p:attrName>style.visibility</p:attrName>
+                                        </p:attrNameLst>
+                                      </p:cBhvr>
+                                      <p:to>
+                                        <p:strVal val="visible"/>
+                                      </p:to>
+                                    </p:set>
+                                    <p:animEffect transition="in" filter="fade">
+                                      <p:cBhvr>
+                                        <p:cTn id="7" dur="500"/>
+                                        <p:tgtEl>
+                                          <p:spTgt spid="2">
+                                            <p:txEl>
+                                              <p:pRg st="1" end="1"/>
+                                            </p:txEl>
+                                          </p:spTgt>
+                                        </p:tgtEl>
+                                      </p:cBhvr>
+                                    </p:animEffect>
+                                  </p:childTnLst>
+                                </p:cTn>
+                              </p:par>
+                            </p:childTnLst>
+                          </p:cTn>
+                        </p:par>
+                      </p:childTnLst>
+                    </p:cTn>
+                  </p:par>
+                  <p:par>
+                    <p:cTn id="8" fill="hold">
+                      <p:stCondLst>
+                        <p:cond delay="indefinite"/>
+                      </p:stCondLst>
+                      <p:childTnLst>
+                        <p:par>
+                          <p:cTn id="9" fill="hold">
+                            <p:stCondLst>
+                              <p:cond delay="0"/>
+                            </p:stCondLst>
+                            <p:childTnLst>
+                              <p:par>
+                                <p:cTn id="10" presetID="10" presetClass="entr" presetSubtype="0" fill="hold" nodeType="clickEffect">
+                                  <p:stCondLst>
+                                    <p:cond delay="0"/>
+                                  </p:stCondLst>
+                                  <p:childTnLst>
+                                    <p:set>
+                                      <p:cBhvr>
+                                        <p:cTn id="11" dur="1" fill="hold">
+                                          <p:stCondLst>
+                                            <p:cond delay="0"/>
+                                          </p:stCondLst>
+                                        </p:cTn>
+                                        <p:tgtEl>
+                                          <p:spTgt spid="2">
+                                            <p:txEl>
+                                              <p:pRg st="2" end="2"/>
+                                            </p:txEl>
+                                          </p:spTgt>
+                                        </p:tgtEl>
+                                        <p:attrNameLst>
+                                          <p:attrName>style.visibility</p:attrName>
+                                        </p:attrNameLst>
+                                      </p:cBhvr>
+                                      <p:to>
+                                        <p:strVal val="visible"/>
+                                      </p:to>
+                                    </p:set>
+                                    <p:animEffect transition="in" filter="fade">
+                                      <p:cBhvr>
+                                        <p:cTn id="12" dur="500"/>
+                                        <p:tgtEl>
+                                          <p:spTgt spid="2">
+                                            <p:txEl>
+                                              <p:pRg st="2" end="2"/>
+                                            </p:txEl>
+                                          </p:spTgt>
+                                        </p:tgtEl>
+                                      </p:cBhvr>
+                                    </p:animEffect>
+                                  </p:childTnLst>
+                                </p:cTn>
+                              </p:par>
+                            </p:childTnLst>
+                          </p:cTn>
+                        </p:par>
+                      </p:childTnLst>
+                    </p:cTn>
+                  </p:par>
+                  <p:par>
+                    <p:cTn id="13" fill="hold">
+                      <p:stCondLst>
+                        <p:cond delay="indefinite"/>
+                      </p:stCondLst>
+                      <p:childTnLst>
+                        <p:par>
+                          <p:cTn id="14" fill="hold">
+                            <p:stCondLst>
+                              <p:cond delay="0"/>
+                            </p:stCondLst>
+                            <p:childTnLst>
+                              <p:par>
+                                <p:cTn id="15" presetID="10" presetClass="entr" presetSubtype="0" fill="hold" nodeType="clickEffect">
+                                  <p:stCondLst>
+                                    <p:cond delay="0"/>
+                                  </p:stCondLst>
+                                  <p:childTnLst>
+                                    <p:set>
+                                      <p:cBhvr>
+                                        <p:cTn id="16" dur="1" fill="hold">
+                                          <p:stCondLst>
+                                            <p:cond delay="0"/>
+                                          </p:stCondLst>
+                                        </p:cTn>
+                                        <p:tgtEl>
+                                          <p:spTgt spid="2">
+                                            <p:txEl>
+                                              <p:pRg st="3" end="3"/>
+                                            </p:txEl>
+                                          </p:spTgt>
+                                        </p:tgtEl>
+                                        <p:attrNameLst>
+                                          <p:attrName>style.visibility</p:attrName>
+                                        </p:attrNameLst>
+                                      </p:cBhvr>
+                                      <p:to>
+                                        <p:strVal val="visible"/>
+                                      </p:to>
+                                    </p:set>
+                                    <p:animEffect transition="in" filter="fade">
+                                      <p:cBhvr>
+                                        <p:cTn id="17" dur="500"/>
+                                        <p:tgtEl>
+                                          <p:spTgt spid="2">
+                                            <p:txEl>
+                                              <p:pRg st="3" end="3"/>
+                                            </p:txEl>
+                                          </p:spTgt>
+                                        </p:tgtEl>
+                                      </p:cBhvr>
+                                    </p:animEffect>
+                                  </p:childTnLst>
+                                </p:cTn>
+                              </p:par>
+                            </p:childTnLst>
+                          </p:cTn>
+                        </p:par>
+                      </p:childTnLst>
+                    </p:cTn>
+                  </p:par>
+                  <p:par>
+                    <p:cTn id="18" fill="hold">
+                      <p:stCondLst>
+                        <p:cond delay="indefinite"/>
+                      </p:stCondLst>
+                      <p:childTnLst>
+                        <p:par>
+                          <p:cTn id="19" fill="hold">
+                            <p:stCondLst>
+                              <p:cond delay="0"/>
+                            </p:stCondLst>
+                            <p:childTnLst>
+                              <p:par>
+                                <p:cTn id="20" presetID="10" presetClass="entr" presetSubtype="0" fill="hold" nodeType="clickEffect">
+                                  <p:stCondLst>
+                                    <p:cond delay="0"/>
+                                  </p:stCondLst>
+                                  <p:childTnLst>
+                                    <p:set>
+                                      <p:cBhvr>
+                                        <p:cTn id="21" dur="1" fill="hold">
+                                          <p:stCondLst>
+                                            <p:cond delay="0"/>
+                                          </p:stCondLst>
+                                        </p:cTn>
+                                        <p:tgtEl>
+                                          <p:spTgt spid="2">
+                                            <p:txEl>
+                                              <p:pRg st="4" end="4"/>
+                                            </p:txEl>
+                                          </p:spTgt>
+                                        </p:tgtEl>
+                                        <p:attrNameLst>
+                                          <p:attrName>style.visibility</p:attrName>
+                                        </p:attrNameLst>
+                                      </p:cBhvr>
+                                      <p:to>
+                                        <p:strVal val="visible"/>
+                                      </p:to>
+                                    </p:set>
+                                    <p:animEffect transition="in" filter="fade">
+                                      <p:cBhvr>
+                                        <p:cTn id="22" dur="500"/>
+                                        <p:tgtEl>
+                                          <p:spTgt spid="2">
+                                            <p:txEl>
+                                              <p:pRg st="4" end="4"/>
+                                            </p:txEl>
+                                          </p:spTgt>
+                                        </p:tgtEl>
+                                      </p:cBhvr>
+                                    </p:animEffect>
+                                  </p:childTnLst>
+                                </p:cTn>
+                              </p:par>
+                            </p:childTnLst>
+                          </p:cTn>
+                        </p:par>
+                      </p:childTnLst>
+                    </p:cTn>
+                  </p:par>
+                  <p:par>
+                    <p:cTn id="23" fill="hold">
+                      <p:stCondLst>
+                        <p:cond delay="indefinite"/>
+                      </p:stCondLst>
+                      <p:childTnLst>
+                        <p:par>
+                          <p:cTn id="24" fill="hold">
+                            <p:stCondLst>
+                              <p:cond delay="0"/>
+                            </p:stCondLst>
+                            <p:childTnLst>
+                              <p:par>
+                                <p:cTn id="25" presetID="10" presetClass="entr" presetSubtype="0" fill="hold" nodeType="clickEffect">
+                                  <p:stCondLst>
+                                    <p:cond delay="0"/>
+                                  </p:stCondLst>
+                                  <p:childTnLst>
+                                    <p:set>
+                                      <p:cBhvr>
+                                        <p:cTn id="26" dur="1" fill="hold">
+                                          <p:stCondLst>
+                                            <p:cond delay="0"/>
+                                          </p:stCondLst>
+                                        </p:cTn>
+                                        <p:tgtEl>
+                                          <p:spTgt spid="2">
+                                            <p:txEl>
+                                              <p:pRg st="5" end="5"/>
+                                            </p:txEl>
+                                          </p:spTgt>
+                                        </p:tgtEl>
+                                        <p:attrNameLst>
+                                          <p:attrName>style.visibility</p:attrName>
+                                        </p:attrNameLst>
+                                      </p:cBhvr>
+                                      <p:to>
+                                        <p:strVal val="visible"/>
+                                      </p:to>
+                                    </p:set>
+                                    <p:animEffect transition="in" filter="fade">
+                                      <p:cBhvr>
+                                        <p:cTn id="27" dur="500"/>
+                                        <p:tgtEl>
+                                          <p:spTgt spid="2">
+                                            <p:txEl>
+                                              <p:pRg st="5" end="5"/>
+                                            </p:txEl>
+                                          </p:spTgt>
+                                        </p:tgtEl>
+                                      </p:cBhvr>
+                                    </p:animEffect>
+                                  </p:childTnLst>
+                                </p:cTn>
+                              </p:par>
+                            </p:childTnLst>
+                          </p:cTn>
+                        </p:par>
+                      </p:childTnLst>
+                    </p:cTn>
+                  </p:par>
+                  <p:par>
+                    <p:cTn id="28" fill="hold">
+                      <p:stCondLst>
+                        <p:cond delay="indefinite"/>
+                      </p:stCondLst>
+                      <p:childTnLst>
+                        <p:par>
+                          <p:cTn id="29" fill="hold">
+                            <p:stCondLst>
+                              <p:cond delay="0"/>
+                            </p:stCondLst>
+                            <p:childTnLst>
+                              <p:par>
+                                <p:cTn id="30" presetID="10" presetClass="entr" presetSubtype="0" fill="hold" nodeType="clickEffect">
+                                  <p:stCondLst>
+                                    <p:cond delay="0"/>
+                                  </p:stCondLst>
+                                  <p:childTnLst>
+                                    <p:set>
+                                      <p:cBhvr>
+                                        <p:cTn id="31" dur="1" fill="hold">
+                                          <p:stCondLst>
+                                            <p:cond delay="0"/>
+                                          </p:stCondLst>
+                                        </p:cTn>
+                                        <p:tgtEl>
+                                          <p:spTgt spid="2">
+                                            <p:txEl>
+                                              <p:pRg st="6" end="6"/>
+                                            </p:txEl>
+                                          </p:spTgt>
+                                        </p:tgtEl>
+                                        <p:attrNameLst>
+                                          <p:attrName>style.visibility</p:attrName>
+                                        </p:attrNameLst>
+                                      </p:cBhvr>
+                                      <p:to>
+                                        <p:strVal val="visible"/>
+                                      </p:to>
+                                    </p:set>
+                                    <p:animEffect transition="in" filter="fade">
+                                      <p:cBhvr>
+                                        <p:cTn id="32" dur="500"/>
+                                        <p:tgtEl>
+                                          <p:spTgt spid="2">
+                                            <p:txEl>
+                                              <p:pRg st="6" end="6"/>
+                                            </p:txEl>
+                                          </p:spTgt>
+                                        </p:tgtEl>
+                                      </p:cBhvr>
+                                    </p:animEffect>
+                                  </p:childTnLst>
+                                </p:cTn>
+                              </p:par>
+                            </p:childTnLst>
+                          </p:cTn>
+                        </p:par>
+                      </p:childTnLst>
+                    </p:cTn>
+                  </p:par>
+                  <p:par>
+                    <p:cTn id="33" fill="hold">
+                      <p:stCondLst>
+                        <p:cond delay="indefinite"/>
+                      </p:stCondLst>
+                      <p:childTnLst>
+                        <p:par>
+                          <p:cTn id="34" fill="hold">
+                            <p:stCondLst>
+                              <p:cond delay="0"/>
+                            </p:stCondLst>
+                            <p:childTnLst>
+                              <p:par>
+                                <p:cTn id="35" presetID="10" presetClass="entr" presetSubtype="0" fill="hold" nodeType="clickEffect">
+                                  <p:stCondLst>
+                                    <p:cond delay="0"/>
+                                  </p:stCondLst>
+                                  <p:childTnLst>
+                                    <p:set>
+                                      <p:cBhvr>
+                                        <p:cTn id="36" dur="1" fill="hold">
+                                          <p:stCondLst>
+                                            <p:cond delay="0"/>
+                                          </p:stCondLst>
+                                        </p:cTn>
+                                        <p:tgtEl>
+                                          <p:spTgt spid="2">
+                                            <p:txEl>
+                                              <p:pRg st="7" end="7"/>
+                                            </p:txEl>
+                                          </p:spTgt>
+                                        </p:tgtEl>
+                                        <p:attrNameLst>
+                                          <p:attrName>style.visibility</p:attrName>
+                                        </p:attrNameLst>
+                                      </p:cBhvr>
+                                      <p:to>
+                                        <p:strVal val="visible"/>
+                                      </p:to>
+                                    </p:set>
+                                    <p:animEffect transition="in" filter="fade">
+                                      <p:cBhvr>
+                                        <p:cTn id="37" dur="500"/>
+                                        <p:tgtEl>
+                                          <p:spTgt spid="2">
+                                            <p:txEl>
+                                              <p:pRg st="7" end="7"/>
+                                            </p:txEl>
+                                          </p:spTgt>
+                                        </p:tgtEl>
+                                      </p:cBhvr>
+                                    </p:animEffect>
+                                  </p:childTnLst>
+                                </p:cTn>
+                              </p:par>
+                            </p:childTnLst>
+                          </p:cTn>
+                        </p:par>
+                      </p:childTnLst>
+                    </p:cTn>
+                  </p:par>
+                  <p:par>
+                    <p:cTn id="38" fill="hold">
+                      <p:stCondLst>
+                        <p:cond delay="indefinite"/>
+                      </p:stCondLst>
+                      <p:childTnLst>
+                        <p:par>
+                          <p:cTn id="39" fill="hold">
+                            <p:stCondLst>
+                              <p:cond delay="0"/>
+                            </p:stCondLst>
+                            <p:childTnLst>
+                              <p:par>
+                                <p:cTn id="40" presetID="10" presetClass="entr" presetSubtype="0" fill="hold" nodeType="clickEffect">
+                                  <p:stCondLst>
+                                    <p:cond delay="0"/>
+                                  </p:stCondLst>
+                                  <p:childTnLst>
+                                    <p:set>
+                                      <p:cBhvr>
+                                        <p:cTn id="41" dur="1" fill="hold">
+                                          <p:stCondLst>
+                                            <p:cond delay="0"/>
+                                          </p:stCondLst>
+                                        </p:cTn>
+                                        <p:tgtEl>
+                                          <p:spTgt spid="2">
+                                            <p:txEl>
+                                              <p:pRg st="8" end="8"/>
+                                            </p:txEl>
+                                          </p:spTgt>
+                                        </p:tgtEl>
+                                        <p:attrNameLst>
+                                          <p:attrName>style.visibility</p:attrName>
+                                        </p:attrNameLst>
+                                      </p:cBhvr>
+                                      <p:to>
+                                        <p:strVal val="visible"/>
+                                      </p:to>
+                                    </p:set>
+                                    <p:animEffect transition="in" filter="fade">
+                                      <p:cBhvr>
+                                        <p:cTn id="42" dur="500"/>
+                                        <p:tgtEl>
+                                          <p:spTgt spid="2">
+                                            <p:txEl>
+                                              <p:pRg st="8" end="8"/>
+                                            </p:txEl>
+                                          </p:spTgt>
+                                        </p:tgtEl>
+                                      </p:cBhvr>
+                                    </p:animEffect>
+                                  </p:childTnLst>
+                                </p:cTn>
+                              </p:par>
+                            </p:childTnLst>
+                          </p:cTn>
+                        </p:par>
+                      </p:childTnLst>
+                    </p:cTn>
+                  </p:par>
+                </p:childTnLst>
+              </p:cTn>
+              <p:prevCondLst>
+                <p:cond evt="onPrev" delay="0">
+                  <p:tgtEl>
+                    <p:sldTgt/>
+                  </p:tgtEl>
+                </p:cond>
+              </p:prevCondLst>
+              <p:nextCondLst>
+                <p:cond evt="onNext" delay="0">
+                  <p:tgtEl>
+                    <p:sldTgt/>
+                  </p:tgtEl>
+                </p:cond>
+              </p:nextCondLst>
+            </p:seq>
+          </p:childTnLst>
+        </p:cTn>
       </p:par>
     </p:tnLst>
   </p:timing>
@@ -11194,13 +12815,61 @@
           <a:bodyPr/>
           <a:lstStyle/>
           <a:p>
+            <a:pPr marL="109728" indent="0">
+              <a:buNone/>
+            </a:pPr>
+            <a:r>
+              <a:rPr lang="es-ES" dirty="0" smtClean="0"/>
+              <a:t>Roles que participarán en el sistema:</a:t>
+            </a:r>
+          </a:p>
+          <a:p>
+            <a:r>
+              <a:rPr lang="es-ES" dirty="0" smtClean="0"/>
+              <a:t>Administrador.</a:t>
+            </a:r>
+          </a:p>
+          <a:p>
+            <a:r>
+              <a:rPr lang="es-ES" dirty="0" smtClean="0"/>
+              <a:t>Jefe de Proyecto.</a:t>
+            </a:r>
+          </a:p>
+          <a:p>
+            <a:r>
+              <a:rPr lang="es-ES" dirty="0" smtClean="0"/>
+              <a:t>Usuario estándar.</a:t>
+            </a:r>
+            <a:endParaRPr lang="es-ES" dirty="0"/>
+          </a:p>
+        </p:txBody>
+      </p:sp>
+      <p:sp>
+        <p:nvSpPr>
+          <p:cNvPr id="3" name="2 Marcador de número de diapositiva"/>
+          <p:cNvSpPr>
+            <a:spLocks noGrp="1"/>
+          </p:cNvSpPr>
+          <p:nvPr>
+            <p:ph type="sldNum" sz="quarter" idx="12"/>
+          </p:nvPr>
+        </p:nvSpPr>
+        <p:spPr/>
+        <p:txBody>
+          <a:bodyPr/>
+          <a:lstStyle/>
+          <a:p>
+            <a:fld id="{B48C6472-4FB6-4C69-A920-C8307D2FB374}" type="slidenum">
+              <a:rPr lang="es-ES" smtClean="0"/>
+              <a:t>30</a:t>
+            </a:fld>
             <a:endParaRPr lang="es-ES"/>
           </a:p>
         </p:txBody>
       </p:sp>
       <p:sp>
         <p:nvSpPr>
-          <p:cNvPr id="3" name="2 Título"/>
+          <p:cNvPr id="5" name="3 Título"/>
           <p:cNvSpPr>
             <a:spLocks noGrp="1"/>
           </p:cNvSpPr>
@@ -11216,55 +12885,28 @@
           <a:lstStyle/>
           <a:p>
             <a:r>
-              <a:rPr lang="es-ES" sz="2200" dirty="0"/>
-              <a:t>Conclusiones</a:t>
-            </a:r>
-            <a:r>
-              <a:rPr lang="es-ES" dirty="0"/>
+              <a:rPr lang="es-ES" sz="2400" dirty="0" smtClean="0"/>
+              <a:t>Resultados: Trabajo inicial</a:t>
+            </a:r>
+            <a:r>
+              <a:rPr lang="es-ES" dirty="0" smtClean="0"/>
               <a:t/>
             </a:r>
             <a:br>
-              <a:rPr lang="es-ES" dirty="0"/>
+              <a:rPr lang="es-ES" dirty="0" smtClean="0"/>
             </a:br>
             <a:r>
-              <a:rPr lang="es-ES" dirty="0"/>
-              <a:t>Trabajo </a:t>
-            </a:r>
-            <a:r>
               <a:rPr lang="es-ES" dirty="0" smtClean="0"/>
-              <a:t>actual y futuro</a:t>
+              <a:t>Identificación de requisitos</a:t>
             </a:r>
             <a:endParaRPr lang="es-ES" dirty="0"/>
-          </a:p>
-        </p:txBody>
-      </p:sp>
-      <p:sp>
-        <p:nvSpPr>
-          <p:cNvPr id="4" name="3 Marcador de número de diapositiva"/>
-          <p:cNvSpPr>
-            <a:spLocks noGrp="1"/>
-          </p:cNvSpPr>
-          <p:nvPr>
-            <p:ph type="sldNum" sz="quarter" idx="12"/>
-          </p:nvPr>
-        </p:nvSpPr>
-        <p:spPr/>
-        <p:txBody>
-          <a:bodyPr/>
-          <a:lstStyle/>
-          <a:p>
-            <a:fld id="{B48C6472-4FB6-4C69-A920-C8307D2FB374}" type="slidenum">
-              <a:rPr lang="es-ES" smtClean="0"/>
-              <a:t>30</a:t>
-            </a:fld>
-            <a:endParaRPr lang="es-ES"/>
           </a:p>
         </p:txBody>
       </p:sp>
     </p:spTree>
     <p:extLst>
       <p:ext uri="{BB962C8B-B14F-4D97-AF65-F5344CB8AC3E}">
-        <p14:creationId xmlns:p14="http://schemas.microsoft.com/office/powerpoint/2010/main" val="3460846308"/>
+        <p14:creationId xmlns:p14="http://schemas.microsoft.com/office/powerpoint/2010/main" val="3776120286"/>
       </p:ext>
     </p:extLst>
   </p:cSld>
@@ -11313,13 +12955,84 @@
           <a:bodyPr/>
           <a:lstStyle/>
           <a:p>
+            <a:pPr marL="109728" indent="0">
+              <a:buNone/>
+            </a:pPr>
+            <a:r>
+              <a:rPr lang="es-ES" dirty="0" smtClean="0"/>
+              <a:t>Características del sistema:</a:t>
+            </a:r>
+          </a:p>
+          <a:p>
+            <a:r>
+              <a:rPr lang="es-ES" dirty="0" smtClean="0"/>
+              <a:t>Tecnología Java.</a:t>
+            </a:r>
+          </a:p>
+          <a:p>
+            <a:r>
+              <a:rPr lang="es-ES" dirty="0" smtClean="0"/>
+              <a:t>Potencialmente accesible.</a:t>
+            </a:r>
+          </a:p>
+          <a:p>
+            <a:r>
+              <a:rPr lang="es-ES" dirty="0" smtClean="0"/>
+              <a:t>Disponible en varios idiomas.</a:t>
+            </a:r>
+          </a:p>
+          <a:p>
+            <a:r>
+              <a:rPr lang="es-ES" dirty="0" smtClean="0"/>
+              <a:t>Intuitivo.</a:t>
+            </a:r>
+          </a:p>
+          <a:p>
+            <a:r>
+              <a:rPr lang="es-ES" dirty="0" smtClean="0"/>
+              <a:t>Flexible.</a:t>
+            </a:r>
+          </a:p>
+          <a:p>
+            <a:r>
+              <a:rPr lang="es-ES" dirty="0" smtClean="0"/>
+              <a:t>Personalizable.</a:t>
+            </a:r>
+          </a:p>
+          <a:p>
+            <a:r>
+              <a:rPr lang="es-ES" dirty="0" smtClean="0"/>
+              <a:t>Extensible.</a:t>
+            </a:r>
+          </a:p>
+        </p:txBody>
+      </p:sp>
+      <p:sp>
+        <p:nvSpPr>
+          <p:cNvPr id="3" name="2 Marcador de número de diapositiva"/>
+          <p:cNvSpPr>
+            <a:spLocks noGrp="1"/>
+          </p:cNvSpPr>
+          <p:nvPr>
+            <p:ph type="sldNum" sz="quarter" idx="12"/>
+          </p:nvPr>
+        </p:nvSpPr>
+        <p:spPr/>
+        <p:txBody>
+          <a:bodyPr/>
+          <a:lstStyle/>
+          <a:p>
+            <a:fld id="{B48C6472-4FB6-4C69-A920-C8307D2FB374}" type="slidenum">
+              <a:rPr lang="es-ES" smtClean="0"/>
+              <a:t>31</a:t>
+            </a:fld>
             <a:endParaRPr lang="es-ES"/>
           </a:p>
         </p:txBody>
       </p:sp>
       <p:sp>
         <p:nvSpPr>
-          <p:cNvPr id="3" name="2 Título"/>
+          <p:cNvPr id="5" name="3 Título"/>
           <p:cNvSpPr>
             <a:spLocks noGrp="1"/>
           </p:cNvSpPr>
@@ -11335,55 +13048,28 @@
           <a:lstStyle/>
           <a:p>
             <a:r>
-              <a:rPr lang="es-ES" sz="2200" dirty="0"/>
-              <a:t>Conclusiones</a:t>
-            </a:r>
-            <a:r>
-              <a:rPr lang="es-ES" dirty="0"/>
+              <a:rPr lang="es-ES" sz="2400" dirty="0" smtClean="0"/>
+              <a:t>Resultados: Trabajo inicial</a:t>
+            </a:r>
+            <a:r>
+              <a:rPr lang="es-ES" dirty="0" smtClean="0"/>
               <a:t/>
             </a:r>
             <a:br>
-              <a:rPr lang="es-ES" dirty="0"/>
+              <a:rPr lang="es-ES" dirty="0" smtClean="0"/>
             </a:br>
             <a:r>
-              <a:rPr lang="es-ES" dirty="0"/>
-              <a:t>Conocimientos </a:t>
-            </a:r>
-            <a:r>
               <a:rPr lang="es-ES" dirty="0" smtClean="0"/>
-              <a:t>adquiridos</a:t>
+              <a:t>Identificación de requisitos</a:t>
             </a:r>
             <a:endParaRPr lang="es-ES" dirty="0"/>
-          </a:p>
-        </p:txBody>
-      </p:sp>
-      <p:sp>
-        <p:nvSpPr>
-          <p:cNvPr id="4" name="3 Marcador de número de diapositiva"/>
-          <p:cNvSpPr>
-            <a:spLocks noGrp="1"/>
-          </p:cNvSpPr>
-          <p:nvPr>
-            <p:ph type="sldNum" sz="quarter" idx="12"/>
-          </p:nvPr>
-        </p:nvSpPr>
-        <p:spPr/>
-        <p:txBody>
-          <a:bodyPr/>
-          <a:lstStyle/>
-          <a:p>
-            <a:fld id="{B48C6472-4FB6-4C69-A920-C8307D2FB374}" type="slidenum">
-              <a:rPr lang="es-ES" smtClean="0"/>
-              <a:t>31</a:t>
-            </a:fld>
-            <a:endParaRPr lang="es-ES"/>
           </a:p>
         </p:txBody>
       </p:sp>
     </p:spTree>
     <p:extLst>
       <p:ext uri="{BB962C8B-B14F-4D97-AF65-F5344CB8AC3E}">
-        <p14:creationId xmlns:p14="http://schemas.microsoft.com/office/powerpoint/2010/main" val="2351709267"/>
+        <p14:creationId xmlns:p14="http://schemas.microsoft.com/office/powerpoint/2010/main" val="412405168"/>
       </p:ext>
     </p:extLst>
   </p:cSld>
@@ -11393,7 +13079,457 @@
   <p:timing>
     <p:tnLst>
       <p:par>
-        <p:cTn id="1" dur="indefinite" restart="never" nodeType="tmRoot"/>
+        <p:cTn id="1" dur="indefinite" restart="never" nodeType="tmRoot">
+          <p:childTnLst>
+            <p:seq concurrent="1" nextAc="seek">
+              <p:cTn id="2" dur="indefinite" nodeType="mainSeq">
+                <p:childTnLst>
+                  <p:par>
+                    <p:cTn id="3" fill="hold">
+                      <p:stCondLst>
+                        <p:cond delay="indefinite"/>
+                      </p:stCondLst>
+                      <p:childTnLst>
+                        <p:par>
+                          <p:cTn id="4" fill="hold">
+                            <p:stCondLst>
+                              <p:cond delay="0"/>
+                            </p:stCondLst>
+                            <p:childTnLst>
+                              <p:par>
+                                <p:cTn id="5" presetID="10" presetClass="entr" presetSubtype="0" fill="hold" nodeType="clickEffect">
+                                  <p:stCondLst>
+                                    <p:cond delay="0"/>
+                                  </p:stCondLst>
+                                  <p:childTnLst>
+                                    <p:set>
+                                      <p:cBhvr>
+                                        <p:cTn id="6" dur="1" fill="hold">
+                                          <p:stCondLst>
+                                            <p:cond delay="0"/>
+                                          </p:stCondLst>
+                                        </p:cTn>
+                                        <p:tgtEl>
+                                          <p:spTgt spid="2">
+                                            <p:txEl>
+                                              <p:pRg st="1" end="1"/>
+                                            </p:txEl>
+                                          </p:spTgt>
+                                        </p:tgtEl>
+                                        <p:attrNameLst>
+                                          <p:attrName>style.visibility</p:attrName>
+                                        </p:attrNameLst>
+                                      </p:cBhvr>
+                                      <p:to>
+                                        <p:strVal val="visible"/>
+                                      </p:to>
+                                    </p:set>
+                                    <p:animEffect transition="in" filter="fade">
+                                      <p:cBhvr>
+                                        <p:cTn id="7" dur="500"/>
+                                        <p:tgtEl>
+                                          <p:spTgt spid="2">
+                                            <p:txEl>
+                                              <p:pRg st="1" end="1"/>
+                                            </p:txEl>
+                                          </p:spTgt>
+                                        </p:tgtEl>
+                                      </p:cBhvr>
+                                    </p:animEffect>
+                                  </p:childTnLst>
+                                </p:cTn>
+                              </p:par>
+                            </p:childTnLst>
+                          </p:cTn>
+                        </p:par>
+                      </p:childTnLst>
+                    </p:cTn>
+                  </p:par>
+                  <p:par>
+                    <p:cTn id="8" fill="hold">
+                      <p:stCondLst>
+                        <p:cond delay="indefinite"/>
+                      </p:stCondLst>
+                      <p:childTnLst>
+                        <p:par>
+                          <p:cTn id="9" fill="hold">
+                            <p:stCondLst>
+                              <p:cond delay="0"/>
+                            </p:stCondLst>
+                            <p:childTnLst>
+                              <p:par>
+                                <p:cTn id="10" presetID="10" presetClass="entr" presetSubtype="0" fill="hold" nodeType="clickEffect">
+                                  <p:stCondLst>
+                                    <p:cond delay="0"/>
+                                  </p:stCondLst>
+                                  <p:childTnLst>
+                                    <p:set>
+                                      <p:cBhvr>
+                                        <p:cTn id="11" dur="1" fill="hold">
+                                          <p:stCondLst>
+                                            <p:cond delay="0"/>
+                                          </p:stCondLst>
+                                        </p:cTn>
+                                        <p:tgtEl>
+                                          <p:spTgt spid="2">
+                                            <p:txEl>
+                                              <p:pRg st="2" end="2"/>
+                                            </p:txEl>
+                                          </p:spTgt>
+                                        </p:tgtEl>
+                                        <p:attrNameLst>
+                                          <p:attrName>style.visibility</p:attrName>
+                                        </p:attrNameLst>
+                                      </p:cBhvr>
+                                      <p:to>
+                                        <p:strVal val="visible"/>
+                                      </p:to>
+                                    </p:set>
+                                    <p:animEffect transition="in" filter="fade">
+                                      <p:cBhvr>
+                                        <p:cTn id="12" dur="500"/>
+                                        <p:tgtEl>
+                                          <p:spTgt spid="2">
+                                            <p:txEl>
+                                              <p:pRg st="2" end="2"/>
+                                            </p:txEl>
+                                          </p:spTgt>
+                                        </p:tgtEl>
+                                      </p:cBhvr>
+                                    </p:animEffect>
+                                  </p:childTnLst>
+                                </p:cTn>
+                              </p:par>
+                            </p:childTnLst>
+                          </p:cTn>
+                        </p:par>
+                      </p:childTnLst>
+                    </p:cTn>
+                  </p:par>
+                  <p:par>
+                    <p:cTn id="13" fill="hold">
+                      <p:stCondLst>
+                        <p:cond delay="indefinite"/>
+                      </p:stCondLst>
+                      <p:childTnLst>
+                        <p:par>
+                          <p:cTn id="14" fill="hold">
+                            <p:stCondLst>
+                              <p:cond delay="0"/>
+                            </p:stCondLst>
+                            <p:childTnLst>
+                              <p:par>
+                                <p:cTn id="15" presetID="10" presetClass="entr" presetSubtype="0" fill="hold" nodeType="clickEffect">
+                                  <p:stCondLst>
+                                    <p:cond delay="0"/>
+                                  </p:stCondLst>
+                                  <p:childTnLst>
+                                    <p:set>
+                                      <p:cBhvr>
+                                        <p:cTn id="16" dur="1" fill="hold">
+                                          <p:stCondLst>
+                                            <p:cond delay="0"/>
+                                          </p:stCondLst>
+                                        </p:cTn>
+                                        <p:tgtEl>
+                                          <p:spTgt spid="2">
+                                            <p:txEl>
+                                              <p:pRg st="3" end="3"/>
+                                            </p:txEl>
+                                          </p:spTgt>
+                                        </p:tgtEl>
+                                        <p:attrNameLst>
+                                          <p:attrName>style.visibility</p:attrName>
+                                        </p:attrNameLst>
+                                      </p:cBhvr>
+                                      <p:to>
+                                        <p:strVal val="visible"/>
+                                      </p:to>
+                                    </p:set>
+                                    <p:animEffect transition="in" filter="fade">
+                                      <p:cBhvr>
+                                        <p:cTn id="17" dur="500"/>
+                                        <p:tgtEl>
+                                          <p:spTgt spid="2">
+                                            <p:txEl>
+                                              <p:pRg st="3" end="3"/>
+                                            </p:txEl>
+                                          </p:spTgt>
+                                        </p:tgtEl>
+                                      </p:cBhvr>
+                                    </p:animEffect>
+                                  </p:childTnLst>
+                                </p:cTn>
+                              </p:par>
+                            </p:childTnLst>
+                          </p:cTn>
+                        </p:par>
+                      </p:childTnLst>
+                    </p:cTn>
+                  </p:par>
+                  <p:par>
+                    <p:cTn id="18" fill="hold">
+                      <p:stCondLst>
+                        <p:cond delay="indefinite"/>
+                      </p:stCondLst>
+                      <p:childTnLst>
+                        <p:par>
+                          <p:cTn id="19" fill="hold">
+                            <p:stCondLst>
+                              <p:cond delay="0"/>
+                            </p:stCondLst>
+                            <p:childTnLst>
+                              <p:par>
+                                <p:cTn id="20" presetID="10" presetClass="entr" presetSubtype="0" fill="hold" nodeType="clickEffect">
+                                  <p:stCondLst>
+                                    <p:cond delay="0"/>
+                                  </p:stCondLst>
+                                  <p:childTnLst>
+                                    <p:set>
+                                      <p:cBhvr>
+                                        <p:cTn id="21" dur="1" fill="hold">
+                                          <p:stCondLst>
+                                            <p:cond delay="0"/>
+                                          </p:stCondLst>
+                                        </p:cTn>
+                                        <p:tgtEl>
+                                          <p:spTgt spid="2">
+                                            <p:txEl>
+                                              <p:pRg st="4" end="4"/>
+                                            </p:txEl>
+                                          </p:spTgt>
+                                        </p:tgtEl>
+                                        <p:attrNameLst>
+                                          <p:attrName>style.visibility</p:attrName>
+                                        </p:attrNameLst>
+                                      </p:cBhvr>
+                                      <p:to>
+                                        <p:strVal val="visible"/>
+                                      </p:to>
+                                    </p:set>
+                                    <p:animEffect transition="in" filter="fade">
+                                      <p:cBhvr>
+                                        <p:cTn id="22" dur="500"/>
+                                        <p:tgtEl>
+                                          <p:spTgt spid="2">
+                                            <p:txEl>
+                                              <p:pRg st="4" end="4"/>
+                                            </p:txEl>
+                                          </p:spTgt>
+                                        </p:tgtEl>
+                                      </p:cBhvr>
+                                    </p:animEffect>
+                                  </p:childTnLst>
+                                </p:cTn>
+                              </p:par>
+                            </p:childTnLst>
+                          </p:cTn>
+                        </p:par>
+                      </p:childTnLst>
+                    </p:cTn>
+                  </p:par>
+                  <p:par>
+                    <p:cTn id="23" fill="hold">
+                      <p:stCondLst>
+                        <p:cond delay="indefinite"/>
+                      </p:stCondLst>
+                      <p:childTnLst>
+                        <p:par>
+                          <p:cTn id="24" fill="hold">
+                            <p:stCondLst>
+                              <p:cond delay="0"/>
+                            </p:stCondLst>
+                            <p:childTnLst>
+                              <p:par>
+                                <p:cTn id="25" presetID="10" presetClass="entr" presetSubtype="0" fill="hold" nodeType="clickEffect">
+                                  <p:stCondLst>
+                                    <p:cond delay="0"/>
+                                  </p:stCondLst>
+                                  <p:childTnLst>
+                                    <p:set>
+                                      <p:cBhvr>
+                                        <p:cTn id="26" dur="1" fill="hold">
+                                          <p:stCondLst>
+                                            <p:cond delay="0"/>
+                                          </p:stCondLst>
+                                        </p:cTn>
+                                        <p:tgtEl>
+                                          <p:spTgt spid="2">
+                                            <p:txEl>
+                                              <p:pRg st="5" end="5"/>
+                                            </p:txEl>
+                                          </p:spTgt>
+                                        </p:tgtEl>
+                                        <p:attrNameLst>
+                                          <p:attrName>style.visibility</p:attrName>
+                                        </p:attrNameLst>
+                                      </p:cBhvr>
+                                      <p:to>
+                                        <p:strVal val="visible"/>
+                                      </p:to>
+                                    </p:set>
+                                    <p:animEffect transition="in" filter="fade">
+                                      <p:cBhvr>
+                                        <p:cTn id="27" dur="500"/>
+                                        <p:tgtEl>
+                                          <p:spTgt spid="2">
+                                            <p:txEl>
+                                              <p:pRg st="5" end="5"/>
+                                            </p:txEl>
+                                          </p:spTgt>
+                                        </p:tgtEl>
+                                      </p:cBhvr>
+                                    </p:animEffect>
+                                  </p:childTnLst>
+                                </p:cTn>
+                              </p:par>
+                            </p:childTnLst>
+                          </p:cTn>
+                        </p:par>
+                      </p:childTnLst>
+                    </p:cTn>
+                  </p:par>
+                  <p:par>
+                    <p:cTn id="28" fill="hold">
+                      <p:stCondLst>
+                        <p:cond delay="indefinite"/>
+                      </p:stCondLst>
+                      <p:childTnLst>
+                        <p:par>
+                          <p:cTn id="29" fill="hold">
+                            <p:stCondLst>
+                              <p:cond delay="0"/>
+                            </p:stCondLst>
+                            <p:childTnLst>
+                              <p:par>
+                                <p:cTn id="30" presetID="10" presetClass="entr" presetSubtype="0" fill="hold" nodeType="clickEffect">
+                                  <p:stCondLst>
+                                    <p:cond delay="0"/>
+                                  </p:stCondLst>
+                                  <p:childTnLst>
+                                    <p:set>
+                                      <p:cBhvr>
+                                        <p:cTn id="31" dur="1" fill="hold">
+                                          <p:stCondLst>
+                                            <p:cond delay="0"/>
+                                          </p:stCondLst>
+                                        </p:cTn>
+                                        <p:tgtEl>
+                                          <p:spTgt spid="2">
+                                            <p:txEl>
+                                              <p:pRg st="6" end="6"/>
+                                            </p:txEl>
+                                          </p:spTgt>
+                                        </p:tgtEl>
+                                        <p:attrNameLst>
+                                          <p:attrName>style.visibility</p:attrName>
+                                        </p:attrNameLst>
+                                      </p:cBhvr>
+                                      <p:to>
+                                        <p:strVal val="visible"/>
+                                      </p:to>
+                                    </p:set>
+                                    <p:animEffect transition="in" filter="fade">
+                                      <p:cBhvr>
+                                        <p:cTn id="32" dur="500"/>
+                                        <p:tgtEl>
+                                          <p:spTgt spid="2">
+                                            <p:txEl>
+                                              <p:pRg st="6" end="6"/>
+                                            </p:txEl>
+                                          </p:spTgt>
+                                        </p:tgtEl>
+                                      </p:cBhvr>
+                                    </p:animEffect>
+                                  </p:childTnLst>
+                                </p:cTn>
+                              </p:par>
+                            </p:childTnLst>
+                          </p:cTn>
+                        </p:par>
+                      </p:childTnLst>
+                    </p:cTn>
+                  </p:par>
+                  <p:par>
+                    <p:cTn id="33" fill="hold">
+                      <p:stCondLst>
+                        <p:cond delay="indefinite"/>
+                      </p:stCondLst>
+                      <p:childTnLst>
+                        <p:par>
+                          <p:cTn id="34" fill="hold">
+                            <p:stCondLst>
+                              <p:cond delay="0"/>
+                            </p:stCondLst>
+                            <p:childTnLst>
+                              <p:par>
+                                <p:cTn id="35" presetID="10" presetClass="entr" presetSubtype="0" fill="hold" nodeType="clickEffect">
+                                  <p:stCondLst>
+                                    <p:cond delay="0"/>
+                                  </p:stCondLst>
+                                  <p:childTnLst>
+                                    <p:set>
+                                      <p:cBhvr>
+                                        <p:cTn id="36" dur="1" fill="hold">
+                                          <p:stCondLst>
+                                            <p:cond delay="0"/>
+                                          </p:stCondLst>
+                                        </p:cTn>
+                                        <p:tgtEl>
+                                          <p:spTgt spid="2">
+                                            <p:txEl>
+                                              <p:pRg st="7" end="7"/>
+                                            </p:txEl>
+                                          </p:spTgt>
+                                        </p:tgtEl>
+                                        <p:attrNameLst>
+                                          <p:attrName>style.visibility</p:attrName>
+                                        </p:attrNameLst>
+                                      </p:cBhvr>
+                                      <p:to>
+                                        <p:strVal val="visible"/>
+                                      </p:to>
+                                    </p:set>
+                                    <p:animEffect transition="in" filter="fade">
+                                      <p:cBhvr>
+                                        <p:cTn id="37" dur="500"/>
+                                        <p:tgtEl>
+                                          <p:spTgt spid="2">
+                                            <p:txEl>
+                                              <p:pRg st="7" end="7"/>
+                                            </p:txEl>
+                                          </p:spTgt>
+                                        </p:tgtEl>
+                                      </p:cBhvr>
+                                    </p:animEffect>
+                                  </p:childTnLst>
+                                </p:cTn>
+                              </p:par>
+                            </p:childTnLst>
+                          </p:cTn>
+                        </p:par>
+                      </p:childTnLst>
+                    </p:cTn>
+                  </p:par>
+                </p:childTnLst>
+              </p:cTn>
+              <p:prevCondLst>
+                <p:cond evt="onPrev" delay="0">
+                  <p:tgtEl>
+                    <p:sldTgt/>
+                  </p:tgtEl>
+                </p:cond>
+              </p:prevCondLst>
+              <p:nextCondLst>
+                <p:cond evt="onNext" delay="0">
+                  <p:tgtEl>
+                    <p:sldTgt/>
+                  </p:tgtEl>
+                </p:cond>
+              </p:nextCondLst>
+            </p:seq>
+          </p:childTnLst>
+        </p:cTn>
       </p:par>
     </p:tnLst>
   </p:timing>
@@ -11417,34 +13553,35 @@
           <a:chExt cx="0" cy="0"/>
         </a:xfrm>
       </p:grpSpPr>
-      <p:sp>
-        <p:nvSpPr>
-          <p:cNvPr id="2" name="1 Título"/>
-          <p:cNvSpPr>
-            <a:spLocks noGrp="1"/>
-          </p:cNvSpPr>
+      <p:pic>
+        <p:nvPicPr>
+          <p:cNvPr id="6" name="5 Marcador de contenido"/>
+          <p:cNvPicPr>
+            <a:picLocks noGrp="1" noChangeAspect="1"/>
+          </p:cNvPicPr>
           <p:nvPr>
-            <p:ph type="title"/>
+            <p:ph idx="1"/>
           </p:nvPr>
-        </p:nvSpPr>
+        </p:nvPicPr>
+        <p:blipFill>
+          <a:blip r:embed="rId2" cstate="print">
+            <a:extLst>
+              <a:ext uri="{28A0092B-C50C-407E-A947-70E740481C1C}">
+                <a14:useLocalDpi xmlns:a14="http://schemas.microsoft.com/office/drawing/2010/main" val="0"/>
+              </a:ext>
+            </a:extLst>
+          </a:blip>
+          <a:stretch>
+            <a:fillRect/>
+          </a:stretch>
+        </p:blipFill>
         <p:spPr>
           <a:xfrm>
-            <a:off x="1763688" y="2276872"/>
-            <a:ext cx="8229600" cy="1143000"/>
+            <a:off x="473883" y="1481138"/>
+            <a:ext cx="8196234" cy="4525962"/>
           </a:xfrm>
         </p:spPr>
-        <p:txBody>
-          <a:bodyPr/>
-          <a:lstStyle/>
-          <a:p>
-            <a:r>
-              <a:rPr lang="es-ES" dirty="0" smtClean="0"/>
-              <a:t>Gracias por su atención</a:t>
-            </a:r>
-            <a:endParaRPr lang="es-ES" dirty="0"/>
-          </a:p>
-        </p:txBody>
-      </p:sp>
+      </p:pic>
       <p:sp>
         <p:nvSpPr>
           <p:cNvPr id="3" name="2 Marcador de número de diapositiva"/>
@@ -11468,10 +13605,3141 @@
           </a:p>
         </p:txBody>
       </p:sp>
+      <p:sp>
+        <p:nvSpPr>
+          <p:cNvPr id="5" name="3 Título"/>
+          <p:cNvSpPr>
+            <a:spLocks noGrp="1"/>
+          </p:cNvSpPr>
+          <p:nvPr>
+            <p:ph type="title"/>
+          </p:nvPr>
+        </p:nvSpPr>
+        <p:spPr/>
+        <p:txBody>
+          <a:bodyPr>
+            <a:normAutofit/>
+          </a:bodyPr>
+          <a:lstStyle/>
+          <a:p>
+            <a:r>
+              <a:rPr lang="es-ES" sz="2400" dirty="0" smtClean="0"/>
+              <a:t>Resultados: Trabajo inicial</a:t>
+            </a:r>
+            <a:r>
+              <a:rPr lang="es-ES" dirty="0" smtClean="0"/>
+              <a:t/>
+            </a:r>
+            <a:br>
+              <a:rPr lang="es-ES" dirty="0" smtClean="0"/>
+            </a:br>
+            <a:r>
+              <a:rPr lang="es-ES" dirty="0" smtClean="0"/>
+              <a:t>Modelo de Casos de Uso</a:t>
+            </a:r>
+            <a:endParaRPr lang="es-ES" dirty="0"/>
+          </a:p>
+        </p:txBody>
+      </p:sp>
+      <p:pic>
+        <p:nvPicPr>
+          <p:cNvPr id="7" name="5 Marcador de contenido"/>
+          <p:cNvPicPr>
+            <a:picLocks noChangeAspect="1"/>
+          </p:cNvPicPr>
+          <p:nvPr/>
+        </p:nvPicPr>
+        <p:blipFill>
+          <a:blip r:embed="rId3" cstate="print">
+            <a:extLst>
+              <a:ext uri="{28A0092B-C50C-407E-A947-70E740481C1C}">
+                <a14:useLocalDpi xmlns:a14="http://schemas.microsoft.com/office/drawing/2010/main" val="0"/>
+              </a:ext>
+            </a:extLst>
+          </a:blip>
+          <a:stretch>
+            <a:fillRect/>
+          </a:stretch>
+        </p:blipFill>
+        <p:spPr>
+          <a:xfrm>
+            <a:off x="457200" y="2256570"/>
+            <a:ext cx="8229600" cy="2975097"/>
+          </a:xfrm>
+          <a:prstGeom prst="rect">
+            <a:avLst/>
+          </a:prstGeom>
+        </p:spPr>
+      </p:pic>
     </p:spTree>
     <p:extLst>
       <p:ext uri="{BB962C8B-B14F-4D97-AF65-F5344CB8AC3E}">
-        <p14:creationId xmlns:p14="http://schemas.microsoft.com/office/powerpoint/2010/main" val="422324420"/>
+        <p14:creationId xmlns:p14="http://schemas.microsoft.com/office/powerpoint/2010/main" val="4273020608"/>
+      </p:ext>
+    </p:extLst>
+  </p:cSld>
+  <p:clrMapOvr>
+    <a:masterClrMapping/>
+  </p:clrMapOvr>
+  <p:timing>
+    <p:tnLst>
+      <p:par>
+        <p:cTn id="1" dur="indefinite" restart="never" nodeType="tmRoot">
+          <p:childTnLst>
+            <p:seq concurrent="1" nextAc="seek">
+              <p:cTn id="2" dur="indefinite" nodeType="mainSeq">
+                <p:childTnLst>
+                  <p:par>
+                    <p:cTn id="3" fill="hold">
+                      <p:stCondLst>
+                        <p:cond delay="indefinite"/>
+                      </p:stCondLst>
+                      <p:childTnLst>
+                        <p:par>
+                          <p:cTn id="4" fill="hold">
+                            <p:stCondLst>
+                              <p:cond delay="0"/>
+                            </p:stCondLst>
+                            <p:childTnLst>
+                              <p:par>
+                                <p:cTn id="5" presetID="22" presetClass="entr" presetSubtype="4" fill="hold" nodeType="clickEffect">
+                                  <p:stCondLst>
+                                    <p:cond delay="0"/>
+                                  </p:stCondLst>
+                                  <p:childTnLst>
+                                    <p:set>
+                                      <p:cBhvr>
+                                        <p:cTn id="6" dur="1" fill="hold">
+                                          <p:stCondLst>
+                                            <p:cond delay="0"/>
+                                          </p:stCondLst>
+                                        </p:cTn>
+                                        <p:tgtEl>
+                                          <p:spTgt spid="6"/>
+                                        </p:tgtEl>
+                                        <p:attrNameLst>
+                                          <p:attrName>style.visibility</p:attrName>
+                                        </p:attrNameLst>
+                                      </p:cBhvr>
+                                      <p:to>
+                                        <p:strVal val="visible"/>
+                                      </p:to>
+                                    </p:set>
+                                    <p:animEffect transition="in" filter="wipe(down)">
+                                      <p:cBhvr>
+                                        <p:cTn id="7" dur="500"/>
+                                        <p:tgtEl>
+                                          <p:spTgt spid="6"/>
+                                        </p:tgtEl>
+                                      </p:cBhvr>
+                                    </p:animEffect>
+                                  </p:childTnLst>
+                                  <p:subTnLst>
+                                    <p:set>
+                                      <p:cBhvr override="childStyle">
+                                        <p:cTn dur="1" fill="hold" display="0" masterRel="nextClick" afterEffect="1"/>
+                                        <p:tgtEl>
+                                          <p:spTgt spid="6"/>
+                                        </p:tgtEl>
+                                        <p:attrNameLst>
+                                          <p:attrName>style.visibility</p:attrName>
+                                        </p:attrNameLst>
+                                      </p:cBhvr>
+                                      <p:to>
+                                        <p:strVal val="hidden"/>
+                                      </p:to>
+                                    </p:set>
+                                  </p:subTnLst>
+                                </p:cTn>
+                              </p:par>
+                            </p:childTnLst>
+                          </p:cTn>
+                        </p:par>
+                      </p:childTnLst>
+                    </p:cTn>
+                  </p:par>
+                  <p:par>
+                    <p:cTn id="8" fill="hold">
+                      <p:stCondLst>
+                        <p:cond delay="indefinite"/>
+                      </p:stCondLst>
+                      <p:childTnLst>
+                        <p:par>
+                          <p:cTn id="9" fill="hold">
+                            <p:stCondLst>
+                              <p:cond delay="0"/>
+                            </p:stCondLst>
+                            <p:childTnLst>
+                              <p:par>
+                                <p:cTn id="10" presetID="22" presetClass="entr" presetSubtype="1" fill="hold" nodeType="clickEffect">
+                                  <p:stCondLst>
+                                    <p:cond delay="0"/>
+                                  </p:stCondLst>
+                                  <p:childTnLst>
+                                    <p:set>
+                                      <p:cBhvr>
+                                        <p:cTn id="11" dur="1" fill="hold">
+                                          <p:stCondLst>
+                                            <p:cond delay="0"/>
+                                          </p:stCondLst>
+                                        </p:cTn>
+                                        <p:tgtEl>
+                                          <p:spTgt spid="7"/>
+                                        </p:tgtEl>
+                                        <p:attrNameLst>
+                                          <p:attrName>style.visibility</p:attrName>
+                                        </p:attrNameLst>
+                                      </p:cBhvr>
+                                      <p:to>
+                                        <p:strVal val="visible"/>
+                                      </p:to>
+                                    </p:set>
+                                    <p:animEffect transition="in" filter="wipe(up)">
+                                      <p:cBhvr>
+                                        <p:cTn id="12" dur="500"/>
+                                        <p:tgtEl>
+                                          <p:spTgt spid="7"/>
+                                        </p:tgtEl>
+                                      </p:cBhvr>
+                                    </p:animEffect>
+                                  </p:childTnLst>
+                                </p:cTn>
+                              </p:par>
+                            </p:childTnLst>
+                          </p:cTn>
+                        </p:par>
+                      </p:childTnLst>
+                    </p:cTn>
+                  </p:par>
+                </p:childTnLst>
+              </p:cTn>
+              <p:prevCondLst>
+                <p:cond evt="onPrev" delay="0">
+                  <p:tgtEl>
+                    <p:sldTgt/>
+                  </p:tgtEl>
+                </p:cond>
+              </p:prevCondLst>
+              <p:nextCondLst>
+                <p:cond evt="onNext" delay="0">
+                  <p:tgtEl>
+                    <p:sldTgt/>
+                  </p:tgtEl>
+                </p:cond>
+              </p:nextCondLst>
+            </p:seq>
+          </p:childTnLst>
+        </p:cTn>
+      </p:par>
+    </p:tnLst>
+  </p:timing>
+</p:sld>
+</file>
+
+<file path=ppt/slides/slide33.xml><?xml version="1.0" encoding="utf-8"?>
+<p:sld xmlns:a="http://schemas.openxmlformats.org/drawingml/2006/main" xmlns:r="http://schemas.openxmlformats.org/officeDocument/2006/relationships" xmlns:p="http://schemas.openxmlformats.org/presentationml/2006/main">
+  <p:cSld>
+    <p:spTree>
+      <p:nvGrpSpPr>
+        <p:cNvPr id="1" name=""/>
+        <p:cNvGrpSpPr/>
+        <p:nvPr/>
+      </p:nvGrpSpPr>
+      <p:grpSpPr>
+        <a:xfrm>
+          <a:off x="0" y="0"/>
+          <a:ext cx="0" cy="0"/>
+          <a:chOff x="0" y="0"/>
+          <a:chExt cx="0" cy="0"/>
+        </a:xfrm>
+      </p:grpSpPr>
+      <p:sp>
+        <p:nvSpPr>
+          <p:cNvPr id="2" name="1 Marcador de contenido"/>
+          <p:cNvSpPr>
+            <a:spLocks noGrp="1"/>
+          </p:cNvSpPr>
+          <p:nvPr>
+            <p:ph idx="1"/>
+          </p:nvPr>
+        </p:nvSpPr>
+        <p:spPr/>
+        <p:txBody>
+          <a:bodyPr/>
+          <a:lstStyle/>
+          <a:p>
+            <a:r>
+              <a:rPr lang="es-ES" dirty="0" smtClean="0"/>
+              <a:t>Elaboración de un Glosario de Términos.</a:t>
+            </a:r>
+          </a:p>
+          <a:p>
+            <a:r>
+              <a:rPr lang="es-ES" dirty="0" smtClean="0"/>
+              <a:t>Estudio de Viabilidad y Gestión del Riesgo.</a:t>
+            </a:r>
+          </a:p>
+          <a:p>
+            <a:r>
+              <a:rPr lang="es-ES" dirty="0" smtClean="0"/>
+              <a:t>Confección del Plan de Iteraciones.</a:t>
+            </a:r>
+            <a:endParaRPr lang="es-ES" dirty="0"/>
+          </a:p>
+        </p:txBody>
+      </p:sp>
+      <p:sp>
+        <p:nvSpPr>
+          <p:cNvPr id="3" name="2 Marcador de número de diapositiva"/>
+          <p:cNvSpPr>
+            <a:spLocks noGrp="1"/>
+          </p:cNvSpPr>
+          <p:nvPr>
+            <p:ph type="sldNum" sz="quarter" idx="12"/>
+          </p:nvPr>
+        </p:nvSpPr>
+        <p:spPr/>
+        <p:txBody>
+          <a:bodyPr/>
+          <a:lstStyle/>
+          <a:p>
+            <a:fld id="{B48C6472-4FB6-4C69-A920-C8307D2FB374}" type="slidenum">
+              <a:rPr lang="es-ES" smtClean="0"/>
+              <a:t>33</a:t>
+            </a:fld>
+            <a:endParaRPr lang="es-ES"/>
+          </a:p>
+        </p:txBody>
+      </p:sp>
+      <p:sp>
+        <p:nvSpPr>
+          <p:cNvPr id="4" name="3 Título"/>
+          <p:cNvSpPr>
+            <a:spLocks noGrp="1"/>
+          </p:cNvSpPr>
+          <p:nvPr>
+            <p:ph type="title"/>
+          </p:nvPr>
+        </p:nvSpPr>
+        <p:spPr/>
+        <p:txBody>
+          <a:bodyPr>
+            <a:normAutofit/>
+          </a:bodyPr>
+          <a:lstStyle/>
+          <a:p>
+            <a:r>
+              <a:rPr lang="es-ES" sz="2200" dirty="0" smtClean="0"/>
+              <a:t>Resultados</a:t>
+            </a:r>
+            <a:r>
+              <a:rPr lang="es-ES" dirty="0" smtClean="0"/>
+              <a:t/>
+            </a:r>
+            <a:br>
+              <a:rPr lang="es-ES" dirty="0" smtClean="0"/>
+            </a:br>
+            <a:r>
+              <a:rPr lang="es-ES" dirty="0" smtClean="0"/>
+              <a:t>Trabajo inicial</a:t>
+            </a:r>
+            <a:endParaRPr lang="es-ES" dirty="0"/>
+          </a:p>
+        </p:txBody>
+      </p:sp>
+      <p:pic>
+        <p:nvPicPr>
+          <p:cNvPr id="5" name="4 Imagen"/>
+          <p:cNvPicPr>
+            <a:picLocks noChangeAspect="1"/>
+          </p:cNvPicPr>
+          <p:nvPr/>
+        </p:nvPicPr>
+        <p:blipFill>
+          <a:blip r:embed="rId2">
+            <a:extLst>
+              <a:ext uri="{28A0092B-C50C-407E-A947-70E740481C1C}">
+                <a14:useLocalDpi xmlns:a14="http://schemas.microsoft.com/office/drawing/2010/main" val="0"/>
+              </a:ext>
+            </a:extLst>
+          </a:blip>
+          <a:stretch>
+            <a:fillRect/>
+          </a:stretch>
+        </p:blipFill>
+        <p:spPr>
+          <a:xfrm>
+            <a:off x="2267744" y="3025756"/>
+            <a:ext cx="5232578" cy="3139548"/>
+          </a:xfrm>
+          <a:prstGeom prst="rect">
+            <a:avLst/>
+          </a:prstGeom>
+        </p:spPr>
+      </p:pic>
+      <p:pic>
+        <p:nvPicPr>
+          <p:cNvPr id="6" name="5 Imagen"/>
+          <p:cNvPicPr>
+            <a:picLocks noChangeAspect="1"/>
+          </p:cNvPicPr>
+          <p:nvPr/>
+        </p:nvPicPr>
+        <p:blipFill>
+          <a:blip r:embed="rId3" cstate="print">
+            <a:extLst>
+              <a:ext uri="{28A0092B-C50C-407E-A947-70E740481C1C}">
+                <a14:useLocalDpi xmlns:a14="http://schemas.microsoft.com/office/drawing/2010/main" val="0"/>
+              </a:ext>
+            </a:extLst>
+          </a:blip>
+          <a:stretch>
+            <a:fillRect/>
+          </a:stretch>
+        </p:blipFill>
+        <p:spPr>
+          <a:xfrm>
+            <a:off x="1545550" y="3241780"/>
+            <a:ext cx="6419783" cy="2707500"/>
+          </a:xfrm>
+          <a:prstGeom prst="rect">
+            <a:avLst/>
+          </a:prstGeom>
+        </p:spPr>
+      </p:pic>
+      <p:pic>
+        <p:nvPicPr>
+          <p:cNvPr id="7" name="6 Imagen"/>
+          <p:cNvPicPr>
+            <a:picLocks noChangeAspect="1"/>
+          </p:cNvPicPr>
+          <p:nvPr/>
+        </p:nvPicPr>
+        <p:blipFill>
+          <a:blip r:embed="rId4">
+            <a:extLst>
+              <a:ext uri="{28A0092B-C50C-407E-A947-70E740481C1C}">
+                <a14:useLocalDpi xmlns:a14="http://schemas.microsoft.com/office/drawing/2010/main" val="0"/>
+              </a:ext>
+            </a:extLst>
+          </a:blip>
+          <a:stretch>
+            <a:fillRect/>
+          </a:stretch>
+        </p:blipFill>
+        <p:spPr>
+          <a:xfrm>
+            <a:off x="1979712" y="3241780"/>
+            <a:ext cx="5040560" cy="3024336"/>
+          </a:xfrm>
+          <a:prstGeom prst="rect">
+            <a:avLst/>
+          </a:prstGeom>
+        </p:spPr>
+      </p:pic>
+    </p:spTree>
+    <p:extLst>
+      <p:ext uri="{BB962C8B-B14F-4D97-AF65-F5344CB8AC3E}">
+        <p14:creationId xmlns:p14="http://schemas.microsoft.com/office/powerpoint/2010/main" val="1703918614"/>
+      </p:ext>
+    </p:extLst>
+  </p:cSld>
+  <p:clrMapOvr>
+    <a:masterClrMapping/>
+  </p:clrMapOvr>
+  <p:timing>
+    <p:tnLst>
+      <p:par>
+        <p:cTn id="1" dur="indefinite" restart="never" nodeType="tmRoot">
+          <p:childTnLst>
+            <p:seq concurrent="1" nextAc="seek">
+              <p:cTn id="2" dur="indefinite" nodeType="mainSeq">
+                <p:childTnLst>
+                  <p:par>
+                    <p:cTn id="3" fill="hold">
+                      <p:stCondLst>
+                        <p:cond delay="indefinite"/>
+                      </p:stCondLst>
+                      <p:childTnLst>
+                        <p:par>
+                          <p:cTn id="4" fill="hold">
+                            <p:stCondLst>
+                              <p:cond delay="0"/>
+                            </p:stCondLst>
+                            <p:childTnLst>
+                              <p:par>
+                                <p:cTn id="5" presetID="10" presetClass="entr" presetSubtype="0" fill="hold" nodeType="clickEffect">
+                                  <p:stCondLst>
+                                    <p:cond delay="0"/>
+                                  </p:stCondLst>
+                                  <p:childTnLst>
+                                    <p:set>
+                                      <p:cBhvr>
+                                        <p:cTn id="6" dur="1" fill="hold">
+                                          <p:stCondLst>
+                                            <p:cond delay="0"/>
+                                          </p:stCondLst>
+                                        </p:cTn>
+                                        <p:tgtEl>
+                                          <p:spTgt spid="5"/>
+                                        </p:tgtEl>
+                                        <p:attrNameLst>
+                                          <p:attrName>style.visibility</p:attrName>
+                                        </p:attrNameLst>
+                                      </p:cBhvr>
+                                      <p:to>
+                                        <p:strVal val="visible"/>
+                                      </p:to>
+                                    </p:set>
+                                    <p:animEffect transition="in" filter="fade">
+                                      <p:cBhvr>
+                                        <p:cTn id="7" dur="500"/>
+                                        <p:tgtEl>
+                                          <p:spTgt spid="5"/>
+                                        </p:tgtEl>
+                                      </p:cBhvr>
+                                    </p:animEffect>
+                                  </p:childTnLst>
+                                  <p:subTnLst>
+                                    <p:set>
+                                      <p:cBhvr override="childStyle">
+                                        <p:cTn dur="1" fill="hold" display="0" masterRel="nextClick" afterEffect="1"/>
+                                        <p:tgtEl>
+                                          <p:spTgt spid="5"/>
+                                        </p:tgtEl>
+                                        <p:attrNameLst>
+                                          <p:attrName>style.visibility</p:attrName>
+                                        </p:attrNameLst>
+                                      </p:cBhvr>
+                                      <p:to>
+                                        <p:strVal val="hidden"/>
+                                      </p:to>
+                                    </p:set>
+                                  </p:subTnLst>
+                                </p:cTn>
+                              </p:par>
+                            </p:childTnLst>
+                          </p:cTn>
+                        </p:par>
+                      </p:childTnLst>
+                    </p:cTn>
+                  </p:par>
+                  <p:par>
+                    <p:cTn id="8" fill="hold">
+                      <p:stCondLst>
+                        <p:cond delay="indefinite"/>
+                      </p:stCondLst>
+                      <p:childTnLst>
+                        <p:par>
+                          <p:cTn id="9" fill="hold">
+                            <p:stCondLst>
+                              <p:cond delay="0"/>
+                            </p:stCondLst>
+                            <p:childTnLst>
+                              <p:par>
+                                <p:cTn id="10" presetID="10" presetClass="entr" presetSubtype="0" fill="hold" nodeType="clickEffect">
+                                  <p:stCondLst>
+                                    <p:cond delay="0"/>
+                                  </p:stCondLst>
+                                  <p:childTnLst>
+                                    <p:set>
+                                      <p:cBhvr>
+                                        <p:cTn id="11" dur="1" fill="hold">
+                                          <p:stCondLst>
+                                            <p:cond delay="0"/>
+                                          </p:stCondLst>
+                                        </p:cTn>
+                                        <p:tgtEl>
+                                          <p:spTgt spid="6"/>
+                                        </p:tgtEl>
+                                        <p:attrNameLst>
+                                          <p:attrName>style.visibility</p:attrName>
+                                        </p:attrNameLst>
+                                      </p:cBhvr>
+                                      <p:to>
+                                        <p:strVal val="visible"/>
+                                      </p:to>
+                                    </p:set>
+                                    <p:animEffect transition="in" filter="fade">
+                                      <p:cBhvr>
+                                        <p:cTn id="12" dur="500"/>
+                                        <p:tgtEl>
+                                          <p:spTgt spid="6"/>
+                                        </p:tgtEl>
+                                      </p:cBhvr>
+                                    </p:animEffect>
+                                  </p:childTnLst>
+                                  <p:subTnLst>
+                                    <p:set>
+                                      <p:cBhvr override="childStyle">
+                                        <p:cTn dur="1" fill="hold" display="0" masterRel="nextClick" afterEffect="1"/>
+                                        <p:tgtEl>
+                                          <p:spTgt spid="6"/>
+                                        </p:tgtEl>
+                                        <p:attrNameLst>
+                                          <p:attrName>style.visibility</p:attrName>
+                                        </p:attrNameLst>
+                                      </p:cBhvr>
+                                      <p:to>
+                                        <p:strVal val="hidden"/>
+                                      </p:to>
+                                    </p:set>
+                                  </p:subTnLst>
+                                </p:cTn>
+                              </p:par>
+                            </p:childTnLst>
+                          </p:cTn>
+                        </p:par>
+                      </p:childTnLst>
+                    </p:cTn>
+                  </p:par>
+                  <p:par>
+                    <p:cTn id="13" fill="hold">
+                      <p:stCondLst>
+                        <p:cond delay="indefinite"/>
+                      </p:stCondLst>
+                      <p:childTnLst>
+                        <p:par>
+                          <p:cTn id="14" fill="hold">
+                            <p:stCondLst>
+                              <p:cond delay="0"/>
+                            </p:stCondLst>
+                            <p:childTnLst>
+                              <p:par>
+                                <p:cTn id="15" presetID="10" presetClass="entr" presetSubtype="0" fill="hold" nodeType="clickEffect">
+                                  <p:stCondLst>
+                                    <p:cond delay="0"/>
+                                  </p:stCondLst>
+                                  <p:childTnLst>
+                                    <p:set>
+                                      <p:cBhvr>
+                                        <p:cTn id="16" dur="1" fill="hold">
+                                          <p:stCondLst>
+                                            <p:cond delay="0"/>
+                                          </p:stCondLst>
+                                        </p:cTn>
+                                        <p:tgtEl>
+                                          <p:spTgt spid="7"/>
+                                        </p:tgtEl>
+                                        <p:attrNameLst>
+                                          <p:attrName>style.visibility</p:attrName>
+                                        </p:attrNameLst>
+                                      </p:cBhvr>
+                                      <p:to>
+                                        <p:strVal val="visible"/>
+                                      </p:to>
+                                    </p:set>
+                                    <p:animEffect transition="in" filter="fade">
+                                      <p:cBhvr>
+                                        <p:cTn id="17" dur="500"/>
+                                        <p:tgtEl>
+                                          <p:spTgt spid="7"/>
+                                        </p:tgtEl>
+                                      </p:cBhvr>
+                                    </p:animEffect>
+                                  </p:childTnLst>
+                                </p:cTn>
+                              </p:par>
+                            </p:childTnLst>
+                          </p:cTn>
+                        </p:par>
+                      </p:childTnLst>
+                    </p:cTn>
+                  </p:par>
+                </p:childTnLst>
+              </p:cTn>
+              <p:prevCondLst>
+                <p:cond evt="onPrev" delay="0">
+                  <p:tgtEl>
+                    <p:sldTgt/>
+                  </p:tgtEl>
+                </p:cond>
+              </p:prevCondLst>
+              <p:nextCondLst>
+                <p:cond evt="onNext" delay="0">
+                  <p:tgtEl>
+                    <p:sldTgt/>
+                  </p:tgtEl>
+                </p:cond>
+              </p:nextCondLst>
+            </p:seq>
+          </p:childTnLst>
+        </p:cTn>
+      </p:par>
+    </p:tnLst>
+  </p:timing>
+</p:sld>
+</file>
+
+<file path=ppt/slides/slide34.xml><?xml version="1.0" encoding="utf-8"?>
+<p:sld xmlns:a="http://schemas.openxmlformats.org/drawingml/2006/main" xmlns:r="http://schemas.openxmlformats.org/officeDocument/2006/relationships" xmlns:p="http://schemas.openxmlformats.org/presentationml/2006/main">
+  <p:cSld>
+    <p:spTree>
+      <p:nvGrpSpPr>
+        <p:cNvPr id="1" name=""/>
+        <p:cNvGrpSpPr/>
+        <p:nvPr/>
+      </p:nvGrpSpPr>
+      <p:grpSpPr>
+        <a:xfrm>
+          <a:off x="0" y="0"/>
+          <a:ext cx="0" cy="0"/>
+          <a:chOff x="0" y="0"/>
+          <a:chExt cx="0" cy="0"/>
+        </a:xfrm>
+      </p:grpSpPr>
+      <p:sp>
+        <p:nvSpPr>
+          <p:cNvPr id="2" name="1 Marcador de contenido"/>
+          <p:cNvSpPr>
+            <a:spLocks noGrp="1"/>
+          </p:cNvSpPr>
+          <p:nvPr>
+            <p:ph idx="1"/>
+          </p:nvPr>
+        </p:nvSpPr>
+        <p:spPr/>
+        <p:txBody>
+          <a:bodyPr/>
+          <a:lstStyle/>
+          <a:p>
+            <a:r>
+              <a:rPr lang="es-ES" dirty="0" smtClean="0"/>
+              <a:t>Estudio general de la librería de gráficos </a:t>
+            </a:r>
+            <a:r>
+              <a:rPr lang="es-ES" dirty="0" err="1" smtClean="0"/>
+              <a:t>OpenGL</a:t>
+            </a:r>
+            <a:r>
+              <a:rPr lang="es-ES" dirty="0" smtClean="0"/>
+              <a:t> (Open </a:t>
+            </a:r>
+            <a:r>
+              <a:rPr lang="es-ES" dirty="0" err="1" smtClean="0"/>
+              <a:t>Graphics</a:t>
+            </a:r>
+            <a:r>
+              <a:rPr lang="es-ES" dirty="0" smtClean="0"/>
+              <a:t> Library).</a:t>
+            </a:r>
+          </a:p>
+          <a:p>
+            <a:r>
+              <a:rPr lang="es-ES" dirty="0" smtClean="0"/>
+              <a:t>Estudio de específico de JOGL (Java </a:t>
+            </a:r>
+            <a:r>
+              <a:rPr lang="es-ES" dirty="0" err="1" smtClean="0"/>
+              <a:t>Binding</a:t>
+            </a:r>
+            <a:r>
+              <a:rPr lang="es-ES" dirty="0" smtClean="0"/>
+              <a:t> </a:t>
+            </a:r>
+            <a:r>
+              <a:rPr lang="es-ES" dirty="0" err="1" smtClean="0"/>
+              <a:t>for</a:t>
+            </a:r>
+            <a:r>
+              <a:rPr lang="es-ES" dirty="0" smtClean="0"/>
+              <a:t> </a:t>
+            </a:r>
+            <a:r>
+              <a:rPr lang="es-ES" dirty="0" err="1" smtClean="0"/>
+              <a:t>OpenGL</a:t>
+            </a:r>
+            <a:r>
+              <a:rPr lang="es-ES" dirty="0" smtClean="0"/>
+              <a:t>).</a:t>
+            </a:r>
+          </a:p>
+          <a:p>
+            <a:r>
+              <a:rPr lang="es-ES" dirty="0" smtClean="0"/>
+              <a:t>Agregado manual de librerías para JOGL al repositorio local de </a:t>
+            </a:r>
+            <a:r>
+              <a:rPr lang="es-ES" dirty="0" err="1" smtClean="0"/>
+              <a:t>Maven</a:t>
+            </a:r>
+            <a:r>
+              <a:rPr lang="es-ES" dirty="0" smtClean="0"/>
+              <a:t>.</a:t>
+            </a:r>
+          </a:p>
+          <a:p>
+            <a:r>
+              <a:rPr lang="es-ES" dirty="0" smtClean="0"/>
+              <a:t>Creación del proyecto mediante </a:t>
+            </a:r>
+            <a:r>
+              <a:rPr lang="es-ES" dirty="0" err="1" smtClean="0"/>
+              <a:t>Maven</a:t>
+            </a:r>
+            <a:r>
+              <a:rPr lang="es-ES" dirty="0" smtClean="0"/>
+              <a:t>.</a:t>
+            </a:r>
+          </a:p>
+        </p:txBody>
+      </p:sp>
+      <p:sp>
+        <p:nvSpPr>
+          <p:cNvPr id="3" name="2 Título"/>
+          <p:cNvSpPr>
+            <a:spLocks noGrp="1"/>
+          </p:cNvSpPr>
+          <p:nvPr>
+            <p:ph type="title"/>
+          </p:nvPr>
+        </p:nvSpPr>
+        <p:spPr/>
+        <p:txBody>
+          <a:bodyPr>
+            <a:normAutofit/>
+          </a:bodyPr>
+          <a:lstStyle/>
+          <a:p>
+            <a:r>
+              <a:rPr lang="es-ES" sz="2200" dirty="0"/>
+              <a:t>Resultados</a:t>
+            </a:r>
+            <a:r>
+              <a:rPr lang="es-ES" dirty="0"/>
+              <a:t/>
+            </a:r>
+            <a:br>
+              <a:rPr lang="es-ES" dirty="0"/>
+            </a:br>
+            <a:r>
+              <a:rPr lang="es-ES" dirty="0"/>
+              <a:t>Motor </a:t>
+            </a:r>
+            <a:r>
+              <a:rPr lang="es-ES" dirty="0" smtClean="0"/>
+              <a:t>gráfico</a:t>
+            </a:r>
+            <a:endParaRPr lang="es-ES" dirty="0"/>
+          </a:p>
+        </p:txBody>
+      </p:sp>
+      <p:sp>
+        <p:nvSpPr>
+          <p:cNvPr id="4" name="3 Marcador de número de diapositiva"/>
+          <p:cNvSpPr>
+            <a:spLocks noGrp="1"/>
+          </p:cNvSpPr>
+          <p:nvPr>
+            <p:ph type="sldNum" sz="quarter" idx="12"/>
+          </p:nvPr>
+        </p:nvSpPr>
+        <p:spPr/>
+        <p:txBody>
+          <a:bodyPr/>
+          <a:lstStyle/>
+          <a:p>
+            <a:fld id="{B48C6472-4FB6-4C69-A920-C8307D2FB374}" type="slidenum">
+              <a:rPr lang="es-ES" smtClean="0"/>
+              <a:t>34</a:t>
+            </a:fld>
+            <a:endParaRPr lang="es-ES"/>
+          </a:p>
+        </p:txBody>
+      </p:sp>
+    </p:spTree>
+    <p:extLst>
+      <p:ext uri="{BB962C8B-B14F-4D97-AF65-F5344CB8AC3E}">
+        <p14:creationId xmlns:p14="http://schemas.microsoft.com/office/powerpoint/2010/main" val="2417755251"/>
+      </p:ext>
+    </p:extLst>
+  </p:cSld>
+  <p:clrMapOvr>
+    <a:masterClrMapping/>
+  </p:clrMapOvr>
+  <p:timing>
+    <p:tnLst>
+      <p:par>
+        <p:cTn id="1" dur="indefinite" restart="never" nodeType="tmRoot"/>
+      </p:par>
+    </p:tnLst>
+  </p:timing>
+</p:sld>
+</file>
+
+<file path=ppt/slides/slide35.xml><?xml version="1.0" encoding="utf-8"?>
+<p:sld xmlns:a="http://schemas.openxmlformats.org/drawingml/2006/main" xmlns:r="http://schemas.openxmlformats.org/officeDocument/2006/relationships" xmlns:p="http://schemas.openxmlformats.org/presentationml/2006/main">
+  <p:cSld>
+    <p:spTree>
+      <p:nvGrpSpPr>
+        <p:cNvPr id="1" name=""/>
+        <p:cNvGrpSpPr/>
+        <p:nvPr/>
+      </p:nvGrpSpPr>
+      <p:grpSpPr>
+        <a:xfrm>
+          <a:off x="0" y="0"/>
+          <a:ext cx="0" cy="0"/>
+          <a:chOff x="0" y="0"/>
+          <a:chExt cx="0" cy="0"/>
+        </a:xfrm>
+      </p:grpSpPr>
+      <p:pic>
+        <p:nvPicPr>
+          <p:cNvPr id="6" name="5 Marcador de contenido"/>
+          <p:cNvPicPr>
+            <a:picLocks noGrp="1" noChangeAspect="1"/>
+          </p:cNvPicPr>
+          <p:nvPr>
+            <p:ph idx="1"/>
+          </p:nvPr>
+        </p:nvPicPr>
+        <p:blipFill>
+          <a:blip r:embed="rId2" cstate="print">
+            <a:extLst>
+              <a:ext uri="{28A0092B-C50C-407E-A947-70E740481C1C}">
+                <a14:useLocalDpi xmlns:a14="http://schemas.microsoft.com/office/drawing/2010/main" val="0"/>
+              </a:ext>
+            </a:extLst>
+          </a:blip>
+          <a:stretch>
+            <a:fillRect/>
+          </a:stretch>
+        </p:blipFill>
+        <p:spPr>
+          <a:xfrm>
+            <a:off x="1057254" y="2108416"/>
+            <a:ext cx="7163311" cy="3361247"/>
+          </a:xfrm>
+        </p:spPr>
+      </p:pic>
+      <p:sp>
+        <p:nvSpPr>
+          <p:cNvPr id="3" name="2 Marcador de número de diapositiva"/>
+          <p:cNvSpPr>
+            <a:spLocks noGrp="1"/>
+          </p:cNvSpPr>
+          <p:nvPr>
+            <p:ph type="sldNum" sz="quarter" idx="12"/>
+          </p:nvPr>
+        </p:nvSpPr>
+        <p:spPr/>
+        <p:txBody>
+          <a:bodyPr/>
+          <a:lstStyle/>
+          <a:p>
+            <a:fld id="{B48C6472-4FB6-4C69-A920-C8307D2FB374}" type="slidenum">
+              <a:rPr lang="es-ES" smtClean="0"/>
+              <a:t>35</a:t>
+            </a:fld>
+            <a:endParaRPr lang="es-ES"/>
+          </a:p>
+        </p:txBody>
+      </p:sp>
+      <p:sp>
+        <p:nvSpPr>
+          <p:cNvPr id="5" name="2 Título"/>
+          <p:cNvSpPr>
+            <a:spLocks noGrp="1"/>
+          </p:cNvSpPr>
+          <p:nvPr>
+            <p:ph type="title"/>
+          </p:nvPr>
+        </p:nvSpPr>
+        <p:spPr>
+          <a:xfrm>
+            <a:off x="251520" y="274638"/>
+            <a:ext cx="8640960" cy="1143000"/>
+          </a:xfrm>
+        </p:spPr>
+        <p:txBody>
+          <a:bodyPr>
+            <a:normAutofit fontScale="90000"/>
+          </a:bodyPr>
+          <a:lstStyle/>
+          <a:p>
+            <a:r>
+              <a:rPr lang="es-ES" sz="2200" dirty="0"/>
+              <a:t>Resultados</a:t>
+            </a:r>
+            <a:r>
+              <a:rPr lang="es-ES" dirty="0"/>
+              <a:t/>
+            </a:r>
+            <a:br>
+              <a:rPr lang="es-ES" dirty="0"/>
+            </a:br>
+            <a:r>
+              <a:rPr lang="es-ES" dirty="0"/>
+              <a:t>Motor </a:t>
+            </a:r>
+            <a:r>
+              <a:rPr lang="es-ES" dirty="0" smtClean="0"/>
+              <a:t>gráfico: Primera aproximación</a:t>
+            </a:r>
+            <a:endParaRPr lang="es-ES" dirty="0"/>
+          </a:p>
+        </p:txBody>
+      </p:sp>
+      <p:pic>
+        <p:nvPicPr>
+          <p:cNvPr id="7" name="6 Imagen"/>
+          <p:cNvPicPr>
+            <a:picLocks noChangeAspect="1"/>
+          </p:cNvPicPr>
+          <p:nvPr/>
+        </p:nvPicPr>
+        <p:blipFill>
+          <a:blip r:embed="rId3" cstate="print">
+            <a:extLst>
+              <a:ext uri="{28A0092B-C50C-407E-A947-70E740481C1C}">
+                <a14:useLocalDpi xmlns:a14="http://schemas.microsoft.com/office/drawing/2010/main" val="0"/>
+              </a:ext>
+            </a:extLst>
+          </a:blip>
+          <a:stretch>
+            <a:fillRect/>
+          </a:stretch>
+        </p:blipFill>
+        <p:spPr>
+          <a:xfrm>
+            <a:off x="1691680" y="2035952"/>
+            <a:ext cx="6264696" cy="3756091"/>
+          </a:xfrm>
+          <a:prstGeom prst="rect">
+            <a:avLst/>
+          </a:prstGeom>
+        </p:spPr>
+      </p:pic>
+      <p:pic>
+        <p:nvPicPr>
+          <p:cNvPr id="8" name="7 Imagen"/>
+          <p:cNvPicPr>
+            <a:picLocks noChangeAspect="1"/>
+          </p:cNvPicPr>
+          <p:nvPr/>
+        </p:nvPicPr>
+        <p:blipFill>
+          <a:blip r:embed="rId4" cstate="print">
+            <a:extLst>
+              <a:ext uri="{28A0092B-C50C-407E-A947-70E740481C1C}">
+                <a14:useLocalDpi xmlns:a14="http://schemas.microsoft.com/office/drawing/2010/main" val="0"/>
+              </a:ext>
+            </a:extLst>
+          </a:blip>
+          <a:stretch>
+            <a:fillRect/>
+          </a:stretch>
+        </p:blipFill>
+        <p:spPr>
+          <a:xfrm>
+            <a:off x="608070" y="2564904"/>
+            <a:ext cx="8061681" cy="1955458"/>
+          </a:xfrm>
+          <a:prstGeom prst="rect">
+            <a:avLst/>
+          </a:prstGeom>
+        </p:spPr>
+      </p:pic>
+      <p:pic>
+        <p:nvPicPr>
+          <p:cNvPr id="9" name="8 Imagen"/>
+          <p:cNvPicPr>
+            <a:picLocks noChangeAspect="1"/>
+          </p:cNvPicPr>
+          <p:nvPr/>
+        </p:nvPicPr>
+        <p:blipFill>
+          <a:blip r:embed="rId5">
+            <a:extLst>
+              <a:ext uri="{28A0092B-C50C-407E-A947-70E740481C1C}">
+                <a14:useLocalDpi xmlns:a14="http://schemas.microsoft.com/office/drawing/2010/main" val="0"/>
+              </a:ext>
+            </a:extLst>
+          </a:blip>
+          <a:stretch>
+            <a:fillRect/>
+          </a:stretch>
+        </p:blipFill>
+        <p:spPr>
+          <a:xfrm>
+            <a:off x="2555776" y="2276872"/>
+            <a:ext cx="3728060" cy="3024336"/>
+          </a:xfrm>
+          <a:prstGeom prst="rect">
+            <a:avLst/>
+          </a:prstGeom>
+        </p:spPr>
+      </p:pic>
+      <p:sp>
+        <p:nvSpPr>
+          <p:cNvPr id="11" name="10 CuadroTexto"/>
+          <p:cNvSpPr txBox="1"/>
+          <p:nvPr/>
+        </p:nvSpPr>
+        <p:spPr>
+          <a:xfrm>
+            <a:off x="398753" y="1528460"/>
+            <a:ext cx="1849224" cy="507831"/>
+          </a:xfrm>
+          <a:prstGeom prst="rect">
+            <a:avLst/>
+          </a:prstGeom>
+          <a:noFill/>
+        </p:spPr>
+        <p:txBody>
+          <a:bodyPr wrap="none" rtlCol="0">
+            <a:spAutoFit/>
+          </a:bodyPr>
+          <a:lstStyle/>
+          <a:p>
+            <a:pPr marL="365760" lvl="0" indent="-256032">
+              <a:spcBef>
+                <a:spcPts val="400"/>
+              </a:spcBef>
+              <a:buClr>
+                <a:srgbClr val="2DA2BF"/>
+              </a:buClr>
+              <a:buSzPct val="68000"/>
+              <a:buFont typeface="Wingdings 3"/>
+              <a:buChar char=""/>
+            </a:pPr>
+            <a:r>
+              <a:rPr lang="es-ES" sz="2700" dirty="0" smtClean="0">
+                <a:solidFill>
+                  <a:prstClr val="black"/>
+                </a:solidFill>
+              </a:rPr>
+              <a:t>Análisis</a:t>
+            </a:r>
+            <a:endParaRPr lang="es-ES" sz="2700" dirty="0">
+              <a:solidFill>
+                <a:prstClr val="black"/>
+              </a:solidFill>
+            </a:endParaRPr>
+          </a:p>
+        </p:txBody>
+      </p:sp>
+      <p:sp>
+        <p:nvSpPr>
+          <p:cNvPr id="13" name="12 CuadroTexto"/>
+          <p:cNvSpPr txBox="1"/>
+          <p:nvPr/>
+        </p:nvSpPr>
+        <p:spPr>
+          <a:xfrm>
+            <a:off x="398751" y="1528458"/>
+            <a:ext cx="1709763" cy="507831"/>
+          </a:xfrm>
+          <a:prstGeom prst="rect">
+            <a:avLst/>
+          </a:prstGeom>
+          <a:noFill/>
+        </p:spPr>
+        <p:txBody>
+          <a:bodyPr wrap="none" rtlCol="0">
+            <a:spAutoFit/>
+          </a:bodyPr>
+          <a:lstStyle/>
+          <a:p>
+            <a:pPr marL="365760" lvl="0" indent="-256032">
+              <a:spcBef>
+                <a:spcPts val="400"/>
+              </a:spcBef>
+              <a:buClr>
+                <a:srgbClr val="2DA2BF"/>
+              </a:buClr>
+              <a:buSzPct val="68000"/>
+              <a:buFont typeface="Wingdings 3"/>
+              <a:buChar char=""/>
+            </a:pPr>
+            <a:r>
+              <a:rPr lang="es-ES" sz="2700" dirty="0" smtClean="0">
+                <a:solidFill>
+                  <a:prstClr val="black"/>
+                </a:solidFill>
+              </a:rPr>
+              <a:t>Diseño</a:t>
+            </a:r>
+            <a:endParaRPr lang="es-ES" sz="2700" dirty="0">
+              <a:solidFill>
+                <a:prstClr val="black"/>
+              </a:solidFill>
+            </a:endParaRPr>
+          </a:p>
+        </p:txBody>
+      </p:sp>
+      <p:sp>
+        <p:nvSpPr>
+          <p:cNvPr id="15" name="14 CuadroTexto"/>
+          <p:cNvSpPr txBox="1"/>
+          <p:nvPr/>
+        </p:nvSpPr>
+        <p:spPr>
+          <a:xfrm>
+            <a:off x="398751" y="1528457"/>
+            <a:ext cx="4967065" cy="507831"/>
+          </a:xfrm>
+          <a:prstGeom prst="rect">
+            <a:avLst/>
+          </a:prstGeom>
+          <a:noFill/>
+        </p:spPr>
+        <p:txBody>
+          <a:bodyPr wrap="none" rtlCol="0">
+            <a:spAutoFit/>
+          </a:bodyPr>
+          <a:lstStyle/>
+          <a:p>
+            <a:pPr marL="365760" lvl="0" indent="-256032">
+              <a:spcBef>
+                <a:spcPts val="400"/>
+              </a:spcBef>
+              <a:buClr>
+                <a:srgbClr val="2DA2BF"/>
+              </a:buClr>
+              <a:buSzPct val="68000"/>
+              <a:buFont typeface="Wingdings 3"/>
+              <a:buChar char=""/>
+            </a:pPr>
+            <a:r>
+              <a:rPr lang="es-ES" sz="2700" dirty="0" smtClean="0">
+                <a:solidFill>
+                  <a:prstClr val="black"/>
+                </a:solidFill>
+              </a:rPr>
+              <a:t>Implementación y Pruebas</a:t>
+            </a:r>
+          </a:p>
+        </p:txBody>
+      </p:sp>
+      <p:sp>
+        <p:nvSpPr>
+          <p:cNvPr id="16" name="15 CuadroTexto"/>
+          <p:cNvSpPr txBox="1"/>
+          <p:nvPr/>
+        </p:nvSpPr>
+        <p:spPr>
+          <a:xfrm>
+            <a:off x="398752" y="1528459"/>
+            <a:ext cx="1849224" cy="507831"/>
+          </a:xfrm>
+          <a:prstGeom prst="rect">
+            <a:avLst/>
+          </a:prstGeom>
+          <a:noFill/>
+        </p:spPr>
+        <p:txBody>
+          <a:bodyPr wrap="none" rtlCol="0">
+            <a:spAutoFit/>
+          </a:bodyPr>
+          <a:lstStyle/>
+          <a:p>
+            <a:pPr marL="365760" lvl="0" indent="-256032">
+              <a:spcBef>
+                <a:spcPts val="400"/>
+              </a:spcBef>
+              <a:buClr>
+                <a:srgbClr val="2DA2BF"/>
+              </a:buClr>
+              <a:buSzPct val="68000"/>
+              <a:buFont typeface="Wingdings 3"/>
+              <a:buChar char=""/>
+            </a:pPr>
+            <a:r>
+              <a:rPr lang="es-ES" sz="2700" dirty="0" smtClean="0">
+                <a:solidFill>
+                  <a:prstClr val="black"/>
+                </a:solidFill>
+              </a:rPr>
+              <a:t>Análisis</a:t>
+            </a:r>
+            <a:endParaRPr lang="es-ES" sz="2700" dirty="0">
+              <a:solidFill>
+                <a:prstClr val="black"/>
+              </a:solidFill>
+            </a:endParaRPr>
+          </a:p>
+        </p:txBody>
+      </p:sp>
+    </p:spTree>
+    <p:extLst>
+      <p:ext uri="{BB962C8B-B14F-4D97-AF65-F5344CB8AC3E}">
+        <p14:creationId xmlns:p14="http://schemas.microsoft.com/office/powerpoint/2010/main" val="321500384"/>
+      </p:ext>
+    </p:extLst>
+  </p:cSld>
+  <p:clrMapOvr>
+    <a:masterClrMapping/>
+  </p:clrMapOvr>
+  <p:timing>
+    <p:tnLst>
+      <p:par>
+        <p:cTn id="1" dur="indefinite" restart="never" nodeType="tmRoot">
+          <p:childTnLst>
+            <p:seq concurrent="1" nextAc="seek">
+              <p:cTn id="2" dur="indefinite" nodeType="mainSeq">
+                <p:childTnLst>
+                  <p:par>
+                    <p:cTn id="3" fill="hold">
+                      <p:stCondLst>
+                        <p:cond delay="indefinite"/>
+                        <p:cond evt="onBegin" delay="0">
+                          <p:tn val="2"/>
+                        </p:cond>
+                      </p:stCondLst>
+                      <p:childTnLst>
+                        <p:par>
+                          <p:cTn id="4" fill="hold">
+                            <p:stCondLst>
+                              <p:cond delay="0"/>
+                            </p:stCondLst>
+                            <p:childTnLst>
+                              <p:par>
+                                <p:cTn id="5" presetID="10" presetClass="entr" presetSubtype="0" fill="hold" grpId="0" nodeType="withEffect">
+                                  <p:stCondLst>
+                                    <p:cond delay="0"/>
+                                  </p:stCondLst>
+                                  <p:childTnLst>
+                                    <p:set>
+                                      <p:cBhvr>
+                                        <p:cTn id="6" dur="1" fill="hold">
+                                          <p:stCondLst>
+                                            <p:cond delay="0"/>
+                                          </p:stCondLst>
+                                        </p:cTn>
+                                        <p:tgtEl>
+                                          <p:spTgt spid="11"/>
+                                        </p:tgtEl>
+                                        <p:attrNameLst>
+                                          <p:attrName>style.visibility</p:attrName>
+                                        </p:attrNameLst>
+                                      </p:cBhvr>
+                                      <p:to>
+                                        <p:strVal val="visible"/>
+                                      </p:to>
+                                    </p:set>
+                                    <p:animEffect transition="in" filter="fade">
+                                      <p:cBhvr>
+                                        <p:cTn id="7" dur="500"/>
+                                        <p:tgtEl>
+                                          <p:spTgt spid="11"/>
+                                        </p:tgtEl>
+                                      </p:cBhvr>
+                                    </p:animEffect>
+                                  </p:childTnLst>
+                                  <p:subTnLst>
+                                    <p:set>
+                                      <p:cBhvr override="childStyle">
+                                        <p:cTn dur="1" fill="hold" display="0" masterRel="nextClick" afterEffect="1"/>
+                                        <p:tgtEl>
+                                          <p:spTgt spid="11"/>
+                                        </p:tgtEl>
+                                        <p:attrNameLst>
+                                          <p:attrName>style.visibility</p:attrName>
+                                        </p:attrNameLst>
+                                      </p:cBhvr>
+                                      <p:to>
+                                        <p:strVal val="hidden"/>
+                                      </p:to>
+                                    </p:set>
+                                  </p:subTnLst>
+                                </p:cTn>
+                              </p:par>
+                              <p:par>
+                                <p:cTn id="8" presetID="10" presetClass="entr" presetSubtype="0" fill="hold" nodeType="withEffect">
+                                  <p:stCondLst>
+                                    <p:cond delay="0"/>
+                                  </p:stCondLst>
+                                  <p:childTnLst>
+                                    <p:set>
+                                      <p:cBhvr>
+                                        <p:cTn id="9" dur="1" fill="hold">
+                                          <p:stCondLst>
+                                            <p:cond delay="0"/>
+                                          </p:stCondLst>
+                                        </p:cTn>
+                                        <p:tgtEl>
+                                          <p:spTgt spid="8"/>
+                                        </p:tgtEl>
+                                        <p:attrNameLst>
+                                          <p:attrName>style.visibility</p:attrName>
+                                        </p:attrNameLst>
+                                      </p:cBhvr>
+                                      <p:to>
+                                        <p:strVal val="visible"/>
+                                      </p:to>
+                                    </p:set>
+                                    <p:animEffect transition="in" filter="fade">
+                                      <p:cBhvr>
+                                        <p:cTn id="10" dur="500"/>
+                                        <p:tgtEl>
+                                          <p:spTgt spid="8"/>
+                                        </p:tgtEl>
+                                      </p:cBhvr>
+                                    </p:animEffect>
+                                  </p:childTnLst>
+                                  <p:subTnLst>
+                                    <p:set>
+                                      <p:cBhvr override="childStyle">
+                                        <p:cTn dur="1" fill="hold" display="0" masterRel="nextClick" afterEffect="1"/>
+                                        <p:tgtEl>
+                                          <p:spTgt spid="8"/>
+                                        </p:tgtEl>
+                                        <p:attrNameLst>
+                                          <p:attrName>style.visibility</p:attrName>
+                                        </p:attrNameLst>
+                                      </p:cBhvr>
+                                      <p:to>
+                                        <p:strVal val="hidden"/>
+                                      </p:to>
+                                    </p:set>
+                                  </p:subTnLst>
+                                </p:cTn>
+                              </p:par>
+                            </p:childTnLst>
+                          </p:cTn>
+                        </p:par>
+                      </p:childTnLst>
+                    </p:cTn>
+                  </p:par>
+                  <p:par>
+                    <p:cTn id="11" fill="hold">
+                      <p:stCondLst>
+                        <p:cond delay="indefinite"/>
+                      </p:stCondLst>
+                      <p:childTnLst>
+                        <p:par>
+                          <p:cTn id="12" fill="hold">
+                            <p:stCondLst>
+                              <p:cond delay="0"/>
+                            </p:stCondLst>
+                            <p:childTnLst>
+                              <p:par>
+                                <p:cTn id="13" presetID="10" presetClass="entr" presetSubtype="0" fill="hold" grpId="0" nodeType="clickEffect">
+                                  <p:stCondLst>
+                                    <p:cond delay="0"/>
+                                  </p:stCondLst>
+                                  <p:childTnLst>
+                                    <p:set>
+                                      <p:cBhvr>
+                                        <p:cTn id="14" dur="1" fill="hold">
+                                          <p:stCondLst>
+                                            <p:cond delay="0"/>
+                                          </p:stCondLst>
+                                        </p:cTn>
+                                        <p:tgtEl>
+                                          <p:spTgt spid="16"/>
+                                        </p:tgtEl>
+                                        <p:attrNameLst>
+                                          <p:attrName>style.visibility</p:attrName>
+                                        </p:attrNameLst>
+                                      </p:cBhvr>
+                                      <p:to>
+                                        <p:strVal val="visible"/>
+                                      </p:to>
+                                    </p:set>
+                                    <p:animEffect transition="in" filter="fade">
+                                      <p:cBhvr>
+                                        <p:cTn id="15" dur="500"/>
+                                        <p:tgtEl>
+                                          <p:spTgt spid="16"/>
+                                        </p:tgtEl>
+                                      </p:cBhvr>
+                                    </p:animEffect>
+                                  </p:childTnLst>
+                                  <p:subTnLst>
+                                    <p:set>
+                                      <p:cBhvr override="childStyle">
+                                        <p:cTn dur="1" fill="hold" display="0" masterRel="nextClick" afterEffect="1"/>
+                                        <p:tgtEl>
+                                          <p:spTgt spid="16"/>
+                                        </p:tgtEl>
+                                        <p:attrNameLst>
+                                          <p:attrName>style.visibility</p:attrName>
+                                        </p:attrNameLst>
+                                      </p:cBhvr>
+                                      <p:to>
+                                        <p:strVal val="hidden"/>
+                                      </p:to>
+                                    </p:set>
+                                  </p:subTnLst>
+                                </p:cTn>
+                              </p:par>
+                              <p:par>
+                                <p:cTn id="16" presetID="10" presetClass="entr" presetSubtype="0" fill="hold" nodeType="withEffect">
+                                  <p:stCondLst>
+                                    <p:cond delay="0"/>
+                                  </p:stCondLst>
+                                  <p:childTnLst>
+                                    <p:set>
+                                      <p:cBhvr>
+                                        <p:cTn id="17" dur="1" fill="hold">
+                                          <p:stCondLst>
+                                            <p:cond delay="0"/>
+                                          </p:stCondLst>
+                                        </p:cTn>
+                                        <p:tgtEl>
+                                          <p:spTgt spid="6"/>
+                                        </p:tgtEl>
+                                        <p:attrNameLst>
+                                          <p:attrName>style.visibility</p:attrName>
+                                        </p:attrNameLst>
+                                      </p:cBhvr>
+                                      <p:to>
+                                        <p:strVal val="visible"/>
+                                      </p:to>
+                                    </p:set>
+                                    <p:animEffect transition="in" filter="fade">
+                                      <p:cBhvr>
+                                        <p:cTn id="18" dur="500"/>
+                                        <p:tgtEl>
+                                          <p:spTgt spid="6"/>
+                                        </p:tgtEl>
+                                      </p:cBhvr>
+                                    </p:animEffect>
+                                  </p:childTnLst>
+                                  <p:subTnLst>
+                                    <p:set>
+                                      <p:cBhvr override="childStyle">
+                                        <p:cTn dur="1" fill="hold" display="0" masterRel="nextClick" afterEffect="1"/>
+                                        <p:tgtEl>
+                                          <p:spTgt spid="6"/>
+                                        </p:tgtEl>
+                                        <p:attrNameLst>
+                                          <p:attrName>style.visibility</p:attrName>
+                                        </p:attrNameLst>
+                                      </p:cBhvr>
+                                      <p:to>
+                                        <p:strVal val="hidden"/>
+                                      </p:to>
+                                    </p:set>
+                                  </p:subTnLst>
+                                </p:cTn>
+                              </p:par>
+                            </p:childTnLst>
+                          </p:cTn>
+                        </p:par>
+                      </p:childTnLst>
+                    </p:cTn>
+                  </p:par>
+                  <p:par>
+                    <p:cTn id="19" fill="hold">
+                      <p:stCondLst>
+                        <p:cond delay="indefinite"/>
+                      </p:stCondLst>
+                      <p:childTnLst>
+                        <p:par>
+                          <p:cTn id="20" fill="hold">
+                            <p:stCondLst>
+                              <p:cond delay="0"/>
+                            </p:stCondLst>
+                            <p:childTnLst>
+                              <p:par>
+                                <p:cTn id="21" presetID="10" presetClass="entr" presetSubtype="0" fill="hold" grpId="0" nodeType="clickEffect">
+                                  <p:stCondLst>
+                                    <p:cond delay="0"/>
+                                  </p:stCondLst>
+                                  <p:childTnLst>
+                                    <p:set>
+                                      <p:cBhvr>
+                                        <p:cTn id="22" dur="1" fill="hold">
+                                          <p:stCondLst>
+                                            <p:cond delay="0"/>
+                                          </p:stCondLst>
+                                        </p:cTn>
+                                        <p:tgtEl>
+                                          <p:spTgt spid="13"/>
+                                        </p:tgtEl>
+                                        <p:attrNameLst>
+                                          <p:attrName>style.visibility</p:attrName>
+                                        </p:attrNameLst>
+                                      </p:cBhvr>
+                                      <p:to>
+                                        <p:strVal val="visible"/>
+                                      </p:to>
+                                    </p:set>
+                                    <p:animEffect transition="in" filter="fade">
+                                      <p:cBhvr>
+                                        <p:cTn id="23" dur="500"/>
+                                        <p:tgtEl>
+                                          <p:spTgt spid="13"/>
+                                        </p:tgtEl>
+                                      </p:cBhvr>
+                                    </p:animEffect>
+                                  </p:childTnLst>
+                                  <p:subTnLst>
+                                    <p:set>
+                                      <p:cBhvr override="childStyle">
+                                        <p:cTn dur="1" fill="hold" display="0" masterRel="nextClick" afterEffect="1"/>
+                                        <p:tgtEl>
+                                          <p:spTgt spid="13"/>
+                                        </p:tgtEl>
+                                        <p:attrNameLst>
+                                          <p:attrName>style.visibility</p:attrName>
+                                        </p:attrNameLst>
+                                      </p:cBhvr>
+                                      <p:to>
+                                        <p:strVal val="hidden"/>
+                                      </p:to>
+                                    </p:set>
+                                  </p:subTnLst>
+                                </p:cTn>
+                              </p:par>
+                              <p:par>
+                                <p:cTn id="24" presetID="10" presetClass="entr" presetSubtype="0" fill="hold" nodeType="withEffect">
+                                  <p:stCondLst>
+                                    <p:cond delay="0"/>
+                                  </p:stCondLst>
+                                  <p:childTnLst>
+                                    <p:set>
+                                      <p:cBhvr>
+                                        <p:cTn id="25" dur="1" fill="hold">
+                                          <p:stCondLst>
+                                            <p:cond delay="0"/>
+                                          </p:stCondLst>
+                                        </p:cTn>
+                                        <p:tgtEl>
+                                          <p:spTgt spid="7"/>
+                                        </p:tgtEl>
+                                        <p:attrNameLst>
+                                          <p:attrName>style.visibility</p:attrName>
+                                        </p:attrNameLst>
+                                      </p:cBhvr>
+                                      <p:to>
+                                        <p:strVal val="visible"/>
+                                      </p:to>
+                                    </p:set>
+                                    <p:animEffect transition="in" filter="fade">
+                                      <p:cBhvr>
+                                        <p:cTn id="26" dur="500"/>
+                                        <p:tgtEl>
+                                          <p:spTgt spid="7"/>
+                                        </p:tgtEl>
+                                      </p:cBhvr>
+                                    </p:animEffect>
+                                  </p:childTnLst>
+                                  <p:subTnLst>
+                                    <p:set>
+                                      <p:cBhvr override="childStyle">
+                                        <p:cTn dur="1" fill="hold" display="0" masterRel="nextClick" afterEffect="1"/>
+                                        <p:tgtEl>
+                                          <p:spTgt spid="7"/>
+                                        </p:tgtEl>
+                                        <p:attrNameLst>
+                                          <p:attrName>style.visibility</p:attrName>
+                                        </p:attrNameLst>
+                                      </p:cBhvr>
+                                      <p:to>
+                                        <p:strVal val="hidden"/>
+                                      </p:to>
+                                    </p:set>
+                                  </p:subTnLst>
+                                </p:cTn>
+                              </p:par>
+                            </p:childTnLst>
+                          </p:cTn>
+                        </p:par>
+                      </p:childTnLst>
+                    </p:cTn>
+                  </p:par>
+                  <p:par>
+                    <p:cTn id="27" fill="hold">
+                      <p:stCondLst>
+                        <p:cond delay="indefinite"/>
+                      </p:stCondLst>
+                      <p:childTnLst>
+                        <p:par>
+                          <p:cTn id="28" fill="hold">
+                            <p:stCondLst>
+                              <p:cond delay="0"/>
+                            </p:stCondLst>
+                            <p:childTnLst>
+                              <p:par>
+                                <p:cTn id="29" presetID="10" presetClass="entr" presetSubtype="0" fill="hold" grpId="0" nodeType="clickEffect">
+                                  <p:stCondLst>
+                                    <p:cond delay="0"/>
+                                  </p:stCondLst>
+                                  <p:childTnLst>
+                                    <p:set>
+                                      <p:cBhvr>
+                                        <p:cTn id="30" dur="1" fill="hold">
+                                          <p:stCondLst>
+                                            <p:cond delay="0"/>
+                                          </p:stCondLst>
+                                        </p:cTn>
+                                        <p:tgtEl>
+                                          <p:spTgt spid="15"/>
+                                        </p:tgtEl>
+                                        <p:attrNameLst>
+                                          <p:attrName>style.visibility</p:attrName>
+                                        </p:attrNameLst>
+                                      </p:cBhvr>
+                                      <p:to>
+                                        <p:strVal val="visible"/>
+                                      </p:to>
+                                    </p:set>
+                                    <p:animEffect transition="in" filter="fade">
+                                      <p:cBhvr>
+                                        <p:cTn id="31" dur="500"/>
+                                        <p:tgtEl>
+                                          <p:spTgt spid="15"/>
+                                        </p:tgtEl>
+                                      </p:cBhvr>
+                                    </p:animEffect>
+                                  </p:childTnLst>
+                                </p:cTn>
+                              </p:par>
+                              <p:par>
+                                <p:cTn id="32" presetID="10" presetClass="entr" presetSubtype="0" fill="hold" nodeType="withEffect">
+                                  <p:stCondLst>
+                                    <p:cond delay="0"/>
+                                  </p:stCondLst>
+                                  <p:childTnLst>
+                                    <p:set>
+                                      <p:cBhvr>
+                                        <p:cTn id="33" dur="1" fill="hold">
+                                          <p:stCondLst>
+                                            <p:cond delay="0"/>
+                                          </p:stCondLst>
+                                        </p:cTn>
+                                        <p:tgtEl>
+                                          <p:spTgt spid="9"/>
+                                        </p:tgtEl>
+                                        <p:attrNameLst>
+                                          <p:attrName>style.visibility</p:attrName>
+                                        </p:attrNameLst>
+                                      </p:cBhvr>
+                                      <p:to>
+                                        <p:strVal val="visible"/>
+                                      </p:to>
+                                    </p:set>
+                                    <p:animEffect transition="in" filter="fade">
+                                      <p:cBhvr>
+                                        <p:cTn id="34" dur="500"/>
+                                        <p:tgtEl>
+                                          <p:spTgt spid="9"/>
+                                        </p:tgtEl>
+                                      </p:cBhvr>
+                                    </p:animEffect>
+                                  </p:childTnLst>
+                                </p:cTn>
+                              </p:par>
+                            </p:childTnLst>
+                          </p:cTn>
+                        </p:par>
+                      </p:childTnLst>
+                    </p:cTn>
+                  </p:par>
+                </p:childTnLst>
+              </p:cTn>
+              <p:prevCondLst>
+                <p:cond evt="onPrev" delay="0">
+                  <p:tgtEl>
+                    <p:sldTgt/>
+                  </p:tgtEl>
+                </p:cond>
+              </p:prevCondLst>
+              <p:nextCondLst>
+                <p:cond evt="onNext" delay="0">
+                  <p:tgtEl>
+                    <p:sldTgt/>
+                  </p:tgtEl>
+                </p:cond>
+              </p:nextCondLst>
+            </p:seq>
+          </p:childTnLst>
+        </p:cTn>
+      </p:par>
+    </p:tnLst>
+    <p:bldLst>
+      <p:bldP spid="11" grpId="0"/>
+      <p:bldP spid="13" grpId="0"/>
+      <p:bldP spid="15" grpId="0"/>
+      <p:bldP spid="16" grpId="0"/>
+    </p:bldLst>
+  </p:timing>
+</p:sld>
+</file>
+
+<file path=ppt/slides/slide36.xml><?xml version="1.0" encoding="utf-8"?>
+<p:sld xmlns:a="http://schemas.openxmlformats.org/drawingml/2006/main" xmlns:r="http://schemas.openxmlformats.org/officeDocument/2006/relationships" xmlns:p="http://schemas.openxmlformats.org/presentationml/2006/main">
+  <p:cSld>
+    <p:spTree>
+      <p:nvGrpSpPr>
+        <p:cNvPr id="1" name=""/>
+        <p:cNvGrpSpPr/>
+        <p:nvPr/>
+      </p:nvGrpSpPr>
+      <p:grpSpPr>
+        <a:xfrm>
+          <a:off x="0" y="0"/>
+          <a:ext cx="0" cy="0"/>
+          <a:chOff x="0" y="0"/>
+          <a:chExt cx="0" cy="0"/>
+        </a:xfrm>
+      </p:grpSpPr>
+      <p:sp>
+        <p:nvSpPr>
+          <p:cNvPr id="2" name="1 Marcador de contenido"/>
+          <p:cNvSpPr>
+            <a:spLocks noGrp="1"/>
+          </p:cNvSpPr>
+          <p:nvPr>
+            <p:ph idx="1"/>
+          </p:nvPr>
+        </p:nvSpPr>
+        <p:spPr>
+          <a:xfrm>
+            <a:off x="395536" y="1481328"/>
+            <a:ext cx="8424936" cy="4525963"/>
+          </a:xfrm>
+        </p:spPr>
+        <p:txBody>
+          <a:bodyPr/>
+          <a:lstStyle/>
+          <a:p>
+            <a:r>
+              <a:rPr lang="es-ES" dirty="0" smtClean="0"/>
+              <a:t>En </a:t>
+            </a:r>
+            <a:r>
+              <a:rPr lang="es-ES" dirty="0" err="1" smtClean="0"/>
+              <a:t>OpenGL</a:t>
+            </a:r>
+            <a:r>
+              <a:rPr lang="es-ES" dirty="0" smtClean="0"/>
+              <a:t> no existe el concepto de “cámara”.</a:t>
+            </a:r>
+          </a:p>
+          <a:p>
+            <a:r>
+              <a:rPr lang="es-ES" dirty="0" smtClean="0"/>
+              <a:t>Definimos “cámara” como un punto en el espacio a través del cual se visualiza la escena.</a:t>
+            </a:r>
+            <a:endParaRPr lang="es-ES" dirty="0"/>
+          </a:p>
+        </p:txBody>
+      </p:sp>
+      <p:sp>
+        <p:nvSpPr>
+          <p:cNvPr id="3" name="2 Marcador de número de diapositiva"/>
+          <p:cNvSpPr>
+            <a:spLocks noGrp="1"/>
+          </p:cNvSpPr>
+          <p:nvPr>
+            <p:ph type="sldNum" sz="quarter" idx="12"/>
+          </p:nvPr>
+        </p:nvSpPr>
+        <p:spPr/>
+        <p:txBody>
+          <a:bodyPr/>
+          <a:lstStyle/>
+          <a:p>
+            <a:fld id="{B48C6472-4FB6-4C69-A920-C8307D2FB374}" type="slidenum">
+              <a:rPr lang="es-ES" smtClean="0"/>
+              <a:t>36</a:t>
+            </a:fld>
+            <a:endParaRPr lang="es-ES"/>
+          </a:p>
+        </p:txBody>
+      </p:sp>
+      <p:sp>
+        <p:nvSpPr>
+          <p:cNvPr id="5" name="2 Título"/>
+          <p:cNvSpPr>
+            <a:spLocks noGrp="1"/>
+          </p:cNvSpPr>
+          <p:nvPr>
+            <p:ph type="title"/>
+          </p:nvPr>
+        </p:nvSpPr>
+        <p:spPr>
+          <a:xfrm>
+            <a:off x="395536" y="260648"/>
+            <a:ext cx="8435280" cy="1143000"/>
+          </a:xfrm>
+        </p:spPr>
+        <p:txBody>
+          <a:bodyPr>
+            <a:normAutofit fontScale="90000"/>
+          </a:bodyPr>
+          <a:lstStyle/>
+          <a:p>
+            <a:r>
+              <a:rPr lang="es-ES" sz="2200" dirty="0"/>
+              <a:t>Resultados</a:t>
+            </a:r>
+            <a:r>
+              <a:rPr lang="es-ES" dirty="0"/>
+              <a:t/>
+            </a:r>
+            <a:br>
+              <a:rPr lang="es-ES" dirty="0"/>
+            </a:br>
+            <a:r>
+              <a:rPr lang="es-ES" dirty="0"/>
+              <a:t>Motor </a:t>
+            </a:r>
+            <a:r>
+              <a:rPr lang="es-ES" dirty="0" smtClean="0"/>
+              <a:t>gráfico: Metáfora de cámara</a:t>
+            </a:r>
+            <a:endParaRPr lang="es-ES" dirty="0"/>
+          </a:p>
+        </p:txBody>
+      </p:sp>
+      <p:pic>
+        <p:nvPicPr>
+          <p:cNvPr id="6" name="5 Imagen"/>
+          <p:cNvPicPr>
+            <a:picLocks noChangeAspect="1"/>
+          </p:cNvPicPr>
+          <p:nvPr/>
+        </p:nvPicPr>
+        <p:blipFill>
+          <a:blip r:embed="rId2" cstate="print">
+            <a:extLst>
+              <a:ext uri="{28A0092B-C50C-407E-A947-70E740481C1C}">
+                <a14:useLocalDpi xmlns:a14="http://schemas.microsoft.com/office/drawing/2010/main" val="0"/>
+              </a:ext>
+            </a:extLst>
+          </a:blip>
+          <a:stretch>
+            <a:fillRect/>
+          </a:stretch>
+        </p:blipFill>
+        <p:spPr>
+          <a:xfrm>
+            <a:off x="3347864" y="3175195"/>
+            <a:ext cx="2880320" cy="2724627"/>
+          </a:xfrm>
+          <a:prstGeom prst="rect">
+            <a:avLst/>
+          </a:prstGeom>
+        </p:spPr>
+      </p:pic>
+      <p:pic>
+        <p:nvPicPr>
+          <p:cNvPr id="7" name="6 Imagen"/>
+          <p:cNvPicPr>
+            <a:picLocks noChangeAspect="1"/>
+          </p:cNvPicPr>
+          <p:nvPr/>
+        </p:nvPicPr>
+        <p:blipFill>
+          <a:blip r:embed="rId3" cstate="print">
+            <a:extLst>
+              <a:ext uri="{28A0092B-C50C-407E-A947-70E740481C1C}">
+                <a14:useLocalDpi xmlns:a14="http://schemas.microsoft.com/office/drawing/2010/main" val="0"/>
+              </a:ext>
+            </a:extLst>
+          </a:blip>
+          <a:stretch>
+            <a:fillRect/>
+          </a:stretch>
+        </p:blipFill>
+        <p:spPr>
+          <a:xfrm>
+            <a:off x="1691680" y="2924944"/>
+            <a:ext cx="2592288" cy="3225131"/>
+          </a:xfrm>
+          <a:prstGeom prst="rect">
+            <a:avLst/>
+          </a:prstGeom>
+        </p:spPr>
+      </p:pic>
+      <mc:AlternateContent xmlns:mc="http://schemas.openxmlformats.org/markup-compatibility/2006">
+        <mc:Choice xmlns:a14="http://schemas.microsoft.com/office/drawing/2010/main" Requires="a14">
+          <p:sp>
+            <p:nvSpPr>
+              <p:cNvPr id="9" name="8 CuadroTexto"/>
+              <p:cNvSpPr txBox="1"/>
+              <p:nvPr/>
+            </p:nvSpPr>
+            <p:spPr>
+              <a:xfrm>
+                <a:off x="4788024" y="3193806"/>
+                <a:ext cx="3399777" cy="391261"/>
+              </a:xfrm>
+              <a:prstGeom prst="rect">
+                <a:avLst/>
+              </a:prstGeom>
+              <a:noFill/>
+            </p:spPr>
+            <p:txBody>
+              <a:bodyPr wrap="none" rtlCol="0">
+                <a:spAutoFit/>
+              </a:bodyPr>
+              <a:lstStyle/>
+              <a:p>
+                <a14:m>
+                  <m:oMath xmlns:m="http://schemas.openxmlformats.org/officeDocument/2006/math">
+                    <m:sSub>
+                      <m:sSubPr>
+                        <m:ctrlPr>
+                          <a:rPr lang="es-ES" b="0" i="1" smtClean="0">
+                            <a:latin typeface="Cambria Math"/>
+                          </a:rPr>
+                        </m:ctrlPr>
+                      </m:sSubPr>
+                      <m:e>
+                        <m:r>
+                          <a:rPr lang="es-ES" b="0" i="1" smtClean="0">
+                            <a:latin typeface="Cambria Math"/>
+                          </a:rPr>
+                          <m:t>𝑓𝑟𝑒𝑛𝑡𝑒</m:t>
+                        </m:r>
+                      </m:e>
+                      <m:sub>
+                        <m:r>
+                          <a:rPr lang="es-ES" b="0" i="1" smtClean="0">
+                            <a:latin typeface="Cambria Math"/>
+                          </a:rPr>
+                          <m:t>1</m:t>
+                        </m:r>
+                      </m:sub>
+                    </m:sSub>
+                    <m:r>
+                      <a:rPr lang="es-ES" b="0" i="1" smtClean="0">
+                        <a:latin typeface="Cambria Math"/>
+                      </a:rPr>
+                      <m:t>=</m:t>
+                    </m:r>
+                    <m:sSub>
+                      <m:sSubPr>
+                        <m:ctrlPr>
+                          <a:rPr lang="es-ES" b="0" i="1" smtClean="0">
+                            <a:latin typeface="Cambria Math"/>
+                          </a:rPr>
+                        </m:ctrlPr>
+                      </m:sSubPr>
+                      <m:e>
+                        <m:r>
+                          <a:rPr lang="es-ES" b="0" i="1" smtClean="0">
+                            <a:latin typeface="Cambria Math"/>
+                          </a:rPr>
+                          <m:t>𝑓𝑟𝑒𝑛𝑡𝑒</m:t>
+                        </m:r>
+                      </m:e>
+                      <m:sub>
+                        <m:r>
+                          <a:rPr lang="es-ES" b="0" i="1" smtClean="0">
+                            <a:latin typeface="Cambria Math"/>
+                          </a:rPr>
+                          <m:t>1</m:t>
+                        </m:r>
+                        <m:r>
+                          <a:rPr lang="es-ES" b="0" i="1" smtClean="0">
+                            <a:latin typeface="Cambria Math"/>
+                          </a:rPr>
+                          <m:t>𝑥</m:t>
+                        </m:r>
+                      </m:sub>
+                    </m:sSub>
+                    <m:r>
+                      <a:rPr lang="es-ES" b="0" i="1" smtClean="0">
+                        <a:latin typeface="Cambria Math"/>
+                      </a:rPr>
+                      <m:t>+</m:t>
+                    </m:r>
+                    <m:sSub>
+                      <m:sSubPr>
+                        <m:ctrlPr>
+                          <a:rPr lang="es-ES" b="0" i="1" smtClean="0">
+                            <a:latin typeface="Cambria Math"/>
+                          </a:rPr>
+                        </m:ctrlPr>
+                      </m:sSubPr>
+                      <m:e>
+                        <m:r>
+                          <a:rPr lang="es-ES" b="0" i="1" smtClean="0">
+                            <a:latin typeface="Cambria Math"/>
+                          </a:rPr>
+                          <m:t>𝑓𝑟𝑒𝑛𝑡𝑒</m:t>
+                        </m:r>
+                      </m:e>
+                      <m:sub>
+                        <m:r>
+                          <a:rPr lang="es-ES" b="0" i="1" smtClean="0">
+                            <a:latin typeface="Cambria Math"/>
+                          </a:rPr>
+                          <m:t>1</m:t>
+                        </m:r>
+                        <m:r>
+                          <a:rPr lang="es-ES" b="0" i="1" smtClean="0">
+                            <a:latin typeface="Cambria Math"/>
+                          </a:rPr>
+                          <m:t>𝑦</m:t>
+                        </m:r>
+                      </m:sub>
+                    </m:sSub>
+                  </m:oMath>
+                </a14:m>
+                <a:r>
+                  <a:rPr lang="es-ES" dirty="0" smtClean="0"/>
+                  <a:t> </a:t>
+                </a:r>
+                <a:endParaRPr lang="es-ES" dirty="0"/>
+              </a:p>
+            </p:txBody>
+          </p:sp>
+        </mc:Choice>
+        <mc:Fallback>
+          <p:sp>
+            <p:nvSpPr>
+              <p:cNvPr id="9" name="8 CuadroTexto"/>
+              <p:cNvSpPr txBox="1">
+                <a:spLocks noRot="1" noChangeAspect="1" noMove="1" noResize="1" noEditPoints="1" noAdjustHandles="1" noChangeArrowheads="1" noChangeShapeType="1" noTextEdit="1"/>
+              </p:cNvSpPr>
+              <p:nvPr/>
+            </p:nvSpPr>
+            <p:spPr>
+              <a:xfrm>
+                <a:off x="4788024" y="3193806"/>
+                <a:ext cx="3399777" cy="391261"/>
+              </a:xfrm>
+              <a:prstGeom prst="rect">
+                <a:avLst/>
+              </a:prstGeom>
+              <a:blipFill rotWithShape="1">
+                <a:blip r:embed="rId4"/>
+                <a:stretch>
+                  <a:fillRect l="-358" b="-7813"/>
+                </a:stretch>
+              </a:blipFill>
+            </p:spPr>
+            <p:txBody>
+              <a:bodyPr/>
+              <a:lstStyle/>
+              <a:p>
+                <a:r>
+                  <a:rPr lang="es-ES">
+                    <a:noFill/>
+                  </a:rPr>
+                  <a:t> </a:t>
+                </a:r>
+              </a:p>
+            </p:txBody>
+          </p:sp>
+        </mc:Fallback>
+      </mc:AlternateContent>
+      <mc:AlternateContent xmlns:mc="http://schemas.openxmlformats.org/markup-compatibility/2006">
+        <mc:Choice xmlns:a14="http://schemas.microsoft.com/office/drawing/2010/main" Requires="a14">
+          <p:sp>
+            <p:nvSpPr>
+              <p:cNvPr id="10" name="9 CuadroTexto"/>
+              <p:cNvSpPr txBox="1"/>
+              <p:nvPr/>
+            </p:nvSpPr>
+            <p:spPr>
+              <a:xfrm>
+                <a:off x="4656919" y="4005064"/>
+                <a:ext cx="3142527" cy="369332"/>
+              </a:xfrm>
+              <a:prstGeom prst="rect">
+                <a:avLst/>
+              </a:prstGeom>
+              <a:noFill/>
+            </p:spPr>
+            <p:txBody>
+              <a:bodyPr wrap="none" rtlCol="0">
+                <a:spAutoFit/>
+              </a:bodyPr>
+              <a:lstStyle/>
+              <a:p>
+                <a14:m>
+                  <m:oMathPara xmlns:m="http://schemas.openxmlformats.org/officeDocument/2006/math">
+                    <m:oMathParaPr>
+                      <m:jc m:val="centerGroup"/>
+                    </m:oMathParaPr>
+                    <m:oMath xmlns:m="http://schemas.openxmlformats.org/officeDocument/2006/math">
+                      <m:sSub>
+                        <m:sSubPr>
+                          <m:ctrlPr>
+                            <a:rPr lang="es-ES" i="1" smtClean="0">
+                              <a:latin typeface="Cambria Math"/>
+                            </a:rPr>
+                          </m:ctrlPr>
+                        </m:sSubPr>
+                        <m:e>
+                          <m:r>
+                            <a:rPr lang="es-ES" b="0" i="1" smtClean="0">
+                              <a:latin typeface="Cambria Math"/>
+                            </a:rPr>
+                            <m:t>𝑓𝑟𝑒𝑛𝑡𝑒</m:t>
+                          </m:r>
+                        </m:e>
+                        <m:sub>
+                          <m:r>
+                            <a:rPr lang="es-ES" b="0" i="1" smtClean="0">
+                              <a:latin typeface="Cambria Math"/>
+                            </a:rPr>
+                            <m:t>1</m:t>
+                          </m:r>
+                          <m:r>
+                            <a:rPr lang="es-ES" b="0" i="1" smtClean="0">
+                              <a:latin typeface="Cambria Math"/>
+                            </a:rPr>
+                            <m:t>𝑥</m:t>
+                          </m:r>
+                        </m:sub>
+                      </m:sSub>
+                      <m:r>
+                        <a:rPr lang="es-ES" b="0" i="1" smtClean="0">
+                          <a:latin typeface="Cambria Math"/>
+                        </a:rPr>
+                        <m:t>=</m:t>
+                      </m:r>
+                      <m:sSub>
+                        <m:sSubPr>
+                          <m:ctrlPr>
+                            <a:rPr lang="es-ES" b="0" i="1" smtClean="0">
+                              <a:latin typeface="Cambria Math"/>
+                            </a:rPr>
+                          </m:ctrlPr>
+                        </m:sSubPr>
+                        <m:e>
+                          <m:r>
+                            <a:rPr lang="es-ES" b="0" i="1" smtClean="0">
+                              <a:latin typeface="Cambria Math"/>
+                            </a:rPr>
+                            <m:t>𝑑𝑒𝑟𝑒𝑐h𝑎</m:t>
+                          </m:r>
+                        </m:e>
+                        <m:sub>
+                          <m:r>
+                            <a:rPr lang="es-ES" b="0" i="1" smtClean="0">
+                              <a:latin typeface="Cambria Math"/>
+                            </a:rPr>
+                            <m:t>0</m:t>
+                          </m:r>
+                        </m:sub>
+                      </m:sSub>
+                      <m:r>
+                        <a:rPr lang="es-ES" b="0" i="1" smtClean="0">
+                          <a:latin typeface="Cambria Math"/>
+                        </a:rPr>
+                        <m:t>∗</m:t>
+                      </m:r>
+                      <m:func>
+                        <m:funcPr>
+                          <m:ctrlPr>
+                            <a:rPr lang="es-ES" b="0" i="1" smtClean="0">
+                              <a:latin typeface="Cambria Math"/>
+                            </a:rPr>
+                          </m:ctrlPr>
+                        </m:funcPr>
+                        <m:fName>
+                          <m:r>
+                            <m:rPr>
+                              <m:sty m:val="p"/>
+                            </m:rPr>
+                            <a:rPr lang="es-ES" b="0" i="0" smtClean="0">
+                              <a:latin typeface="Cambria Math"/>
+                            </a:rPr>
+                            <m:t>sin</m:t>
+                          </m:r>
+                        </m:fName>
+                        <m:e>
+                          <m:r>
+                            <a:rPr lang="el-GR" i="1">
+                              <a:latin typeface="Cambria Math"/>
+                            </a:rPr>
+                            <m:t>𝛼</m:t>
+                          </m:r>
+                        </m:e>
+                      </m:func>
+                    </m:oMath>
+                  </m:oMathPara>
+                </a14:m>
+                <a:endParaRPr lang="es-ES" dirty="0"/>
+              </a:p>
+            </p:txBody>
+          </p:sp>
+        </mc:Choice>
+        <mc:Fallback>
+          <p:sp>
+            <p:nvSpPr>
+              <p:cNvPr id="10" name="9 CuadroTexto"/>
+              <p:cNvSpPr txBox="1">
+                <a:spLocks noRot="1" noChangeAspect="1" noMove="1" noResize="1" noEditPoints="1" noAdjustHandles="1" noChangeArrowheads="1" noChangeShapeType="1" noTextEdit="1"/>
+              </p:cNvSpPr>
+              <p:nvPr/>
+            </p:nvSpPr>
+            <p:spPr>
+              <a:xfrm>
+                <a:off x="4656919" y="4005064"/>
+                <a:ext cx="3142527" cy="369332"/>
+              </a:xfrm>
+              <a:prstGeom prst="rect">
+                <a:avLst/>
+              </a:prstGeom>
+              <a:blipFill rotWithShape="1">
+                <a:blip r:embed="rId5"/>
+                <a:stretch>
+                  <a:fillRect b="-8197"/>
+                </a:stretch>
+              </a:blipFill>
+            </p:spPr>
+            <p:txBody>
+              <a:bodyPr/>
+              <a:lstStyle/>
+              <a:p>
+                <a:r>
+                  <a:rPr lang="es-ES">
+                    <a:noFill/>
+                  </a:rPr>
+                  <a:t> </a:t>
+                </a:r>
+              </a:p>
+            </p:txBody>
+          </p:sp>
+        </mc:Fallback>
+      </mc:AlternateContent>
+      <mc:AlternateContent xmlns:mc="http://schemas.openxmlformats.org/markup-compatibility/2006">
+        <mc:Choice xmlns:a14="http://schemas.microsoft.com/office/drawing/2010/main" Requires="a14">
+          <p:sp>
+            <p:nvSpPr>
+              <p:cNvPr id="11" name="10 CuadroTexto"/>
+              <p:cNvSpPr txBox="1"/>
+              <p:nvPr/>
+            </p:nvSpPr>
+            <p:spPr>
+              <a:xfrm>
+                <a:off x="4932040" y="3585067"/>
+                <a:ext cx="3029612" cy="391261"/>
+              </a:xfrm>
+              <a:prstGeom prst="rect">
+                <a:avLst/>
+              </a:prstGeom>
+              <a:noFill/>
+            </p:spPr>
+            <p:txBody>
+              <a:bodyPr wrap="none" rtlCol="0">
+                <a:spAutoFit/>
+              </a:bodyPr>
+              <a:lstStyle/>
+              <a:p>
+                <a14:m>
+                  <m:oMathPara xmlns:m="http://schemas.openxmlformats.org/officeDocument/2006/math">
+                    <m:oMathParaPr>
+                      <m:jc m:val="centerGroup"/>
+                    </m:oMathParaPr>
+                    <m:oMath xmlns:m="http://schemas.openxmlformats.org/officeDocument/2006/math">
+                      <m:sSub>
+                        <m:sSubPr>
+                          <m:ctrlPr>
+                            <a:rPr lang="es-ES" i="1" smtClean="0">
+                              <a:latin typeface="Cambria Math"/>
+                            </a:rPr>
+                          </m:ctrlPr>
+                        </m:sSubPr>
+                        <m:e>
+                          <m:r>
+                            <a:rPr lang="es-ES" b="0" i="1" smtClean="0">
+                              <a:latin typeface="Cambria Math"/>
+                            </a:rPr>
+                            <m:t>𝑓𝑟𝑒𝑛𝑡𝑒</m:t>
+                          </m:r>
+                        </m:e>
+                        <m:sub>
+                          <m:r>
+                            <a:rPr lang="es-ES" b="0" i="1" smtClean="0">
+                              <a:latin typeface="Cambria Math"/>
+                            </a:rPr>
+                            <m:t>1</m:t>
+                          </m:r>
+                          <m:r>
+                            <a:rPr lang="es-ES" b="0" i="1" smtClean="0">
+                              <a:latin typeface="Cambria Math"/>
+                            </a:rPr>
+                            <m:t>𝑦</m:t>
+                          </m:r>
+                        </m:sub>
+                      </m:sSub>
+                      <m:r>
+                        <a:rPr lang="es-ES" b="0" i="1" smtClean="0">
+                          <a:latin typeface="Cambria Math"/>
+                        </a:rPr>
+                        <m:t>=</m:t>
+                      </m:r>
+                      <m:sSub>
+                        <m:sSubPr>
+                          <m:ctrlPr>
+                            <a:rPr lang="es-ES" b="0" i="1" smtClean="0">
+                              <a:latin typeface="Cambria Math"/>
+                            </a:rPr>
+                          </m:ctrlPr>
+                        </m:sSubPr>
+                        <m:e>
+                          <m:r>
+                            <a:rPr lang="es-ES" b="0" i="1" smtClean="0">
+                              <a:latin typeface="Cambria Math"/>
+                            </a:rPr>
+                            <m:t>𝑓𝑟𝑒𝑛𝑡𝑒</m:t>
+                          </m:r>
+                        </m:e>
+                        <m:sub>
+                          <m:r>
+                            <a:rPr lang="es-ES" b="0" i="1" smtClean="0">
+                              <a:latin typeface="Cambria Math"/>
+                            </a:rPr>
+                            <m:t>0</m:t>
+                          </m:r>
+                        </m:sub>
+                      </m:sSub>
+                      <m:r>
+                        <a:rPr lang="es-ES" b="0" i="1" smtClean="0">
+                          <a:latin typeface="Cambria Math"/>
+                        </a:rPr>
+                        <m:t>∗</m:t>
+                      </m:r>
+                      <m:func>
+                        <m:funcPr>
+                          <m:ctrlPr>
+                            <a:rPr lang="es-ES" b="0" i="1" smtClean="0">
+                              <a:latin typeface="Cambria Math"/>
+                            </a:rPr>
+                          </m:ctrlPr>
+                        </m:funcPr>
+                        <m:fName>
+                          <m:r>
+                            <m:rPr>
+                              <m:sty m:val="p"/>
+                            </m:rPr>
+                            <a:rPr lang="es-ES" b="0" i="0" smtClean="0">
+                              <a:latin typeface="Cambria Math"/>
+                            </a:rPr>
+                            <m:t>cos</m:t>
+                          </m:r>
+                        </m:fName>
+                        <m:e>
+                          <m:r>
+                            <a:rPr lang="el-GR" i="1">
+                              <a:latin typeface="Cambria Math"/>
+                            </a:rPr>
+                            <m:t>𝛼</m:t>
+                          </m:r>
+                        </m:e>
+                      </m:func>
+                    </m:oMath>
+                  </m:oMathPara>
+                </a14:m>
+                <a:endParaRPr lang="es-ES" dirty="0"/>
+              </a:p>
+            </p:txBody>
+          </p:sp>
+        </mc:Choice>
+        <mc:Fallback>
+          <p:sp>
+            <p:nvSpPr>
+              <p:cNvPr id="11" name="10 CuadroTexto"/>
+              <p:cNvSpPr txBox="1">
+                <a:spLocks noRot="1" noChangeAspect="1" noMove="1" noResize="1" noEditPoints="1" noAdjustHandles="1" noChangeArrowheads="1" noChangeShapeType="1" noTextEdit="1"/>
+              </p:cNvSpPr>
+              <p:nvPr/>
+            </p:nvSpPr>
+            <p:spPr>
+              <a:xfrm>
+                <a:off x="4932040" y="3585067"/>
+                <a:ext cx="3029612" cy="391261"/>
+              </a:xfrm>
+              <a:prstGeom prst="rect">
+                <a:avLst/>
+              </a:prstGeom>
+              <a:blipFill rotWithShape="1">
+                <a:blip r:embed="rId6"/>
+                <a:stretch>
+                  <a:fillRect b="-7813"/>
+                </a:stretch>
+              </a:blipFill>
+            </p:spPr>
+            <p:txBody>
+              <a:bodyPr/>
+              <a:lstStyle/>
+              <a:p>
+                <a:r>
+                  <a:rPr lang="es-ES">
+                    <a:noFill/>
+                  </a:rPr>
+                  <a:t> </a:t>
+                </a:r>
+              </a:p>
+            </p:txBody>
+          </p:sp>
+        </mc:Fallback>
+      </mc:AlternateContent>
+      <mc:AlternateContent xmlns:mc="http://schemas.openxmlformats.org/markup-compatibility/2006">
+        <mc:Choice xmlns:a14="http://schemas.microsoft.com/office/drawing/2010/main" Requires="a14">
+          <p:sp>
+            <p:nvSpPr>
+              <p:cNvPr id="12" name="11 CuadroTexto"/>
+              <p:cNvSpPr txBox="1"/>
+              <p:nvPr/>
+            </p:nvSpPr>
+            <p:spPr>
+              <a:xfrm>
+                <a:off x="4932040" y="4537509"/>
+                <a:ext cx="3257495" cy="369332"/>
+              </a:xfrm>
+              <a:prstGeom prst="rect">
+                <a:avLst/>
+              </a:prstGeom>
+              <a:noFill/>
+            </p:spPr>
+            <p:txBody>
+              <a:bodyPr wrap="none" rtlCol="0">
+                <a:spAutoFit/>
+              </a:bodyPr>
+              <a:lstStyle/>
+              <a:p>
+                <a14:m>
+                  <m:oMathPara xmlns:m="http://schemas.openxmlformats.org/officeDocument/2006/math">
+                    <m:oMathParaPr>
+                      <m:jc m:val="centerGroup"/>
+                    </m:oMathParaPr>
+                    <m:oMath xmlns:m="http://schemas.openxmlformats.org/officeDocument/2006/math">
+                      <m:sSub>
+                        <m:sSubPr>
+                          <m:ctrlPr>
+                            <a:rPr lang="es-ES" i="1" smtClean="0">
+                              <a:latin typeface="Cambria Math"/>
+                            </a:rPr>
+                          </m:ctrlPr>
+                        </m:sSubPr>
+                        <m:e>
+                          <m:r>
+                            <a:rPr lang="es-ES" b="0" i="1" smtClean="0">
+                              <a:latin typeface="Cambria Math"/>
+                            </a:rPr>
+                            <m:t>𝑑𝑒𝑟𝑒𝑐h𝑎</m:t>
+                          </m:r>
+                        </m:e>
+                        <m:sub>
+                          <m:r>
+                            <a:rPr lang="es-ES" b="0" i="1" smtClean="0">
+                              <a:latin typeface="Cambria Math"/>
+                            </a:rPr>
+                            <m:t>1</m:t>
+                          </m:r>
+                        </m:sub>
+                      </m:sSub>
+                      <m:r>
+                        <a:rPr lang="es-ES" b="0" i="1" smtClean="0">
+                          <a:latin typeface="Cambria Math"/>
+                        </a:rPr>
+                        <m:t>=</m:t>
+                      </m:r>
+                      <m:sSub>
+                        <m:sSubPr>
+                          <m:ctrlPr>
+                            <a:rPr lang="es-ES" b="0" i="1" smtClean="0">
+                              <a:latin typeface="Cambria Math"/>
+                            </a:rPr>
+                          </m:ctrlPr>
+                        </m:sSubPr>
+                        <m:e>
+                          <m:r>
+                            <a:rPr lang="es-ES" b="0" i="1" smtClean="0">
+                              <a:latin typeface="Cambria Math"/>
+                            </a:rPr>
+                            <m:t>𝑎𝑟𝑟𝑖𝑏𝑎</m:t>
+                          </m:r>
+                        </m:e>
+                        <m:sub>
+                          <m:r>
+                            <a:rPr lang="es-ES" b="0" i="1" smtClean="0">
+                              <a:latin typeface="Cambria Math"/>
+                            </a:rPr>
+                            <m:t>0</m:t>
+                          </m:r>
+                        </m:sub>
+                      </m:sSub>
+                      <m:r>
+                        <a:rPr lang="es-ES" b="0" i="1" smtClean="0">
+                          <a:latin typeface="Cambria Math"/>
+                        </a:rPr>
+                        <m:t>𝑥</m:t>
+                      </m:r>
+                      <m:sSub>
+                        <m:sSubPr>
+                          <m:ctrlPr>
+                            <a:rPr lang="es-ES" b="0" i="1" smtClean="0">
+                              <a:latin typeface="Cambria Math"/>
+                            </a:rPr>
+                          </m:ctrlPr>
+                        </m:sSubPr>
+                        <m:e>
+                          <m:r>
+                            <a:rPr lang="es-ES" b="0" i="1" smtClean="0">
+                              <a:latin typeface="Cambria Math"/>
+                            </a:rPr>
+                            <m:t>𝑓𝑟𝑒𝑛𝑡𝑒</m:t>
+                          </m:r>
+                        </m:e>
+                        <m:sub>
+                          <m:r>
+                            <a:rPr lang="es-ES" b="0" i="1" smtClean="0">
+                              <a:latin typeface="Cambria Math"/>
+                            </a:rPr>
+                            <m:t>1</m:t>
+                          </m:r>
+                        </m:sub>
+                      </m:sSub>
+                    </m:oMath>
+                  </m:oMathPara>
+                </a14:m>
+                <a:endParaRPr lang="es-ES" dirty="0"/>
+              </a:p>
+            </p:txBody>
+          </p:sp>
+        </mc:Choice>
+        <mc:Fallback>
+          <p:sp>
+            <p:nvSpPr>
+              <p:cNvPr id="12" name="11 CuadroTexto"/>
+              <p:cNvSpPr txBox="1">
+                <a:spLocks noRot="1" noChangeAspect="1" noMove="1" noResize="1" noEditPoints="1" noAdjustHandles="1" noChangeArrowheads="1" noChangeShapeType="1" noTextEdit="1"/>
+              </p:cNvSpPr>
+              <p:nvPr/>
+            </p:nvSpPr>
+            <p:spPr>
+              <a:xfrm>
+                <a:off x="4932040" y="4537509"/>
+                <a:ext cx="3257495" cy="369332"/>
+              </a:xfrm>
+              <a:prstGeom prst="rect">
+                <a:avLst/>
+              </a:prstGeom>
+              <a:blipFill rotWithShape="1">
+                <a:blip r:embed="rId7"/>
+                <a:stretch>
+                  <a:fillRect b="-8197"/>
+                </a:stretch>
+              </a:blipFill>
+            </p:spPr>
+            <p:txBody>
+              <a:bodyPr/>
+              <a:lstStyle/>
+              <a:p>
+                <a:r>
+                  <a:rPr lang="es-ES">
+                    <a:noFill/>
+                  </a:rPr>
+                  <a:t> </a:t>
+                </a:r>
+              </a:p>
+            </p:txBody>
+          </p:sp>
+        </mc:Fallback>
+      </mc:AlternateContent>
+    </p:spTree>
+    <p:extLst>
+      <p:ext uri="{BB962C8B-B14F-4D97-AF65-F5344CB8AC3E}">
+        <p14:creationId xmlns:p14="http://schemas.microsoft.com/office/powerpoint/2010/main" val="2482857495"/>
+      </p:ext>
+    </p:extLst>
+  </p:cSld>
+  <p:clrMapOvr>
+    <a:masterClrMapping/>
+  </p:clrMapOvr>
+  <p:timing>
+    <p:tnLst>
+      <p:par>
+        <p:cTn id="1" dur="indefinite" restart="never" nodeType="tmRoot">
+          <p:childTnLst>
+            <p:seq concurrent="1" nextAc="seek">
+              <p:cTn id="2" dur="indefinite" nodeType="mainSeq">
+                <p:childTnLst>
+                  <p:par>
+                    <p:cTn id="3" fill="hold">
+                      <p:stCondLst>
+                        <p:cond delay="indefinite"/>
+                      </p:stCondLst>
+                      <p:childTnLst>
+                        <p:par>
+                          <p:cTn id="4" fill="hold">
+                            <p:stCondLst>
+                              <p:cond delay="0"/>
+                            </p:stCondLst>
+                            <p:childTnLst>
+                              <p:par>
+                                <p:cTn id="5" presetID="10" presetClass="entr" presetSubtype="0" fill="hold" nodeType="clickEffect">
+                                  <p:stCondLst>
+                                    <p:cond delay="0"/>
+                                  </p:stCondLst>
+                                  <p:childTnLst>
+                                    <p:set>
+                                      <p:cBhvr>
+                                        <p:cTn id="6" dur="1" fill="hold">
+                                          <p:stCondLst>
+                                            <p:cond delay="0"/>
+                                          </p:stCondLst>
+                                        </p:cTn>
+                                        <p:tgtEl>
+                                          <p:spTgt spid="6"/>
+                                        </p:tgtEl>
+                                        <p:attrNameLst>
+                                          <p:attrName>style.visibility</p:attrName>
+                                        </p:attrNameLst>
+                                      </p:cBhvr>
+                                      <p:to>
+                                        <p:strVal val="visible"/>
+                                      </p:to>
+                                    </p:set>
+                                    <p:animEffect transition="in" filter="fade">
+                                      <p:cBhvr>
+                                        <p:cTn id="7" dur="500"/>
+                                        <p:tgtEl>
+                                          <p:spTgt spid="6"/>
+                                        </p:tgtEl>
+                                      </p:cBhvr>
+                                    </p:animEffect>
+                                  </p:childTnLst>
+                                  <p:subTnLst>
+                                    <p:set>
+                                      <p:cBhvr override="childStyle">
+                                        <p:cTn dur="1" fill="hold" display="0" masterRel="nextClick" afterEffect="1"/>
+                                        <p:tgtEl>
+                                          <p:spTgt spid="6"/>
+                                        </p:tgtEl>
+                                        <p:attrNameLst>
+                                          <p:attrName>style.visibility</p:attrName>
+                                        </p:attrNameLst>
+                                      </p:cBhvr>
+                                      <p:to>
+                                        <p:strVal val="hidden"/>
+                                      </p:to>
+                                    </p:set>
+                                  </p:subTnLst>
+                                </p:cTn>
+                              </p:par>
+                            </p:childTnLst>
+                          </p:cTn>
+                        </p:par>
+                      </p:childTnLst>
+                    </p:cTn>
+                  </p:par>
+                  <p:par>
+                    <p:cTn id="8" fill="hold">
+                      <p:stCondLst>
+                        <p:cond delay="indefinite"/>
+                      </p:stCondLst>
+                      <p:childTnLst>
+                        <p:par>
+                          <p:cTn id="9" fill="hold">
+                            <p:stCondLst>
+                              <p:cond delay="0"/>
+                            </p:stCondLst>
+                            <p:childTnLst>
+                              <p:par>
+                                <p:cTn id="10" presetID="10" presetClass="entr" presetSubtype="0" fill="hold" nodeType="clickEffect">
+                                  <p:stCondLst>
+                                    <p:cond delay="0"/>
+                                  </p:stCondLst>
+                                  <p:childTnLst>
+                                    <p:set>
+                                      <p:cBhvr>
+                                        <p:cTn id="11" dur="1" fill="hold">
+                                          <p:stCondLst>
+                                            <p:cond delay="0"/>
+                                          </p:stCondLst>
+                                        </p:cTn>
+                                        <p:tgtEl>
+                                          <p:spTgt spid="7"/>
+                                        </p:tgtEl>
+                                        <p:attrNameLst>
+                                          <p:attrName>style.visibility</p:attrName>
+                                        </p:attrNameLst>
+                                      </p:cBhvr>
+                                      <p:to>
+                                        <p:strVal val="visible"/>
+                                      </p:to>
+                                    </p:set>
+                                    <p:animEffect transition="in" filter="fade">
+                                      <p:cBhvr>
+                                        <p:cTn id="12" dur="500"/>
+                                        <p:tgtEl>
+                                          <p:spTgt spid="7"/>
+                                        </p:tgtEl>
+                                      </p:cBhvr>
+                                    </p:animEffect>
+                                  </p:childTnLst>
+                                </p:cTn>
+                              </p:par>
+                            </p:childTnLst>
+                          </p:cTn>
+                        </p:par>
+                      </p:childTnLst>
+                    </p:cTn>
+                  </p:par>
+                </p:childTnLst>
+              </p:cTn>
+              <p:prevCondLst>
+                <p:cond evt="onPrev" delay="0">
+                  <p:tgtEl>
+                    <p:sldTgt/>
+                  </p:tgtEl>
+                </p:cond>
+              </p:prevCondLst>
+              <p:nextCondLst>
+                <p:cond evt="onNext" delay="0">
+                  <p:tgtEl>
+                    <p:sldTgt/>
+                  </p:tgtEl>
+                </p:cond>
+              </p:nextCondLst>
+            </p:seq>
+          </p:childTnLst>
+        </p:cTn>
+      </p:par>
+    </p:tnLst>
+  </p:timing>
+</p:sld>
+</file>
+
+<file path=ppt/slides/slide37.xml><?xml version="1.0" encoding="utf-8"?>
+<p:sld xmlns:a="http://schemas.openxmlformats.org/drawingml/2006/main" xmlns:r="http://schemas.openxmlformats.org/officeDocument/2006/relationships" xmlns:p="http://schemas.openxmlformats.org/presentationml/2006/main">
+  <p:cSld>
+    <p:spTree>
+      <p:nvGrpSpPr>
+        <p:cNvPr id="1" name=""/>
+        <p:cNvGrpSpPr/>
+        <p:nvPr/>
+      </p:nvGrpSpPr>
+      <p:grpSpPr>
+        <a:xfrm>
+          <a:off x="0" y="0"/>
+          <a:ext cx="0" cy="0"/>
+          <a:chOff x="0" y="0"/>
+          <a:chExt cx="0" cy="0"/>
+        </a:xfrm>
+      </p:grpSpPr>
+      <p:sp>
+        <p:nvSpPr>
+          <p:cNvPr id="2" name="1 Marcador de contenido"/>
+          <p:cNvSpPr>
+            <a:spLocks noGrp="1"/>
+          </p:cNvSpPr>
+          <p:nvPr>
+            <p:ph idx="1"/>
+          </p:nvPr>
+        </p:nvSpPr>
+        <p:spPr/>
+        <p:txBody>
+          <a:bodyPr/>
+          <a:lstStyle/>
+          <a:p>
+            <a:endParaRPr lang="es-ES"/>
+          </a:p>
+        </p:txBody>
+      </p:sp>
+      <p:sp>
+        <p:nvSpPr>
+          <p:cNvPr id="3" name="2 Marcador de número de diapositiva"/>
+          <p:cNvSpPr>
+            <a:spLocks noGrp="1"/>
+          </p:cNvSpPr>
+          <p:nvPr>
+            <p:ph type="sldNum" sz="quarter" idx="12"/>
+          </p:nvPr>
+        </p:nvSpPr>
+        <p:spPr/>
+        <p:txBody>
+          <a:bodyPr/>
+          <a:lstStyle/>
+          <a:p>
+            <a:fld id="{B48C6472-4FB6-4C69-A920-C8307D2FB374}" type="slidenum">
+              <a:rPr lang="es-ES" smtClean="0"/>
+              <a:t>37</a:t>
+            </a:fld>
+            <a:endParaRPr lang="es-ES"/>
+          </a:p>
+        </p:txBody>
+      </p:sp>
+      <p:sp>
+        <p:nvSpPr>
+          <p:cNvPr id="5" name="2 Título"/>
+          <p:cNvSpPr>
+            <a:spLocks noGrp="1"/>
+          </p:cNvSpPr>
+          <p:nvPr>
+            <p:ph type="title"/>
+          </p:nvPr>
+        </p:nvSpPr>
+        <p:spPr/>
+        <p:txBody>
+          <a:bodyPr>
+            <a:normAutofit/>
+          </a:bodyPr>
+          <a:lstStyle/>
+          <a:p>
+            <a:r>
+              <a:rPr lang="es-ES" sz="2200" dirty="0"/>
+              <a:t>Resultados</a:t>
+            </a:r>
+            <a:r>
+              <a:rPr lang="es-ES" dirty="0"/>
+              <a:t/>
+            </a:r>
+            <a:br>
+              <a:rPr lang="es-ES" dirty="0"/>
+            </a:br>
+            <a:r>
+              <a:rPr lang="es-ES" dirty="0"/>
+              <a:t>Motor </a:t>
+            </a:r>
+            <a:r>
+              <a:rPr lang="es-ES" dirty="0" smtClean="0"/>
+              <a:t>gráfico</a:t>
+            </a:r>
+            <a:endParaRPr lang="es-ES" dirty="0"/>
+          </a:p>
+        </p:txBody>
+      </p:sp>
+    </p:spTree>
+    <p:extLst>
+      <p:ext uri="{BB962C8B-B14F-4D97-AF65-F5344CB8AC3E}">
+        <p14:creationId xmlns:p14="http://schemas.microsoft.com/office/powerpoint/2010/main" val="535844925"/>
+      </p:ext>
+    </p:extLst>
+  </p:cSld>
+  <p:clrMapOvr>
+    <a:masterClrMapping/>
+  </p:clrMapOvr>
+  <p:timing>
+    <p:tnLst>
+      <p:par>
+        <p:cTn id="1" dur="indefinite" restart="never" nodeType="tmRoot"/>
+      </p:par>
+    </p:tnLst>
+  </p:timing>
+</p:sld>
+</file>
+
+<file path=ppt/slides/slide38.xml><?xml version="1.0" encoding="utf-8"?>
+<p:sld xmlns:a="http://schemas.openxmlformats.org/drawingml/2006/main" xmlns:r="http://schemas.openxmlformats.org/officeDocument/2006/relationships" xmlns:p="http://schemas.openxmlformats.org/presentationml/2006/main">
+  <p:cSld>
+    <p:spTree>
+      <p:nvGrpSpPr>
+        <p:cNvPr id="1" name=""/>
+        <p:cNvGrpSpPr/>
+        <p:nvPr/>
+      </p:nvGrpSpPr>
+      <p:grpSpPr>
+        <a:xfrm>
+          <a:off x="0" y="0"/>
+          <a:ext cx="0" cy="0"/>
+          <a:chOff x="0" y="0"/>
+          <a:chExt cx="0" cy="0"/>
+        </a:xfrm>
+      </p:grpSpPr>
+      <p:sp>
+        <p:nvSpPr>
+          <p:cNvPr id="2" name="1 Marcador de contenido"/>
+          <p:cNvSpPr>
+            <a:spLocks noGrp="1"/>
+          </p:cNvSpPr>
+          <p:nvPr>
+            <p:ph idx="1"/>
+          </p:nvPr>
+        </p:nvSpPr>
+        <p:spPr/>
+        <p:txBody>
+          <a:bodyPr/>
+          <a:lstStyle/>
+          <a:p>
+            <a:endParaRPr lang="es-ES"/>
+          </a:p>
+        </p:txBody>
+      </p:sp>
+      <p:sp>
+        <p:nvSpPr>
+          <p:cNvPr id="3" name="2 Marcador de número de diapositiva"/>
+          <p:cNvSpPr>
+            <a:spLocks noGrp="1"/>
+          </p:cNvSpPr>
+          <p:nvPr>
+            <p:ph type="sldNum" sz="quarter" idx="12"/>
+          </p:nvPr>
+        </p:nvSpPr>
+        <p:spPr/>
+        <p:txBody>
+          <a:bodyPr/>
+          <a:lstStyle/>
+          <a:p>
+            <a:fld id="{B48C6472-4FB6-4C69-A920-C8307D2FB374}" type="slidenum">
+              <a:rPr lang="es-ES" smtClean="0"/>
+              <a:t>38</a:t>
+            </a:fld>
+            <a:endParaRPr lang="es-ES"/>
+          </a:p>
+        </p:txBody>
+      </p:sp>
+      <p:sp>
+        <p:nvSpPr>
+          <p:cNvPr id="5" name="2 Título"/>
+          <p:cNvSpPr>
+            <a:spLocks noGrp="1"/>
+          </p:cNvSpPr>
+          <p:nvPr>
+            <p:ph type="title"/>
+          </p:nvPr>
+        </p:nvSpPr>
+        <p:spPr/>
+        <p:txBody>
+          <a:bodyPr>
+            <a:normAutofit/>
+          </a:bodyPr>
+          <a:lstStyle/>
+          <a:p>
+            <a:r>
+              <a:rPr lang="es-ES" sz="2200" dirty="0"/>
+              <a:t>Resultados</a:t>
+            </a:r>
+            <a:r>
+              <a:rPr lang="es-ES" dirty="0"/>
+              <a:t/>
+            </a:r>
+            <a:br>
+              <a:rPr lang="es-ES" dirty="0"/>
+            </a:br>
+            <a:r>
+              <a:rPr lang="es-ES" dirty="0"/>
+              <a:t>Motor </a:t>
+            </a:r>
+            <a:r>
+              <a:rPr lang="es-ES" dirty="0" smtClean="0"/>
+              <a:t>gráfico</a:t>
+            </a:r>
+            <a:endParaRPr lang="es-ES" dirty="0"/>
+          </a:p>
+        </p:txBody>
+      </p:sp>
+    </p:spTree>
+    <p:extLst>
+      <p:ext uri="{BB962C8B-B14F-4D97-AF65-F5344CB8AC3E}">
+        <p14:creationId xmlns:p14="http://schemas.microsoft.com/office/powerpoint/2010/main" val="572666865"/>
+      </p:ext>
+    </p:extLst>
+  </p:cSld>
+  <p:clrMapOvr>
+    <a:masterClrMapping/>
+  </p:clrMapOvr>
+  <p:timing>
+    <p:tnLst>
+      <p:par>
+        <p:cTn id="1" dur="indefinite" restart="never" nodeType="tmRoot"/>
+      </p:par>
+    </p:tnLst>
+  </p:timing>
+</p:sld>
+</file>
+
+<file path=ppt/slides/slide39.xml><?xml version="1.0" encoding="utf-8"?>
+<p:sld xmlns:a="http://schemas.openxmlformats.org/drawingml/2006/main" xmlns:r="http://schemas.openxmlformats.org/officeDocument/2006/relationships" xmlns:p="http://schemas.openxmlformats.org/presentationml/2006/main">
+  <p:cSld>
+    <p:spTree>
+      <p:nvGrpSpPr>
+        <p:cNvPr id="1" name=""/>
+        <p:cNvGrpSpPr/>
+        <p:nvPr/>
+      </p:nvGrpSpPr>
+      <p:grpSpPr>
+        <a:xfrm>
+          <a:off x="0" y="0"/>
+          <a:ext cx="0" cy="0"/>
+          <a:chOff x="0" y="0"/>
+          <a:chExt cx="0" cy="0"/>
+        </a:xfrm>
+      </p:grpSpPr>
+      <p:sp>
+        <p:nvSpPr>
+          <p:cNvPr id="2" name="1 Marcador de contenido"/>
+          <p:cNvSpPr>
+            <a:spLocks noGrp="1"/>
+          </p:cNvSpPr>
+          <p:nvPr>
+            <p:ph idx="1"/>
+          </p:nvPr>
+        </p:nvSpPr>
+        <p:spPr/>
+        <p:txBody>
+          <a:bodyPr/>
+          <a:lstStyle/>
+          <a:p>
+            <a:endParaRPr lang="es-ES"/>
+          </a:p>
+        </p:txBody>
+      </p:sp>
+      <p:sp>
+        <p:nvSpPr>
+          <p:cNvPr id="3" name="2 Título"/>
+          <p:cNvSpPr>
+            <a:spLocks noGrp="1"/>
+          </p:cNvSpPr>
+          <p:nvPr>
+            <p:ph type="title"/>
+          </p:nvPr>
+        </p:nvSpPr>
+        <p:spPr/>
+        <p:txBody>
+          <a:bodyPr>
+            <a:normAutofit/>
+          </a:bodyPr>
+          <a:lstStyle/>
+          <a:p>
+            <a:r>
+              <a:rPr lang="es-ES" sz="2200" dirty="0"/>
+              <a:t>Resultados</a:t>
+            </a:r>
+            <a:r>
+              <a:rPr lang="es-ES" dirty="0"/>
+              <a:t/>
+            </a:r>
+            <a:br>
+              <a:rPr lang="es-ES" dirty="0"/>
+            </a:br>
+            <a:r>
+              <a:rPr lang="es-ES" dirty="0"/>
+              <a:t>Aplicación </a:t>
+            </a:r>
+            <a:r>
+              <a:rPr lang="es-ES" dirty="0" smtClean="0"/>
+              <a:t>web</a:t>
+            </a:r>
+            <a:endParaRPr lang="es-ES" dirty="0"/>
+          </a:p>
+        </p:txBody>
+      </p:sp>
+      <p:sp>
+        <p:nvSpPr>
+          <p:cNvPr id="4" name="3 Marcador de número de diapositiva"/>
+          <p:cNvSpPr>
+            <a:spLocks noGrp="1"/>
+          </p:cNvSpPr>
+          <p:nvPr>
+            <p:ph type="sldNum" sz="quarter" idx="12"/>
+          </p:nvPr>
+        </p:nvSpPr>
+        <p:spPr/>
+        <p:txBody>
+          <a:bodyPr/>
+          <a:lstStyle/>
+          <a:p>
+            <a:fld id="{B48C6472-4FB6-4C69-A920-C8307D2FB374}" type="slidenum">
+              <a:rPr lang="es-ES" smtClean="0"/>
+              <a:t>39</a:t>
+            </a:fld>
+            <a:endParaRPr lang="es-ES"/>
+          </a:p>
+        </p:txBody>
+      </p:sp>
+    </p:spTree>
+    <p:extLst>
+      <p:ext uri="{BB962C8B-B14F-4D97-AF65-F5344CB8AC3E}">
+        <p14:creationId xmlns:p14="http://schemas.microsoft.com/office/powerpoint/2010/main" val="3244564199"/>
       </p:ext>
     </p:extLst>
   </p:cSld>
@@ -11585,11 +16853,7 @@
             </a:r>
             <a:r>
               <a:rPr lang="es-ES" dirty="0" smtClean="0"/>
-              <a:t> </a:t>
-            </a:r>
-            <a:r>
-              <a:rPr lang="es-ES" dirty="0" smtClean="0"/>
-              <a:t>al tema</a:t>
+              <a:t> al tema</a:t>
             </a:r>
             <a:endParaRPr lang="es-ES" dirty="0"/>
           </a:p>
@@ -11733,6 +16997,695 @@
 </p:sld>
 </file>
 
+<file path=ppt/slides/slide40.xml><?xml version="1.0" encoding="utf-8"?>
+<p:sld xmlns:a="http://schemas.openxmlformats.org/drawingml/2006/main" xmlns:r="http://schemas.openxmlformats.org/officeDocument/2006/relationships" xmlns:p="http://schemas.openxmlformats.org/presentationml/2006/main">
+  <p:cSld>
+    <p:spTree>
+      <p:nvGrpSpPr>
+        <p:cNvPr id="1" name=""/>
+        <p:cNvGrpSpPr/>
+        <p:nvPr/>
+      </p:nvGrpSpPr>
+      <p:grpSpPr>
+        <a:xfrm>
+          <a:off x="0" y="0"/>
+          <a:ext cx="0" cy="0"/>
+          <a:chOff x="0" y="0"/>
+          <a:chExt cx="0" cy="0"/>
+        </a:xfrm>
+      </p:grpSpPr>
+      <p:sp>
+        <p:nvSpPr>
+          <p:cNvPr id="2" name="1 Título"/>
+          <p:cNvSpPr>
+            <a:spLocks noGrp="1"/>
+          </p:cNvSpPr>
+          <p:nvPr>
+            <p:ph type="title"/>
+          </p:nvPr>
+        </p:nvSpPr>
+        <p:spPr>
+          <a:xfrm>
+            <a:off x="-180528" y="1052736"/>
+            <a:ext cx="7772400" cy="1828800"/>
+          </a:xfrm>
+        </p:spPr>
+        <p:txBody>
+          <a:bodyPr/>
+          <a:lstStyle/>
+          <a:p>
+            <a:r>
+              <a:rPr lang="es-ES" dirty="0" smtClean="0"/>
+              <a:t>6. Demostración</a:t>
+            </a:r>
+            <a:endParaRPr lang="es-ES" dirty="0"/>
+          </a:p>
+        </p:txBody>
+      </p:sp>
+      <p:sp>
+        <p:nvSpPr>
+          <p:cNvPr id="3" name="2 Marcador de texto"/>
+          <p:cNvSpPr>
+            <a:spLocks noGrp="1"/>
+          </p:cNvSpPr>
+          <p:nvPr>
+            <p:ph type="body" idx="1"/>
+          </p:nvPr>
+        </p:nvSpPr>
+        <p:spPr>
+          <a:xfrm>
+            <a:off x="3922712" y="2931712"/>
+            <a:ext cx="5221288" cy="1454888"/>
+          </a:xfrm>
+        </p:spPr>
+        <p:txBody>
+          <a:bodyPr>
+            <a:normAutofit/>
+          </a:bodyPr>
+          <a:lstStyle/>
+          <a:p>
+            <a:r>
+              <a:rPr lang="es-ES" sz="1900" dirty="0" smtClean="0"/>
+              <a:t>http://alarcosj.esi.uclm.es/desglosa-web</a:t>
+            </a:r>
+            <a:endParaRPr lang="es-ES" sz="1900" dirty="0"/>
+          </a:p>
+        </p:txBody>
+      </p:sp>
+      <p:sp>
+        <p:nvSpPr>
+          <p:cNvPr id="4" name="3 Marcador de número de diapositiva"/>
+          <p:cNvSpPr>
+            <a:spLocks noGrp="1"/>
+          </p:cNvSpPr>
+          <p:nvPr>
+            <p:ph type="sldNum" sz="quarter" idx="12"/>
+          </p:nvPr>
+        </p:nvSpPr>
+        <p:spPr/>
+        <p:txBody>
+          <a:bodyPr/>
+          <a:lstStyle/>
+          <a:p>
+            <a:fld id="{B48C6472-4FB6-4C69-A920-C8307D2FB374}" type="slidenum">
+              <a:rPr lang="es-ES" smtClean="0"/>
+              <a:t>40</a:t>
+            </a:fld>
+            <a:endParaRPr lang="es-ES"/>
+          </a:p>
+        </p:txBody>
+      </p:sp>
+    </p:spTree>
+    <p:extLst>
+      <p:ext uri="{BB962C8B-B14F-4D97-AF65-F5344CB8AC3E}">
+        <p14:creationId xmlns:p14="http://schemas.microsoft.com/office/powerpoint/2010/main" val="1180143558"/>
+      </p:ext>
+    </p:extLst>
+  </p:cSld>
+  <p:clrMapOvr>
+    <a:masterClrMapping/>
+  </p:clrMapOvr>
+  <p:timing>
+    <p:tnLst>
+      <p:par>
+        <p:cTn id="1" dur="indefinite" restart="never" nodeType="tmRoot"/>
+      </p:par>
+    </p:tnLst>
+  </p:timing>
+</p:sld>
+</file>
+
+<file path=ppt/slides/slide41.xml><?xml version="1.0" encoding="utf-8"?>
+<p:sld xmlns:a="http://schemas.openxmlformats.org/drawingml/2006/main" xmlns:r="http://schemas.openxmlformats.org/officeDocument/2006/relationships" xmlns:p="http://schemas.openxmlformats.org/presentationml/2006/main">
+  <p:cSld>
+    <p:spTree>
+      <p:nvGrpSpPr>
+        <p:cNvPr id="1" name=""/>
+        <p:cNvGrpSpPr/>
+        <p:nvPr/>
+      </p:nvGrpSpPr>
+      <p:grpSpPr>
+        <a:xfrm>
+          <a:off x="0" y="0"/>
+          <a:ext cx="0" cy="0"/>
+          <a:chOff x="0" y="0"/>
+          <a:chExt cx="0" cy="0"/>
+        </a:xfrm>
+      </p:grpSpPr>
+      <p:sp>
+        <p:nvSpPr>
+          <p:cNvPr id="2" name="1 Título"/>
+          <p:cNvSpPr>
+            <a:spLocks noGrp="1"/>
+          </p:cNvSpPr>
+          <p:nvPr>
+            <p:ph type="title"/>
+          </p:nvPr>
+        </p:nvSpPr>
+        <p:spPr>
+          <a:xfrm>
+            <a:off x="-324544" y="1052736"/>
+            <a:ext cx="7772400" cy="1828800"/>
+          </a:xfrm>
+        </p:spPr>
+        <p:txBody>
+          <a:bodyPr/>
+          <a:lstStyle/>
+          <a:p>
+            <a:r>
+              <a:rPr lang="es-ES" dirty="0" smtClean="0"/>
+              <a:t>7. Conclusiones</a:t>
+            </a:r>
+            <a:endParaRPr lang="es-ES" dirty="0"/>
+          </a:p>
+        </p:txBody>
+      </p:sp>
+      <p:sp>
+        <p:nvSpPr>
+          <p:cNvPr id="3" name="2 Marcador de texto"/>
+          <p:cNvSpPr>
+            <a:spLocks noGrp="1"/>
+          </p:cNvSpPr>
+          <p:nvPr>
+            <p:ph type="body" idx="1"/>
+          </p:nvPr>
+        </p:nvSpPr>
+        <p:spPr>
+          <a:xfrm>
+            <a:off x="3922712" y="2931712"/>
+            <a:ext cx="4969767" cy="1454888"/>
+          </a:xfrm>
+        </p:spPr>
+        <p:txBody>
+          <a:bodyPr>
+            <a:normAutofit fontScale="92500"/>
+          </a:bodyPr>
+          <a:lstStyle/>
+          <a:p>
+            <a:r>
+              <a:rPr lang="es-ES" dirty="0" smtClean="0"/>
+              <a:t>Aspectos destacables del resultado</a:t>
+            </a:r>
+          </a:p>
+          <a:p>
+            <a:r>
+              <a:rPr lang="es-ES" dirty="0" smtClean="0"/>
+              <a:t>Trabajo actual y futuro</a:t>
+            </a:r>
+          </a:p>
+          <a:p>
+            <a:r>
+              <a:rPr lang="es-ES" dirty="0" smtClean="0"/>
+              <a:t>Conocimientos adquiridos</a:t>
+            </a:r>
+            <a:endParaRPr lang="es-ES" dirty="0"/>
+          </a:p>
+        </p:txBody>
+      </p:sp>
+      <p:sp>
+        <p:nvSpPr>
+          <p:cNvPr id="4" name="3 Marcador de número de diapositiva"/>
+          <p:cNvSpPr>
+            <a:spLocks noGrp="1"/>
+          </p:cNvSpPr>
+          <p:nvPr>
+            <p:ph type="sldNum" sz="quarter" idx="12"/>
+          </p:nvPr>
+        </p:nvSpPr>
+        <p:spPr/>
+        <p:txBody>
+          <a:bodyPr/>
+          <a:lstStyle/>
+          <a:p>
+            <a:fld id="{B48C6472-4FB6-4C69-A920-C8307D2FB374}" type="slidenum">
+              <a:rPr lang="es-ES" smtClean="0"/>
+              <a:t>41</a:t>
+            </a:fld>
+            <a:endParaRPr lang="es-ES"/>
+          </a:p>
+        </p:txBody>
+      </p:sp>
+    </p:spTree>
+    <p:extLst>
+      <p:ext uri="{BB962C8B-B14F-4D97-AF65-F5344CB8AC3E}">
+        <p14:creationId xmlns:p14="http://schemas.microsoft.com/office/powerpoint/2010/main" val="2294950241"/>
+      </p:ext>
+    </p:extLst>
+  </p:cSld>
+  <p:clrMapOvr>
+    <a:masterClrMapping/>
+  </p:clrMapOvr>
+  <p:timing>
+    <p:tnLst>
+      <p:par>
+        <p:cTn id="1" dur="indefinite" restart="never" nodeType="tmRoot"/>
+      </p:par>
+    </p:tnLst>
+  </p:timing>
+</p:sld>
+</file>
+
+<file path=ppt/slides/slide42.xml><?xml version="1.0" encoding="utf-8"?>
+<p:sld xmlns:a="http://schemas.openxmlformats.org/drawingml/2006/main" xmlns:r="http://schemas.openxmlformats.org/officeDocument/2006/relationships" xmlns:p="http://schemas.openxmlformats.org/presentationml/2006/main">
+  <p:cSld>
+    <p:spTree>
+      <p:nvGrpSpPr>
+        <p:cNvPr id="1" name=""/>
+        <p:cNvGrpSpPr/>
+        <p:nvPr/>
+      </p:nvGrpSpPr>
+      <p:grpSpPr>
+        <a:xfrm>
+          <a:off x="0" y="0"/>
+          <a:ext cx="0" cy="0"/>
+          <a:chOff x="0" y="0"/>
+          <a:chExt cx="0" cy="0"/>
+        </a:xfrm>
+      </p:grpSpPr>
+      <p:sp>
+        <p:nvSpPr>
+          <p:cNvPr id="2" name="1 Marcador de contenido"/>
+          <p:cNvSpPr>
+            <a:spLocks noGrp="1"/>
+          </p:cNvSpPr>
+          <p:nvPr>
+            <p:ph idx="1"/>
+          </p:nvPr>
+        </p:nvSpPr>
+        <p:spPr/>
+        <p:txBody>
+          <a:bodyPr/>
+          <a:lstStyle/>
+          <a:p>
+            <a:endParaRPr lang="es-ES"/>
+          </a:p>
+        </p:txBody>
+      </p:sp>
+      <p:sp>
+        <p:nvSpPr>
+          <p:cNvPr id="3" name="2 Título"/>
+          <p:cNvSpPr>
+            <a:spLocks noGrp="1"/>
+          </p:cNvSpPr>
+          <p:nvPr>
+            <p:ph type="title"/>
+          </p:nvPr>
+        </p:nvSpPr>
+        <p:spPr/>
+        <p:txBody>
+          <a:bodyPr>
+            <a:normAutofit fontScale="90000"/>
+          </a:bodyPr>
+          <a:lstStyle/>
+          <a:p>
+            <a:r>
+              <a:rPr lang="es-ES" sz="2400" dirty="0" smtClean="0"/>
+              <a:t>Conclusiones</a:t>
+            </a:r>
+            <a:r>
+              <a:rPr lang="es-ES" dirty="0" smtClean="0"/>
+              <a:t/>
+            </a:r>
+            <a:br>
+              <a:rPr lang="es-ES" dirty="0" smtClean="0"/>
+            </a:br>
+            <a:r>
+              <a:rPr lang="es-ES" dirty="0" smtClean="0"/>
+              <a:t>Aspectos destacables del resultado</a:t>
+            </a:r>
+            <a:endParaRPr lang="es-ES" dirty="0"/>
+          </a:p>
+        </p:txBody>
+      </p:sp>
+      <p:sp>
+        <p:nvSpPr>
+          <p:cNvPr id="4" name="3 Marcador de número de diapositiva"/>
+          <p:cNvSpPr>
+            <a:spLocks noGrp="1"/>
+          </p:cNvSpPr>
+          <p:nvPr>
+            <p:ph type="sldNum" sz="quarter" idx="12"/>
+          </p:nvPr>
+        </p:nvSpPr>
+        <p:spPr/>
+        <p:txBody>
+          <a:bodyPr/>
+          <a:lstStyle/>
+          <a:p>
+            <a:fld id="{B48C6472-4FB6-4C69-A920-C8307D2FB374}" type="slidenum">
+              <a:rPr lang="es-ES" smtClean="0"/>
+              <a:t>42</a:t>
+            </a:fld>
+            <a:endParaRPr lang="es-ES"/>
+          </a:p>
+        </p:txBody>
+      </p:sp>
+    </p:spTree>
+    <p:extLst>
+      <p:ext uri="{BB962C8B-B14F-4D97-AF65-F5344CB8AC3E}">
+        <p14:creationId xmlns:p14="http://schemas.microsoft.com/office/powerpoint/2010/main" val="3739066847"/>
+      </p:ext>
+    </p:extLst>
+  </p:cSld>
+  <p:clrMapOvr>
+    <a:masterClrMapping/>
+  </p:clrMapOvr>
+  <p:timing>
+    <p:tnLst>
+      <p:par>
+        <p:cTn id="1" dur="indefinite" restart="never" nodeType="tmRoot"/>
+      </p:par>
+    </p:tnLst>
+  </p:timing>
+</p:sld>
+</file>
+
+<file path=ppt/slides/slide43.xml><?xml version="1.0" encoding="utf-8"?>
+<p:sld xmlns:a="http://schemas.openxmlformats.org/drawingml/2006/main" xmlns:r="http://schemas.openxmlformats.org/officeDocument/2006/relationships" xmlns:p="http://schemas.openxmlformats.org/presentationml/2006/main">
+  <p:cSld>
+    <p:spTree>
+      <p:nvGrpSpPr>
+        <p:cNvPr id="1" name=""/>
+        <p:cNvGrpSpPr/>
+        <p:nvPr/>
+      </p:nvGrpSpPr>
+      <p:grpSpPr>
+        <a:xfrm>
+          <a:off x="0" y="0"/>
+          <a:ext cx="0" cy="0"/>
+          <a:chOff x="0" y="0"/>
+          <a:chExt cx="0" cy="0"/>
+        </a:xfrm>
+      </p:grpSpPr>
+      <p:sp>
+        <p:nvSpPr>
+          <p:cNvPr id="2" name="1 Marcador de contenido"/>
+          <p:cNvSpPr>
+            <a:spLocks noGrp="1"/>
+          </p:cNvSpPr>
+          <p:nvPr>
+            <p:ph idx="1"/>
+          </p:nvPr>
+        </p:nvSpPr>
+        <p:spPr/>
+        <p:txBody>
+          <a:bodyPr/>
+          <a:lstStyle/>
+          <a:p>
+            <a:endParaRPr lang="es-ES"/>
+          </a:p>
+        </p:txBody>
+      </p:sp>
+      <p:sp>
+        <p:nvSpPr>
+          <p:cNvPr id="3" name="2 Título"/>
+          <p:cNvSpPr>
+            <a:spLocks noGrp="1"/>
+          </p:cNvSpPr>
+          <p:nvPr>
+            <p:ph type="title"/>
+          </p:nvPr>
+        </p:nvSpPr>
+        <p:spPr/>
+        <p:txBody>
+          <a:bodyPr>
+            <a:normAutofit/>
+          </a:bodyPr>
+          <a:lstStyle/>
+          <a:p>
+            <a:r>
+              <a:rPr lang="es-ES" sz="2200" dirty="0"/>
+              <a:t>Conclusiones</a:t>
+            </a:r>
+            <a:r>
+              <a:rPr lang="es-ES" dirty="0"/>
+              <a:t/>
+            </a:r>
+            <a:br>
+              <a:rPr lang="es-ES" dirty="0"/>
+            </a:br>
+            <a:r>
+              <a:rPr lang="es-ES" dirty="0"/>
+              <a:t>Trabajo </a:t>
+            </a:r>
+            <a:r>
+              <a:rPr lang="es-ES" dirty="0" smtClean="0"/>
+              <a:t>actual y futuro</a:t>
+            </a:r>
+            <a:endParaRPr lang="es-ES" dirty="0"/>
+          </a:p>
+        </p:txBody>
+      </p:sp>
+      <p:sp>
+        <p:nvSpPr>
+          <p:cNvPr id="4" name="3 Marcador de número de diapositiva"/>
+          <p:cNvSpPr>
+            <a:spLocks noGrp="1"/>
+          </p:cNvSpPr>
+          <p:nvPr>
+            <p:ph type="sldNum" sz="quarter" idx="12"/>
+          </p:nvPr>
+        </p:nvSpPr>
+        <p:spPr/>
+        <p:txBody>
+          <a:bodyPr/>
+          <a:lstStyle/>
+          <a:p>
+            <a:fld id="{B48C6472-4FB6-4C69-A920-C8307D2FB374}" type="slidenum">
+              <a:rPr lang="es-ES" smtClean="0"/>
+              <a:t>43</a:t>
+            </a:fld>
+            <a:endParaRPr lang="es-ES"/>
+          </a:p>
+        </p:txBody>
+      </p:sp>
+    </p:spTree>
+    <p:extLst>
+      <p:ext uri="{BB962C8B-B14F-4D97-AF65-F5344CB8AC3E}">
+        <p14:creationId xmlns:p14="http://schemas.microsoft.com/office/powerpoint/2010/main" val="3460846308"/>
+      </p:ext>
+    </p:extLst>
+  </p:cSld>
+  <p:clrMapOvr>
+    <a:masterClrMapping/>
+  </p:clrMapOvr>
+  <p:timing>
+    <p:tnLst>
+      <p:par>
+        <p:cTn id="1" dur="indefinite" restart="never" nodeType="tmRoot"/>
+      </p:par>
+    </p:tnLst>
+  </p:timing>
+</p:sld>
+</file>
+
+<file path=ppt/slides/slide44.xml><?xml version="1.0" encoding="utf-8"?>
+<p:sld xmlns:a="http://schemas.openxmlformats.org/drawingml/2006/main" xmlns:r="http://schemas.openxmlformats.org/officeDocument/2006/relationships" xmlns:p="http://schemas.openxmlformats.org/presentationml/2006/main">
+  <p:cSld>
+    <p:spTree>
+      <p:nvGrpSpPr>
+        <p:cNvPr id="1" name=""/>
+        <p:cNvGrpSpPr/>
+        <p:nvPr/>
+      </p:nvGrpSpPr>
+      <p:grpSpPr>
+        <a:xfrm>
+          <a:off x="0" y="0"/>
+          <a:ext cx="0" cy="0"/>
+          <a:chOff x="0" y="0"/>
+          <a:chExt cx="0" cy="0"/>
+        </a:xfrm>
+      </p:grpSpPr>
+      <p:sp>
+        <p:nvSpPr>
+          <p:cNvPr id="2" name="1 Marcador de contenido"/>
+          <p:cNvSpPr>
+            <a:spLocks noGrp="1"/>
+          </p:cNvSpPr>
+          <p:nvPr>
+            <p:ph idx="1"/>
+          </p:nvPr>
+        </p:nvSpPr>
+        <p:spPr/>
+        <p:txBody>
+          <a:bodyPr/>
+          <a:lstStyle/>
+          <a:p>
+            <a:endParaRPr lang="es-ES"/>
+          </a:p>
+        </p:txBody>
+      </p:sp>
+      <p:sp>
+        <p:nvSpPr>
+          <p:cNvPr id="3" name="2 Título"/>
+          <p:cNvSpPr>
+            <a:spLocks noGrp="1"/>
+          </p:cNvSpPr>
+          <p:nvPr>
+            <p:ph type="title"/>
+          </p:nvPr>
+        </p:nvSpPr>
+        <p:spPr/>
+        <p:txBody>
+          <a:bodyPr>
+            <a:normAutofit/>
+          </a:bodyPr>
+          <a:lstStyle/>
+          <a:p>
+            <a:r>
+              <a:rPr lang="es-ES" sz="2200" dirty="0"/>
+              <a:t>Conclusiones</a:t>
+            </a:r>
+            <a:r>
+              <a:rPr lang="es-ES" dirty="0"/>
+              <a:t/>
+            </a:r>
+            <a:br>
+              <a:rPr lang="es-ES" dirty="0"/>
+            </a:br>
+            <a:r>
+              <a:rPr lang="es-ES" dirty="0"/>
+              <a:t>Conocimientos </a:t>
+            </a:r>
+            <a:r>
+              <a:rPr lang="es-ES" dirty="0" smtClean="0"/>
+              <a:t>adquiridos</a:t>
+            </a:r>
+            <a:endParaRPr lang="es-ES" dirty="0"/>
+          </a:p>
+        </p:txBody>
+      </p:sp>
+      <p:sp>
+        <p:nvSpPr>
+          <p:cNvPr id="4" name="3 Marcador de número de diapositiva"/>
+          <p:cNvSpPr>
+            <a:spLocks noGrp="1"/>
+          </p:cNvSpPr>
+          <p:nvPr>
+            <p:ph type="sldNum" sz="quarter" idx="12"/>
+          </p:nvPr>
+        </p:nvSpPr>
+        <p:spPr/>
+        <p:txBody>
+          <a:bodyPr/>
+          <a:lstStyle/>
+          <a:p>
+            <a:fld id="{B48C6472-4FB6-4C69-A920-C8307D2FB374}" type="slidenum">
+              <a:rPr lang="es-ES" smtClean="0"/>
+              <a:t>44</a:t>
+            </a:fld>
+            <a:endParaRPr lang="es-ES"/>
+          </a:p>
+        </p:txBody>
+      </p:sp>
+    </p:spTree>
+    <p:extLst>
+      <p:ext uri="{BB962C8B-B14F-4D97-AF65-F5344CB8AC3E}">
+        <p14:creationId xmlns:p14="http://schemas.microsoft.com/office/powerpoint/2010/main" val="2351709267"/>
+      </p:ext>
+    </p:extLst>
+  </p:cSld>
+  <p:clrMapOvr>
+    <a:masterClrMapping/>
+  </p:clrMapOvr>
+  <p:timing>
+    <p:tnLst>
+      <p:par>
+        <p:cTn id="1" dur="indefinite" restart="never" nodeType="tmRoot"/>
+      </p:par>
+    </p:tnLst>
+  </p:timing>
+</p:sld>
+</file>
+
+<file path=ppt/slides/slide45.xml><?xml version="1.0" encoding="utf-8"?>
+<p:sld xmlns:a="http://schemas.openxmlformats.org/drawingml/2006/main" xmlns:r="http://schemas.openxmlformats.org/officeDocument/2006/relationships" xmlns:p="http://schemas.openxmlformats.org/presentationml/2006/main">
+  <p:cSld>
+    <p:spTree>
+      <p:nvGrpSpPr>
+        <p:cNvPr id="1" name=""/>
+        <p:cNvGrpSpPr/>
+        <p:nvPr/>
+      </p:nvGrpSpPr>
+      <p:grpSpPr>
+        <a:xfrm>
+          <a:off x="0" y="0"/>
+          <a:ext cx="0" cy="0"/>
+          <a:chOff x="0" y="0"/>
+          <a:chExt cx="0" cy="0"/>
+        </a:xfrm>
+      </p:grpSpPr>
+      <p:sp>
+        <p:nvSpPr>
+          <p:cNvPr id="2" name="1 Título"/>
+          <p:cNvSpPr>
+            <a:spLocks noGrp="1"/>
+          </p:cNvSpPr>
+          <p:nvPr>
+            <p:ph type="title"/>
+          </p:nvPr>
+        </p:nvSpPr>
+        <p:spPr>
+          <a:xfrm>
+            <a:off x="1763688" y="2276872"/>
+            <a:ext cx="8229600" cy="1143000"/>
+          </a:xfrm>
+        </p:spPr>
+        <p:txBody>
+          <a:bodyPr/>
+          <a:lstStyle/>
+          <a:p>
+            <a:r>
+              <a:rPr lang="es-ES" dirty="0" smtClean="0"/>
+              <a:t>Gracias por su atención</a:t>
+            </a:r>
+            <a:endParaRPr lang="es-ES" dirty="0"/>
+          </a:p>
+        </p:txBody>
+      </p:sp>
+      <p:sp>
+        <p:nvSpPr>
+          <p:cNvPr id="3" name="2 Marcador de número de diapositiva"/>
+          <p:cNvSpPr>
+            <a:spLocks noGrp="1"/>
+          </p:cNvSpPr>
+          <p:nvPr>
+            <p:ph type="sldNum" sz="quarter" idx="12"/>
+          </p:nvPr>
+        </p:nvSpPr>
+        <p:spPr/>
+        <p:txBody>
+          <a:bodyPr/>
+          <a:lstStyle/>
+          <a:p>
+            <a:fld id="{B48C6472-4FB6-4C69-A920-C8307D2FB374}" type="slidenum">
+              <a:rPr lang="es-ES" smtClean="0"/>
+              <a:t>45</a:t>
+            </a:fld>
+            <a:endParaRPr lang="es-ES"/>
+          </a:p>
+        </p:txBody>
+      </p:sp>
+    </p:spTree>
+    <p:extLst>
+      <p:ext uri="{BB962C8B-B14F-4D97-AF65-F5344CB8AC3E}">
+        <p14:creationId xmlns:p14="http://schemas.microsoft.com/office/powerpoint/2010/main" val="422324420"/>
+      </p:ext>
+    </p:extLst>
+  </p:cSld>
+  <p:clrMapOvr>
+    <a:masterClrMapping/>
+  </p:clrMapOvr>
+  <p:timing>
+    <p:tnLst>
+      <p:par>
+        <p:cTn id="1" dur="indefinite" restart="never" nodeType="tmRoot"/>
+      </p:par>
+    </p:tnLst>
+  </p:timing>
+</p:sld>
+</file>
+
 <file path=ppt/slides/slide5.xml><?xml version="1.0" encoding="utf-8"?>
 <p:sld xmlns:a="http://schemas.openxmlformats.org/drawingml/2006/main" xmlns:r="http://schemas.openxmlformats.org/officeDocument/2006/relationships" xmlns:p="http://schemas.openxmlformats.org/presentationml/2006/main">
   <p:cSld>
@@ -11838,11 +17791,7 @@
             </a:r>
             <a:r>
               <a:rPr lang="es-ES" dirty="0" smtClean="0"/>
-              <a:t> </a:t>
-            </a:r>
-            <a:r>
-              <a:rPr lang="es-ES" dirty="0" smtClean="0"/>
-              <a:t>al tema</a:t>
+              <a:t> al tema</a:t>
             </a:r>
             <a:endParaRPr lang="es-ES" dirty="0"/>
           </a:p>
@@ -12338,11 +18287,7 @@
             </a:r>
             <a:r>
               <a:rPr lang="es-ES" dirty="0" smtClean="0"/>
-              <a:t> </a:t>
-            </a:r>
-            <a:r>
-              <a:rPr lang="es-ES" dirty="0" smtClean="0"/>
-              <a:t>al tema</a:t>
+              <a:t> al tema</a:t>
             </a:r>
             <a:endParaRPr lang="es-ES" dirty="0"/>
           </a:p>
@@ -13736,11 +19681,7 @@
             </a:br>
             <a:r>
               <a:rPr lang="es-ES" dirty="0" smtClean="0"/>
-              <a:t>Qué </a:t>
-            </a:r>
-            <a:r>
-              <a:rPr lang="es-ES" dirty="0" smtClean="0"/>
-              <a:t>se propone</a:t>
+              <a:t>Qué se propone</a:t>
             </a:r>
             <a:endParaRPr lang="es-ES" dirty="0"/>
           </a:p>
